--- a/Slides/Lesson 7.2 More Examples of Invariants.pptx
+++ b/Slides/Lesson 7.2 More Examples of Invariants.pptx
@@ -225,7 +225,7 @@
           <a:p>
             <a:fld id="{CA5085ED-56B4-45A6-801A-98AC77E76501}" type="datetimeFigureOut">
               <a:rPr lang="en-US" smtClean="0"/>
-              <a:t>9/26/2015</a:t>
+              <a:t>9/28/2015</a:t>
             </a:fld>
             <a:endParaRPr lang="en-US"/>
           </a:p>
@@ -1191,7 +1191,7 @@
           <a:p>
             <a:fld id="{2F1F79F5-7BEC-496A-AFC7-876E38F64D71}" type="datetime1">
               <a:rPr lang="en-US" smtClean="0"/>
-              <a:t>9/26/2015</a:t>
+              <a:t>9/28/2015</a:t>
             </a:fld>
             <a:endParaRPr lang="en-US"/>
           </a:p>
@@ -1293,7 +1293,7 @@
           <a:p>
             <a:fld id="{0A05703A-7669-4FEA-9056-25299B4D29D4}" type="datetime1">
               <a:rPr lang="en-US" smtClean="0"/>
-              <a:t>9/26/2015</a:t>
+              <a:t>9/28/2015</a:t>
             </a:fld>
             <a:endParaRPr lang="en-US"/>
           </a:p>
@@ -1570,7 +1570,7 @@
           <a:p>
             <a:fld id="{6E5077B5-BB57-49DB-88CA-226A139E5C01}" type="datetime1">
               <a:rPr lang="en-US" smtClean="0"/>
-              <a:t>9/26/2015</a:t>
+              <a:t>9/28/2015</a:t>
             </a:fld>
             <a:endParaRPr lang="en-US"/>
           </a:p>
@@ -1823,7 +1823,7 @@
           <a:p>
             <a:fld id="{C48D9447-CBD6-49A1-89FD-8512A8CF8999}" type="datetime1">
               <a:rPr lang="en-US" smtClean="0"/>
-              <a:t>9/26/2015</a:t>
+              <a:t>9/28/2015</a:t>
             </a:fld>
             <a:endParaRPr lang="en-US"/>
           </a:p>
@@ -1993,7 +1993,7 @@
           <a:p>
             <a:fld id="{A3639A2A-823D-48B7-9ACE-7FAF42870BA9}" type="datetime1">
               <a:rPr lang="en-US" smtClean="0"/>
-              <a:t>9/26/2015</a:t>
+              <a:t>9/28/2015</a:t>
             </a:fld>
             <a:endParaRPr lang="en-US"/>
           </a:p>
@@ -2173,7 +2173,7 @@
           <a:p>
             <a:fld id="{ED1B6996-82E9-463C-972C-7B56056E426C}" type="datetime1">
               <a:rPr lang="en-US" smtClean="0"/>
-              <a:t>9/26/2015</a:t>
+              <a:t>9/28/2015</a:t>
             </a:fld>
             <a:endParaRPr lang="en-US"/>
           </a:p>
@@ -2356,7 +2356,7 @@
           <a:p>
             <a:fld id="{E22ED4DA-448D-4BB1-B935-CC112220207B}" type="datetime1">
               <a:rPr lang="en-US" smtClean="0"/>
-              <a:t>9/26/2015</a:t>
+              <a:t>9/28/2015</a:t>
             </a:fld>
             <a:endParaRPr lang="en-US"/>
           </a:p>
@@ -2538,7 +2538,7 @@
           <a:p>
             <a:fld id="{E22ED4DA-448D-4BB1-B935-CC112220207B}" type="datetime1">
               <a:rPr lang="en-US" smtClean="0"/>
-              <a:t>9/26/2015</a:t>
+              <a:t>9/28/2015</a:t>
             </a:fld>
             <a:endParaRPr lang="en-US"/>
           </a:p>
@@ -2807,7 +2807,7 @@
           <a:p>
             <a:fld id="{FF5D65A6-AB94-4435-B0B7-3743215FA46C}" type="datetime1">
               <a:rPr lang="en-US" smtClean="0"/>
-              <a:t>9/26/2015</a:t>
+              <a:t>9/28/2015</a:t>
             </a:fld>
             <a:endParaRPr lang="en-US"/>
           </a:p>
@@ -2992,7 +2992,7 @@
           <a:p>
             <a:fld id="{FF5D65A6-AB94-4435-B0B7-3743215FA46C}" type="datetime1">
               <a:rPr lang="en-US" smtClean="0"/>
-              <a:t>9/26/2015</a:t>
+              <a:t>9/28/2015</a:t>
             </a:fld>
             <a:endParaRPr lang="en-US"/>
           </a:p>
@@ -3294,7 +3294,7 @@
           <a:p>
             <a:fld id="{7C193DC4-6EF0-48C9-B29C-616106A645E1}" type="datetime1">
               <a:rPr lang="en-US" smtClean="0"/>
-              <a:t>9/26/2015</a:t>
+              <a:t>9/28/2015</a:t>
             </a:fld>
             <a:endParaRPr lang="en-US"/>
           </a:p>
@@ -3582,7 +3582,7 @@
           <a:p>
             <a:fld id="{5D1846AD-9252-4647-9435-4C2AC365653A}" type="datetime1">
               <a:rPr lang="en-US" smtClean="0"/>
-              <a:t>9/26/2015</a:t>
+              <a:t>9/28/2015</a:t>
             </a:fld>
             <a:endParaRPr lang="en-US"/>
           </a:p>
@@ -4004,7 +4004,7 @@
           <a:p>
             <a:fld id="{CE56DC10-3561-4063-A6AF-C1CC7A41040A}" type="datetime1">
               <a:rPr lang="en-US" smtClean="0"/>
-              <a:t>9/26/2015</a:t>
+              <a:t>9/28/2015</a:t>
             </a:fld>
             <a:endParaRPr lang="en-US"/>
           </a:p>
@@ -4122,7 +4122,7 @@
           <a:p>
             <a:fld id="{2F7B77F5-1464-4F6B-92A8-64FC8A508293}" type="datetime1">
               <a:rPr lang="en-US" smtClean="0"/>
-              <a:t>9/26/2015</a:t>
+              <a:t>9/28/2015</a:t>
             </a:fld>
             <a:endParaRPr lang="en-US"/>
           </a:p>
@@ -4354,7 +4354,7 @@
           <a:p>
             <a:fld id="{02B3F677-983B-48DB-ADFD-63FE6CBC7FB2}" type="datetime1">
               <a:rPr lang="en-US" smtClean="0"/>
-              <a:t>9/26/2015</a:t>
+              <a:t>9/28/2015</a:t>
             </a:fld>
             <a:endParaRPr lang="en-US"/>
           </a:p>
@@ -5010,46 +5010,30 @@
           <a:p>
             <a:r>
               <a:rPr lang="en-US" dirty="0" smtClean="0"/>
-              <a:t>What about mutually recursive data </a:t>
-            </a:r>
+              <a:t>What about mutually recursive data definitions?</a:t>
+            </a:r>
+            <a:endParaRPr lang="en-US" dirty="0"/>
+          </a:p>
+        </p:txBody>
+      </p:sp>
+      <p:sp>
+        <p:nvSpPr>
+          <p:cNvPr id="3" name="Content Placeholder 2"/>
+          <p:cNvSpPr>
+            <a:spLocks noGrp="1"/>
+          </p:cNvSpPr>
+          <p:nvPr>
+            <p:ph idx="1"/>
+          </p:nvPr>
+        </p:nvSpPr>
+        <p:spPr/>
+        <p:txBody>
+          <a:bodyPr/>
+          <a:lstStyle/>
+          <a:p>
             <a:r>
               <a:rPr lang="en-US" dirty="0" smtClean="0"/>
-              <a:t>definitions</a:t>
-            </a:r>
-            <a:r>
-              <a:rPr lang="en-US" dirty="0" smtClean="0"/>
-              <a:t>?</a:t>
-            </a:r>
-            <a:endParaRPr lang="en-US" dirty="0"/>
-          </a:p>
-        </p:txBody>
-      </p:sp>
-      <p:sp>
-        <p:nvSpPr>
-          <p:cNvPr id="3" name="Content Placeholder 2"/>
-          <p:cNvSpPr>
-            <a:spLocks noGrp="1"/>
-          </p:cNvSpPr>
-          <p:nvPr>
-            <p:ph idx="1"/>
-          </p:nvPr>
-        </p:nvSpPr>
-        <p:spPr/>
-        <p:txBody>
-          <a:bodyPr/>
-          <a:lstStyle/>
-          <a:p>
-            <a:r>
-              <a:rPr lang="en-US" dirty="0" smtClean="0"/>
-              <a:t>You’ll have two mutually recursive </a:t>
-            </a:r>
-            <a:r>
-              <a:rPr lang="en-US" dirty="0" smtClean="0"/>
-              <a:t>functions to </a:t>
-            </a:r>
-            <a:r>
-              <a:rPr lang="en-US" dirty="0" smtClean="0"/>
-              <a:t>handle the sub-</a:t>
+              <a:t>You’ll have two mutually recursive functions to handle the sub-</a:t>
             </a:r>
             <a:r>
               <a:rPr lang="en-US" dirty="0" err="1" smtClean="0"/>
@@ -5272,33 +5256,22 @@
                 <a:latin typeface="Consolas" pitchFamily="49" charset="0"/>
                 <a:cs typeface="Consolas" pitchFamily="49" charset="0"/>
               </a:rPr>
-              <a:t> </a:t>
+              <a:t> sos0, and &lt;describe </a:t>
+            </a:r>
+            <a:r>
+              <a:rPr lang="en-US" b="1" dirty="0" err="1" smtClean="0">
+                <a:latin typeface="Consolas" pitchFamily="49" charset="0"/>
+                <a:cs typeface="Consolas" pitchFamily="49" charset="0"/>
+              </a:rPr>
+              <a:t>ctxt</a:t>
             </a:r>
             <a:r>
               <a:rPr lang="en-US" b="1" dirty="0" smtClean="0">
                 <a:latin typeface="Consolas" pitchFamily="49" charset="0"/>
                 <a:cs typeface="Consolas" pitchFamily="49" charset="0"/>
               </a:rPr>
-              <a:t>sos0, and &lt;describe </a:t>
-            </a:r>
-            <a:r>
-              <a:rPr lang="en-US" b="1" dirty="0" err="1" smtClean="0">
-                <a:latin typeface="Consolas" pitchFamily="49" charset="0"/>
-                <a:cs typeface="Consolas" pitchFamily="49" charset="0"/>
-              </a:rPr>
-              <a:t>ctxt</a:t>
-            </a:r>
-            <a:r>
-              <a:rPr lang="en-US" b="1" dirty="0" smtClean="0">
-                <a:latin typeface="Consolas" pitchFamily="49" charset="0"/>
-                <a:cs typeface="Consolas" pitchFamily="49" charset="0"/>
-              </a:rPr>
               <a:t>&gt;</a:t>
             </a:r>
-            <a:endParaRPr lang="en-US" b="1" dirty="0" smtClean="0">
-              <a:latin typeface="Consolas" pitchFamily="49" charset="0"/>
-              <a:cs typeface="Consolas" pitchFamily="49" charset="0"/>
-            </a:endParaRPr>
           </a:p>
           <a:p>
             <a:pPr>
@@ -5424,47 +5397,36 @@
                 <a:latin typeface="Consolas" pitchFamily="49" charset="0"/>
                 <a:cs typeface="Consolas" pitchFamily="49" charset="0"/>
               </a:rPr>
-              <a:t>;; STRATEGY: </a:t>
+              <a:t>;; STRATEGY: Use the template for </a:t>
+            </a:r>
+            <a:r>
+              <a:rPr lang="en-US" b="1" dirty="0" err="1" smtClean="0">
+                <a:latin typeface="Consolas" pitchFamily="49" charset="0"/>
+                <a:cs typeface="Consolas" pitchFamily="49" charset="0"/>
+              </a:rPr>
+              <a:t>SoS</a:t>
             </a:r>
             <a:r>
               <a:rPr lang="en-US" b="1" dirty="0" smtClean="0">
                 <a:latin typeface="Consolas" pitchFamily="49" charset="0"/>
                 <a:cs typeface="Consolas" pitchFamily="49" charset="0"/>
               </a:rPr>
-              <a:t>Use the template for </a:t>
+              <a:t> on </a:t>
             </a:r>
             <a:r>
               <a:rPr lang="en-US" b="1" dirty="0" err="1" smtClean="0">
                 <a:latin typeface="Consolas" pitchFamily="49" charset="0"/>
                 <a:cs typeface="Consolas" pitchFamily="49" charset="0"/>
               </a:rPr>
-              <a:t>SoS</a:t>
+              <a:t>subsos</a:t>
             </a:r>
             <a:r>
               <a:rPr lang="en-US" b="1" dirty="0" smtClean="0">
                 <a:latin typeface="Consolas" pitchFamily="49" charset="0"/>
                 <a:cs typeface="Consolas" pitchFamily="49" charset="0"/>
               </a:rPr>
-              <a:t> on </a:t>
-            </a:r>
-            <a:r>
-              <a:rPr lang="en-US" b="1" dirty="0" err="1" smtClean="0">
-                <a:latin typeface="Consolas" pitchFamily="49" charset="0"/>
-                <a:cs typeface="Consolas" pitchFamily="49" charset="0"/>
-              </a:rPr>
-              <a:t>subsos</a:t>
-            </a:r>
-            <a:r>
-              <a:rPr lang="en-US" b="1" dirty="0" smtClean="0">
-                <a:latin typeface="Consolas" pitchFamily="49" charset="0"/>
-                <a:cs typeface="Consolas" pitchFamily="49" charset="0"/>
-              </a:rPr>
               <a:t> </a:t>
             </a:r>
-            <a:endParaRPr lang="en-US" b="1" dirty="0" smtClean="0">
-              <a:latin typeface="Consolas" pitchFamily="49" charset="0"/>
-              <a:cs typeface="Consolas" pitchFamily="49" charset="0"/>
-            </a:endParaRPr>
           </a:p>
           <a:p>
             <a:pPr>
@@ -5937,109 +5899,63 @@
         </p:nvSpPr>
         <p:spPr>
           <a:xfrm>
-            <a:off x="6172200" y="3687765"/>
-            <a:ext cx="2386013" cy="1143000"/>
+            <a:off x="6324600" y="3688595"/>
+            <a:ext cx="1981200" cy="1143000"/>
           </a:xfrm>
           <a:prstGeom prst="rect">
             <a:avLst/>
           </a:prstGeom>
-          <a:gradFill flip="none" rotWithShape="1">
-            <a:gsLst>
-              <a:gs pos="0">
-                <a:schemeClr val="accent3">
-                  <a:lumMod val="60000"/>
-                  <a:lumOff val="40000"/>
-                  <a:tint val="66000"/>
-                  <a:satMod val="160000"/>
-                </a:schemeClr>
-              </a:gs>
-              <a:gs pos="50000">
-                <a:schemeClr val="accent3">
-                  <a:lumMod val="60000"/>
-                  <a:lumOff val="40000"/>
-                  <a:tint val="44500"/>
-                  <a:satMod val="160000"/>
-                </a:schemeClr>
-              </a:gs>
-              <a:gs pos="100000">
-                <a:schemeClr val="accent3">
-                  <a:lumMod val="60000"/>
-                  <a:lumOff val="40000"/>
-                  <a:tint val="23500"/>
-                  <a:satMod val="160000"/>
-                </a:schemeClr>
-              </a:gs>
-            </a:gsLst>
-            <a:lin ang="5400000" scaled="1"/>
-            <a:tileRect/>
-          </a:gradFill>
-          <a:ln w="12700">
-            <a:solidFill>
-              <a:schemeClr val="tx1"/>
-            </a:solidFill>
-          </a:ln>
+          <a:solidFill>
+            <a:schemeClr val="accent3">
+              <a:lumMod val="40000"/>
+              <a:lumOff val="60000"/>
+            </a:schemeClr>
+          </a:solidFill>
+          <a:ln/>
         </p:spPr>
         <p:style>
           <a:lnRef idx="2">
-            <a:schemeClr val="accent1">
-              <a:shade val="50000"/>
-            </a:schemeClr>
+            <a:schemeClr val="accent1"/>
           </a:lnRef>
           <a:fillRef idx="1">
-            <a:schemeClr val="accent1"/>
+            <a:schemeClr val="lt1"/>
           </a:fillRef>
           <a:effectRef idx="0">
             <a:schemeClr val="accent1"/>
           </a:effectRef>
           <a:fontRef idx="minor">
-            <a:schemeClr val="lt1"/>
+            <a:schemeClr val="dk1"/>
           </a:fontRef>
         </p:style>
         <p:txBody>
-          <a:bodyPr rtlCol="0" anchor="ctr"/>
-          <a:lstStyle/>
-          <a:p>
-            <a:pPr algn="ctr"/>
-            <a:r>
-              <a:rPr lang="en-US" sz="2000" dirty="0">
-                <a:solidFill>
-                  <a:prstClr val="black"/>
-                </a:solidFill>
-              </a:rPr>
-              <a:t>The </a:t>
-            </a:r>
-            <a:r>
-              <a:rPr lang="en-US" sz="2000" dirty="0" smtClean="0">
+          <a:bodyPr rot="0" spcFirstLastPara="0" vertOverflow="overflow" horzOverflow="overflow" vert="horz" wrap="square" lIns="91440" tIns="45720" rIns="91440" bIns="45720" numCol="1" spcCol="0" rtlCol="0" fromWordArt="0" anchor="ctr" anchorCtr="0" forceAA="0" compatLnSpc="1">
+            <a:prstTxWarp prst="textNoShape">
+              <a:avLst/>
+            </a:prstTxWarp>
+            <a:noAutofit/>
+          </a:bodyPr>
+          <a:lstStyle/>
+          <a:p>
+            <a:r>
+              <a:rPr lang="en-US" dirty="0">
                 <a:solidFill>
                   <a:schemeClr val="tx1"/>
                 </a:solidFill>
               </a:rPr>
-              <a:t>invariant </a:t>
-            </a:r>
-            <a:r>
-              <a:rPr lang="en-US" sz="2000" dirty="0">
+              <a:t>The invariant documents the meaning of </a:t>
+            </a:r>
+            <a:r>
+              <a:rPr lang="en-US" dirty="0" err="1">
                 <a:solidFill>
-                  <a:prstClr val="black"/>
+                  <a:schemeClr val="tx1"/>
                 </a:solidFill>
               </a:rPr>
-              <a:t>documents the meaning of </a:t>
-            </a:r>
-            <a:r>
-              <a:rPr lang="en-US" sz="2000" b="1" dirty="0" err="1" smtClean="0">
-                <a:solidFill>
-                  <a:prstClr val="black"/>
-                </a:solidFill>
-                <a:latin typeface="Consolas" pitchFamily="49" charset="0"/>
-                <a:cs typeface="Consolas" pitchFamily="49" charset="0"/>
-              </a:rPr>
               <a:t>ctxt</a:t>
             </a:r>
-            <a:endParaRPr lang="en-US" sz="2000" b="1" dirty="0">
+            <a:endParaRPr lang="en-US" dirty="0">
               <a:solidFill>
-                <a:prstClr val="black"/>
+                <a:schemeClr val="tx1"/>
               </a:solidFill>
-              <a:latin typeface="Consolas" pitchFamily="49" charset="0"/>
-              <a:cs typeface="Consolas" pitchFamily="49" charset="0"/>
             </a:endParaRPr>
           </a:p>
         </p:txBody>
@@ -6047,13 +5963,15 @@
       <p:cxnSp>
         <p:nvCxnSpPr>
           <p:cNvPr id="6" name="Straight Arrow Connector 5"/>
-          <p:cNvCxnSpPr/>
+          <p:cNvCxnSpPr>
+            <a:stCxn id="10" idx="0"/>
+          </p:cNvCxnSpPr>
           <p:nvPr/>
         </p:nvCxnSpPr>
         <p:spPr>
           <a:xfrm flipH="1" flipV="1">
             <a:off x="6705600" y="2590800"/>
-            <a:ext cx="609600" cy="1066800"/>
+            <a:ext cx="609600" cy="1097795"/>
           </a:xfrm>
           <a:prstGeom prst="straightConnector1">
             <a:avLst/>
@@ -6269,10 +6187,6 @@
               </a:rPr>
               <a:t>&gt; </a:t>
             </a:r>
-            <a:endParaRPr lang="en-US" sz="2000" b="1" dirty="0" smtClean="0">
-              <a:latin typeface="Consolas" pitchFamily="49" charset="0"/>
-              <a:cs typeface="Consolas" pitchFamily="49" charset="0"/>
-            </a:endParaRPr>
           </a:p>
           <a:p>
             <a:pPr>
@@ -6395,14 +6309,7 @@
                 <a:latin typeface="Consolas" pitchFamily="49" charset="0"/>
                 <a:cs typeface="Consolas" pitchFamily="49" charset="0"/>
               </a:rPr>
-              <a:t>;; STRATEGY: </a:t>
-            </a:r>
-            <a:r>
-              <a:rPr lang="en-US" sz="2000" b="1" dirty="0" smtClean="0">
-                <a:latin typeface="Consolas" pitchFamily="49" charset="0"/>
-                <a:cs typeface="Consolas" pitchFamily="49" charset="0"/>
-              </a:rPr>
-              <a:t>Use template for Loss on </a:t>
+              <a:t>;; STRATEGY: Use template for Loss on </a:t>
             </a:r>
             <a:r>
               <a:rPr lang="en-US" sz="2000" b="1" dirty="0" err="1" smtClean="0">
@@ -8084,14 +7991,7 @@
                 <a:latin typeface="Consolas" pitchFamily="49" charset="0"/>
                 <a:cs typeface="Consolas" pitchFamily="49" charset="0"/>
               </a:rPr>
-              <a:t> </a:t>
-            </a:r>
-            <a:r>
-              <a:rPr lang="en-US" sz="2400" b="1" dirty="0" smtClean="0">
-                <a:latin typeface="Consolas" pitchFamily="49" charset="0"/>
-                <a:cs typeface="Consolas" pitchFamily="49" charset="0"/>
-              </a:rPr>
-              <a:t>is either</a:t>
+              <a:t> is either</a:t>
             </a:r>
           </a:p>
           <a:p>
@@ -8143,33 +8043,22 @@
                 <a:latin typeface="Consolas" pitchFamily="49" charset="0"/>
                 <a:cs typeface="Consolas" pitchFamily="49" charset="0"/>
               </a:rPr>
-              <a:t> </a:t>
+              <a:t> X </a:t>
+            </a:r>
+            <a:r>
+              <a:rPr lang="en-US" sz="2400" b="1" dirty="0" err="1" smtClean="0">
+                <a:latin typeface="Consolas" pitchFamily="49" charset="0"/>
+                <a:cs typeface="Consolas" pitchFamily="49" charset="0"/>
+              </a:rPr>
+              <a:t>BinTreeOfX</a:t>
             </a:r>
             <a:r>
               <a:rPr lang="en-US" sz="2400" b="1" dirty="0" smtClean="0">
                 <a:latin typeface="Consolas" pitchFamily="49" charset="0"/>
                 <a:cs typeface="Consolas" pitchFamily="49" charset="0"/>
               </a:rPr>
-              <a:t>X </a:t>
-            </a:r>
-            <a:r>
-              <a:rPr lang="en-US" sz="2400" b="1" dirty="0" err="1" smtClean="0">
-                <a:latin typeface="Consolas" pitchFamily="49" charset="0"/>
-                <a:cs typeface="Consolas" pitchFamily="49" charset="0"/>
-              </a:rPr>
-              <a:t>BinTreeOfX</a:t>
-            </a:r>
-            <a:r>
-              <a:rPr lang="en-US" sz="2400" b="1" dirty="0" smtClean="0">
-                <a:latin typeface="Consolas" pitchFamily="49" charset="0"/>
-                <a:cs typeface="Consolas" pitchFamily="49" charset="0"/>
-              </a:rPr>
               <a:t>)</a:t>
             </a:r>
-            <a:endParaRPr lang="en-US" sz="2400" b="1" dirty="0" smtClean="0">
-              <a:latin typeface="Consolas" pitchFamily="49" charset="0"/>
-              <a:cs typeface="Consolas" pitchFamily="49" charset="0"/>
-            </a:endParaRPr>
           </a:p>
           <a:p>
             <a:pPr>
@@ -8444,14 +8333,7 @@
                 <a:latin typeface="Consolas" pitchFamily="49" charset="0"/>
                 <a:cs typeface="Consolas" pitchFamily="49" charset="0"/>
               </a:rPr>
-              <a:t> </a:t>
-            </a:r>
-            <a:r>
-              <a:rPr lang="en-US" sz="2400" b="1" dirty="0" smtClean="0">
-                <a:latin typeface="Consolas" pitchFamily="49" charset="0"/>
-                <a:cs typeface="Consolas" pitchFamily="49" charset="0"/>
-              </a:rPr>
-              <a:t>-&gt; </a:t>
+              <a:t> -&gt; </a:t>
             </a:r>
             <a:r>
               <a:rPr lang="en-US" sz="2400" b="1" dirty="0" err="1" smtClean="0">
@@ -10134,23 +10016,7 @@
                   <a:schemeClr val="tx1"/>
                 </a:solidFill>
               </a:rPr>
-              <a:t>Bintree</a:t>
-            </a:r>
-            <a:r>
-              <a:rPr lang="en-US" b="1" dirty="0" err="1" smtClean="0">
-                <a:solidFill>
-                  <a:schemeClr val="tx1"/>
-                </a:solidFill>
-              </a:rPr>
-              <a:t>Of</a:t>
-            </a:r>
-            <a:r>
-              <a:rPr lang="en-US" b="1" dirty="0" err="1" smtClean="0">
-                <a:solidFill>
-                  <a:schemeClr val="tx1"/>
-                </a:solidFill>
-              </a:rPr>
-              <a:t>String</a:t>
+              <a:t>BintreeOfString</a:t>
             </a:r>
             <a:r>
               <a:rPr lang="en-US" dirty="0" smtClean="0">
@@ -11052,7 +10918,7 @@
                 <a:latin typeface="Consolas" pitchFamily="49" charset="0"/>
                 <a:cs typeface="Consolas" pitchFamily="49" charset="0"/>
               </a:rPr>
-              <a:t>BintreeOfX</a:t>
+              <a:t>BinTreeOfX</a:t>
             </a:r>
             <a:r>
               <a:rPr lang="en-US" sz="1800" b="1" dirty="0" smtClean="0">
@@ -11062,18 +10928,25 @@
               <a:t> </a:t>
             </a:r>
             <a:r>
+              <a:rPr lang="en-US" sz="1800" b="1" dirty="0" err="1" smtClean="0">
+                <a:latin typeface="Consolas" pitchFamily="49" charset="0"/>
+                <a:cs typeface="Consolas" pitchFamily="49" charset="0"/>
+              </a:rPr>
+              <a:t>NonNegInt</a:t>
+            </a:r>
+            <a:r>
               <a:rPr lang="en-US" sz="1800" b="1" dirty="0" smtClean="0">
                 <a:latin typeface="Consolas" pitchFamily="49" charset="0"/>
                 <a:cs typeface="Consolas" pitchFamily="49" charset="0"/>
               </a:rPr>
-              <a:t>Number -&gt; </a:t>
+              <a:t>-&gt; </a:t>
             </a:r>
             <a:r>
               <a:rPr lang="en-US" sz="1800" b="1" dirty="0" err="1" smtClean="0">
                 <a:latin typeface="Consolas" pitchFamily="49" charset="0"/>
                 <a:cs typeface="Consolas" pitchFamily="49" charset="0"/>
               </a:rPr>
-              <a:t>BintreeOfNumber</a:t>
+              <a:t>BinTreeOfNumber</a:t>
             </a:r>
             <a:endParaRPr lang="en-US" sz="1800" b="1" dirty="0" smtClean="0">
               <a:latin typeface="Consolas" pitchFamily="49" charset="0"/>
@@ -11089,20 +10962,41 @@
                 <a:latin typeface="Consolas" pitchFamily="49" charset="0"/>
                 <a:cs typeface="Consolas" pitchFamily="49" charset="0"/>
               </a:rPr>
-              <a:t>;; GIVEN: a </a:t>
+              <a:t>;; GIVEN: a subtree </a:t>
             </a:r>
             <a:r>
               <a:rPr lang="en-US" sz="1800" b="1" dirty="0" err="1" smtClean="0">
                 <a:latin typeface="Consolas" pitchFamily="49" charset="0"/>
                 <a:cs typeface="Consolas" pitchFamily="49" charset="0"/>
               </a:rPr>
-              <a:t>subtree</a:t>
+              <a:t>stree</a:t>
             </a:r>
             <a:r>
               <a:rPr lang="en-US" sz="1800" b="1" dirty="0" smtClean="0">
                 <a:latin typeface="Consolas" pitchFamily="49" charset="0"/>
                 <a:cs typeface="Consolas" pitchFamily="49" charset="0"/>
               </a:rPr>
+              <a:t> of some </a:t>
+            </a:r>
+            <a:r>
+              <a:rPr lang="en-US" sz="1800" b="1" dirty="0" smtClean="0">
+                <a:latin typeface="Consolas" pitchFamily="49" charset="0"/>
+                <a:cs typeface="Consolas" pitchFamily="49" charset="0"/>
+              </a:rPr>
+              <a:t>tree, and a non-</a:t>
+            </a:r>
+            <a:r>
+              <a:rPr lang="en-US" sz="1800" b="1" dirty="0" err="1" smtClean="0">
+                <a:latin typeface="Consolas" pitchFamily="49" charset="0"/>
+                <a:cs typeface="Consolas" pitchFamily="49" charset="0"/>
+              </a:rPr>
+              <a:t>neg</a:t>
+            </a:r>
+            <a:r>
+              <a:rPr lang="en-US" sz="1800" b="1" dirty="0" smtClean="0">
+                <a:latin typeface="Consolas" pitchFamily="49" charset="0"/>
+                <a:cs typeface="Consolas" pitchFamily="49" charset="0"/>
+              </a:rPr>
               <a:t> </a:t>
             </a:r>
             <a:r>
@@ -11110,15 +11004,19 @@
                 <a:latin typeface="Consolas" pitchFamily="49" charset="0"/>
                 <a:cs typeface="Consolas" pitchFamily="49" charset="0"/>
               </a:rPr>
-              <a:t>stree</a:t>
+              <a:t>int</a:t>
             </a:r>
             <a:r>
               <a:rPr lang="en-US" sz="1800" b="1" dirty="0" smtClean="0">
                 <a:latin typeface="Consolas" pitchFamily="49" charset="0"/>
                 <a:cs typeface="Consolas" pitchFamily="49" charset="0"/>
               </a:rPr>
-              <a:t> of some tree</a:t>
-            </a:r>
+              <a:t> n </a:t>
+            </a:r>
+            <a:endParaRPr lang="en-US" sz="1800" b="1" dirty="0" smtClean="0">
+              <a:latin typeface="Consolas" pitchFamily="49" charset="0"/>
+              <a:cs typeface="Consolas" pitchFamily="49" charset="0"/>
+            </a:endParaRPr>
           </a:p>
           <a:p>
             <a:pPr marL="0" indent="0">
@@ -11215,42 +11113,28 @@
                 <a:latin typeface="Consolas" pitchFamily="49" charset="0"/>
                 <a:cs typeface="Consolas" pitchFamily="49" charset="0"/>
               </a:rPr>
-              <a:t>;; STRATEGY: </a:t>
+              <a:t>;; STRATEGY: Use template for </a:t>
+            </a:r>
+            <a:r>
+              <a:rPr lang="en-US" sz="1800" b="1" dirty="0" err="1" smtClean="0">
+                <a:latin typeface="Consolas" pitchFamily="49" charset="0"/>
+                <a:cs typeface="Consolas" pitchFamily="49" charset="0"/>
+              </a:rPr>
+              <a:t>BinTreeOfX</a:t>
             </a:r>
             <a:r>
               <a:rPr lang="en-US" sz="1800" b="1" dirty="0" smtClean="0">
                 <a:latin typeface="Consolas" pitchFamily="49" charset="0"/>
                 <a:cs typeface="Consolas" pitchFamily="49" charset="0"/>
               </a:rPr>
-              <a:t>Use </a:t>
+              <a:t> </a:t>
             </a:r>
             <a:r>
               <a:rPr lang="en-US" sz="1800" b="1" dirty="0" smtClean="0">
                 <a:latin typeface="Consolas" pitchFamily="49" charset="0"/>
                 <a:cs typeface="Consolas" pitchFamily="49" charset="0"/>
               </a:rPr>
-              <a:t>template for </a:t>
-            </a:r>
-            <a:r>
-              <a:rPr lang="en-US" sz="1800" b="1" dirty="0" err="1" smtClean="0">
-                <a:latin typeface="Consolas" pitchFamily="49" charset="0"/>
-                <a:cs typeface="Consolas" pitchFamily="49" charset="0"/>
-              </a:rPr>
-              <a:t>B</a:t>
-            </a:r>
-            <a:r>
-              <a:rPr lang="en-US" sz="1800" b="1" dirty="0" err="1" smtClean="0">
-                <a:latin typeface="Consolas" pitchFamily="49" charset="0"/>
-                <a:cs typeface="Consolas" pitchFamily="49" charset="0"/>
-              </a:rPr>
-              <a:t>intreeOfX</a:t>
-            </a:r>
-            <a:r>
-              <a:rPr lang="en-US" sz="1800" b="1" dirty="0" smtClean="0">
-                <a:latin typeface="Consolas" pitchFamily="49" charset="0"/>
-                <a:cs typeface="Consolas" pitchFamily="49" charset="0"/>
-              </a:rPr>
-              <a:t> on </a:t>
+              <a:t>on </a:t>
             </a:r>
             <a:r>
               <a:rPr lang="en-US" sz="1800" b="1" dirty="0" err="1" smtClean="0">
@@ -11336,7 +11220,21 @@
                 <a:latin typeface="Consolas" pitchFamily="49" charset="0"/>
                 <a:cs typeface="Consolas" pitchFamily="49" charset="0"/>
               </a:rPr>
-              <a:t>    [(empty? tree) empty]</a:t>
+              <a:t>    [(empty? </a:t>
+            </a:r>
+            <a:r>
+              <a:rPr lang="en-US" sz="1800" b="1" dirty="0" err="1" smtClean="0">
+                <a:latin typeface="Consolas" pitchFamily="49" charset="0"/>
+                <a:cs typeface="Consolas" pitchFamily="49" charset="0"/>
+              </a:rPr>
+              <a:t>stree</a:t>
+            </a:r>
+            <a:r>
+              <a:rPr lang="en-US" sz="1800" b="1" dirty="0" smtClean="0">
+                <a:latin typeface="Consolas" pitchFamily="49" charset="0"/>
+                <a:cs typeface="Consolas" pitchFamily="49" charset="0"/>
+              </a:rPr>
+              <a:t>) empty]</a:t>
             </a:r>
           </a:p>
           <a:p>
@@ -11576,15 +11474,7 @@
                   <a:schemeClr val="tx1"/>
                 </a:solidFill>
               </a:rPr>
-              <a:t>The invariant </a:t>
-            </a:r>
-            <a:r>
-              <a:rPr lang="en-US" dirty="0" smtClean="0">
-                <a:solidFill>
-                  <a:schemeClr val="tx1"/>
-                </a:solidFill>
-              </a:rPr>
-              <a:t>tells us where we are in the whole tree</a:t>
+              <a:t>The invariant tells us where we are in the whole tree</a:t>
             </a:r>
             <a:endParaRPr lang="en-US" dirty="0">
               <a:solidFill>
@@ -12522,7 +12412,7 @@
             </a:r>
             <a:r>
               <a:rPr lang="en-US" sz="2000" dirty="0" err="1" smtClean="0"/>
-              <a:t>BintreeOfX</a:t>
+              <a:t>BinTreeOfX</a:t>
             </a:r>
             <a:r>
               <a:rPr lang="en-US" sz="2000" dirty="0" smtClean="0"/>
@@ -12534,7 +12424,7 @@
             </a:r>
             <a:r>
               <a:rPr lang="en-US" sz="2000" dirty="0" err="1" smtClean="0"/>
-              <a:t>BintreeOfNumber</a:t>
+              <a:t>BinTreeOfNumber</a:t>
             </a:r>
             <a:endParaRPr lang="en-US" sz="2000" dirty="0"/>
           </a:p>

--- a/Slides/Lesson 7.2 More Examples of Invariants.pptx
+++ b/Slides/Lesson 7.2 More Examples of Invariants.pptx
@@ -225,7 +225,7 @@
           <a:p>
             <a:fld id="{CA5085ED-56B4-45A6-801A-98AC77E76501}" type="datetimeFigureOut">
               <a:rPr lang="en-US" smtClean="0"/>
-              <a:t>9/28/2015</a:t>
+              <a:t>9/30/2016</a:t>
             </a:fld>
             <a:endParaRPr lang="en-US"/>
           </a:p>
@@ -289,38 +289,37 @@
           <a:p>
             <a:pPr lvl="0"/>
             <a:r>
-              <a:rPr lang="en-US" smtClean="0"/>
+              <a:rPr lang="en-US"/>
               <a:t>Click to edit Master text styles</a:t>
             </a:r>
           </a:p>
           <a:p>
             <a:pPr lvl="1"/>
             <a:r>
-              <a:rPr lang="en-US" smtClean="0"/>
+              <a:rPr lang="en-US"/>
               <a:t>Second level</a:t>
             </a:r>
           </a:p>
           <a:p>
             <a:pPr lvl="2"/>
             <a:r>
-              <a:rPr lang="en-US" smtClean="0"/>
+              <a:rPr lang="en-US"/>
               <a:t>Third level</a:t>
             </a:r>
           </a:p>
           <a:p>
             <a:pPr lvl="3"/>
             <a:r>
-              <a:rPr lang="en-US" smtClean="0"/>
+              <a:rPr lang="en-US"/>
               <a:t>Fourth level</a:t>
             </a:r>
           </a:p>
           <a:p>
             <a:pPr lvl="4"/>
             <a:r>
-              <a:rPr lang="en-US" smtClean="0"/>
+              <a:rPr lang="en-US"/>
               <a:t>Fifth level</a:t>
             </a:r>
-            <a:endParaRPr lang="en-US"/>
           </a:p>
         </p:txBody>
       </p:sp>
@@ -1048,10 +1047,9 @@
           <a:lstStyle/>
           <a:p>
             <a:r>
-              <a:rPr lang="en-US" smtClean="0"/>
+              <a:rPr lang="en-US"/>
               <a:t>Click to edit Master title style</a:t>
             </a:r>
-            <a:endParaRPr lang="en-US"/>
           </a:p>
         </p:txBody>
       </p:sp>
@@ -1167,10 +1165,9 @@
           </a:lstStyle>
           <a:p>
             <a:r>
-              <a:rPr lang="en-US" smtClean="0"/>
+              <a:rPr lang="en-US"/>
               <a:t>Click to edit Master subtitle style</a:t>
             </a:r>
-            <a:endParaRPr lang="en-US"/>
           </a:p>
         </p:txBody>
       </p:sp>
@@ -1191,7 +1188,7 @@
           <a:p>
             <a:fld id="{2F1F79F5-7BEC-496A-AFC7-876E38F64D71}" type="datetime1">
               <a:rPr lang="en-US" smtClean="0"/>
-              <a:t>9/28/2015</a:t>
+              <a:t>9/30/2016</a:t>
             </a:fld>
             <a:endParaRPr lang="en-US"/>
           </a:p>
@@ -1249,13 +1246,6 @@
   <p:clrMapOvr>
     <a:masterClrMapping/>
   </p:clrMapOvr>
-  <p:timing>
-    <p:tnLst>
-      <p:par>
-        <p:cTn id="1" dur="indefinite" restart="never" nodeType="tmRoot"/>
-      </p:par>
-    </p:tnLst>
-  </p:timing>
 </p:sldLayout>
 </file>
 
@@ -1293,7 +1283,7 @@
           <a:p>
             <a:fld id="{0A05703A-7669-4FEA-9056-25299B4D29D4}" type="datetime1">
               <a:rPr lang="en-US" smtClean="0"/>
-              <a:t>9/28/2015</a:t>
+              <a:t>9/30/2016</a:t>
             </a:fld>
             <a:endParaRPr lang="en-US"/>
           </a:p>
@@ -1396,10 +1386,9 @@
           </a:lstStyle>
           <a:p>
             <a:r>
-              <a:rPr lang="en-US" smtClean="0"/>
+              <a:rPr lang="en-US"/>
               <a:t>Click to edit Master title style</a:t>
             </a:r>
-            <a:endParaRPr lang="en-US"/>
           </a:p>
         </p:txBody>
       </p:sp>
@@ -1453,38 +1442,37 @@
           <a:p>
             <a:pPr lvl="0"/>
             <a:r>
-              <a:rPr lang="en-US" smtClean="0"/>
+              <a:rPr lang="en-US"/>
               <a:t>Click to edit Master text styles</a:t>
             </a:r>
           </a:p>
           <a:p>
             <a:pPr lvl="1"/>
             <a:r>
-              <a:rPr lang="en-US" smtClean="0"/>
+              <a:rPr lang="en-US"/>
               <a:t>Second level</a:t>
             </a:r>
           </a:p>
           <a:p>
             <a:pPr lvl="2"/>
             <a:r>
-              <a:rPr lang="en-US" smtClean="0"/>
+              <a:rPr lang="en-US"/>
               <a:t>Third level</a:t>
             </a:r>
           </a:p>
           <a:p>
             <a:pPr lvl="3"/>
             <a:r>
-              <a:rPr lang="en-US" smtClean="0"/>
+              <a:rPr lang="en-US"/>
               <a:t>Fourth level</a:t>
             </a:r>
           </a:p>
           <a:p>
             <a:pPr lvl="4"/>
             <a:r>
-              <a:rPr lang="en-US" smtClean="0"/>
+              <a:rPr lang="en-US"/>
               <a:t>Fifth level</a:t>
             </a:r>
-            <a:endParaRPr lang="en-US"/>
           </a:p>
         </p:txBody>
       </p:sp>
@@ -1547,7 +1535,7 @@
           <a:p>
             <a:pPr lvl="0"/>
             <a:r>
-              <a:rPr lang="en-US" smtClean="0"/>
+              <a:rPr lang="en-US"/>
               <a:t>Click to edit Master text styles</a:t>
             </a:r>
           </a:p>
@@ -1570,7 +1558,7 @@
           <a:p>
             <a:fld id="{6E5077B5-BB57-49DB-88CA-226A139E5C01}" type="datetime1">
               <a:rPr lang="en-US" smtClean="0"/>
-              <a:t>9/28/2015</a:t>
+              <a:t>9/30/2016</a:t>
             </a:fld>
             <a:endParaRPr lang="en-US"/>
           </a:p>
@@ -1673,10 +1661,9 @@
           </a:lstStyle>
           <a:p>
             <a:r>
-              <a:rPr lang="en-US" smtClean="0"/>
+              <a:rPr lang="en-US"/>
               <a:t>Click to edit Master title style</a:t>
             </a:r>
-            <a:endParaRPr lang="en-US"/>
           </a:p>
         </p:txBody>
       </p:sp>
@@ -1800,7 +1787,7 @@
           <a:p>
             <a:pPr lvl="0"/>
             <a:r>
-              <a:rPr lang="en-US" smtClean="0"/>
+              <a:rPr lang="en-US"/>
               <a:t>Click to edit Master text styles</a:t>
             </a:r>
           </a:p>
@@ -1823,7 +1810,7 @@
           <a:p>
             <a:fld id="{C48D9447-CBD6-49A1-89FD-8512A8CF8999}" type="datetime1">
               <a:rPr lang="en-US" smtClean="0"/>
-              <a:t>9/28/2015</a:t>
+              <a:t>9/30/2016</a:t>
             </a:fld>
             <a:endParaRPr lang="en-US"/>
           </a:p>
@@ -1917,10 +1904,9 @@
           <a:lstStyle/>
           <a:p>
             <a:r>
-              <a:rPr lang="en-US" smtClean="0"/>
+              <a:rPr lang="en-US"/>
               <a:t>Click to edit Master title style</a:t>
             </a:r>
-            <a:endParaRPr lang="en-US"/>
           </a:p>
         </p:txBody>
       </p:sp>
@@ -1941,38 +1927,37 @@
           <a:p>
             <a:pPr lvl="0"/>
             <a:r>
-              <a:rPr lang="en-US" smtClean="0"/>
+              <a:rPr lang="en-US"/>
               <a:t>Click to edit Master text styles</a:t>
             </a:r>
           </a:p>
           <a:p>
             <a:pPr lvl="1"/>
             <a:r>
-              <a:rPr lang="en-US" smtClean="0"/>
+              <a:rPr lang="en-US"/>
               <a:t>Second level</a:t>
             </a:r>
           </a:p>
           <a:p>
             <a:pPr lvl="2"/>
             <a:r>
-              <a:rPr lang="en-US" smtClean="0"/>
+              <a:rPr lang="en-US"/>
               <a:t>Third level</a:t>
             </a:r>
           </a:p>
           <a:p>
             <a:pPr lvl="3"/>
             <a:r>
-              <a:rPr lang="en-US" smtClean="0"/>
+              <a:rPr lang="en-US"/>
               <a:t>Fourth level</a:t>
             </a:r>
           </a:p>
           <a:p>
             <a:pPr lvl="4"/>
             <a:r>
-              <a:rPr lang="en-US" smtClean="0"/>
+              <a:rPr lang="en-US"/>
               <a:t>Fifth level</a:t>
             </a:r>
-            <a:endParaRPr lang="en-US"/>
           </a:p>
         </p:txBody>
       </p:sp>
@@ -1993,7 +1978,7 @@
           <a:p>
             <a:fld id="{A3639A2A-823D-48B7-9ACE-7FAF42870BA9}" type="datetime1">
               <a:rPr lang="en-US" smtClean="0"/>
-              <a:t>9/28/2015</a:t>
+              <a:t>9/30/2016</a:t>
             </a:fld>
             <a:endParaRPr lang="en-US"/>
           </a:p>
@@ -2092,10 +2077,9 @@
           <a:lstStyle/>
           <a:p>
             <a:r>
-              <a:rPr lang="en-US" smtClean="0"/>
+              <a:rPr lang="en-US"/>
               <a:t>Click to edit Master title style</a:t>
             </a:r>
-            <a:endParaRPr lang="en-US"/>
           </a:p>
         </p:txBody>
       </p:sp>
@@ -2121,38 +2105,37 @@
           <a:p>
             <a:pPr lvl="0"/>
             <a:r>
-              <a:rPr lang="en-US" smtClean="0"/>
+              <a:rPr lang="en-US"/>
               <a:t>Click to edit Master text styles</a:t>
             </a:r>
           </a:p>
           <a:p>
             <a:pPr lvl="1"/>
             <a:r>
-              <a:rPr lang="en-US" smtClean="0"/>
+              <a:rPr lang="en-US"/>
               <a:t>Second level</a:t>
             </a:r>
           </a:p>
           <a:p>
             <a:pPr lvl="2"/>
             <a:r>
-              <a:rPr lang="en-US" smtClean="0"/>
+              <a:rPr lang="en-US"/>
               <a:t>Third level</a:t>
             </a:r>
           </a:p>
           <a:p>
             <a:pPr lvl="3"/>
             <a:r>
-              <a:rPr lang="en-US" smtClean="0"/>
+              <a:rPr lang="en-US"/>
               <a:t>Fourth level</a:t>
             </a:r>
           </a:p>
           <a:p>
             <a:pPr lvl="4"/>
             <a:r>
-              <a:rPr lang="en-US" smtClean="0"/>
+              <a:rPr lang="en-US"/>
               <a:t>Fifth level</a:t>
             </a:r>
-            <a:endParaRPr lang="en-US"/>
           </a:p>
         </p:txBody>
       </p:sp>
@@ -2173,7 +2156,7 @@
           <a:p>
             <a:fld id="{ED1B6996-82E9-463C-972C-7B56056E426C}" type="datetime1">
               <a:rPr lang="en-US" smtClean="0"/>
-              <a:t>9/28/2015</a:t>
+              <a:t>9/30/2016</a:t>
             </a:fld>
             <a:endParaRPr lang="en-US"/>
           </a:p>
@@ -2231,13 +2214,6 @@
   <p:clrMapOvr>
     <a:masterClrMapping/>
   </p:clrMapOvr>
-  <p:timing>
-    <p:tnLst>
-      <p:par>
-        <p:cTn id="1" dur="indefinite" restart="never" nodeType="tmRoot"/>
-      </p:par>
-    </p:tnLst>
-  </p:timing>
 </p:sldLayout>
 </file>
 
@@ -2280,10 +2256,9 @@
           <a:lstStyle/>
           <a:p>
             <a:r>
-              <a:rPr lang="en-US" dirty="0" smtClean="0"/>
+              <a:rPr lang="en-US" dirty="0"/>
               <a:t>Click to edit Master title style</a:t>
             </a:r>
-            <a:endParaRPr lang="en-US" dirty="0"/>
           </a:p>
         </p:txBody>
       </p:sp>
@@ -2304,38 +2279,37 @@
           <a:p>
             <a:pPr lvl="0"/>
             <a:r>
-              <a:rPr lang="en-US" smtClean="0"/>
+              <a:rPr lang="en-US"/>
               <a:t>Click to edit Master text styles</a:t>
             </a:r>
           </a:p>
           <a:p>
             <a:pPr lvl="1"/>
             <a:r>
-              <a:rPr lang="en-US" smtClean="0"/>
+              <a:rPr lang="en-US"/>
               <a:t>Second level</a:t>
             </a:r>
           </a:p>
           <a:p>
             <a:pPr lvl="2"/>
             <a:r>
-              <a:rPr lang="en-US" smtClean="0"/>
+              <a:rPr lang="en-US"/>
               <a:t>Third level</a:t>
             </a:r>
           </a:p>
           <a:p>
             <a:pPr lvl="3"/>
             <a:r>
-              <a:rPr lang="en-US" smtClean="0"/>
+              <a:rPr lang="en-US"/>
               <a:t>Fourth level</a:t>
             </a:r>
           </a:p>
           <a:p>
             <a:pPr lvl="4"/>
             <a:r>
-              <a:rPr lang="en-US" smtClean="0"/>
+              <a:rPr lang="en-US"/>
               <a:t>Fifth level</a:t>
             </a:r>
-            <a:endParaRPr lang="en-US"/>
           </a:p>
         </p:txBody>
       </p:sp>
@@ -2356,7 +2330,7 @@
           <a:p>
             <a:fld id="{E22ED4DA-448D-4BB1-B935-CC112220207B}" type="datetime1">
               <a:rPr lang="en-US" smtClean="0"/>
-              <a:t>9/28/2015</a:t>
+              <a:t>9/30/2016</a:t>
             </a:fld>
             <a:endParaRPr lang="en-US"/>
           </a:p>
@@ -2414,13 +2388,6 @@
   <p:clrMapOvr>
     <a:masterClrMapping/>
   </p:clrMapOvr>
-  <p:timing>
-    <p:tnLst>
-      <p:par>
-        <p:cTn id="1" dur="indefinite" restart="never" nodeType="tmRoot"/>
-      </p:par>
-    </p:tnLst>
-  </p:timing>
 </p:sldLayout>
 </file>
 
@@ -2457,10 +2424,9 @@
           <a:lstStyle/>
           <a:p>
             <a:r>
-              <a:rPr lang="en-US" smtClean="0"/>
+              <a:rPr lang="en-US"/>
               <a:t>Click to edit Master title style</a:t>
             </a:r>
-            <a:endParaRPr lang="en-US"/>
           </a:p>
         </p:txBody>
       </p:sp>
@@ -2486,38 +2452,37 @@
           <a:p>
             <a:pPr lvl="0"/>
             <a:r>
-              <a:rPr lang="en-US" dirty="0" smtClean="0"/>
+              <a:rPr lang="en-US" dirty="0"/>
               <a:t>Click to edit Master text styles</a:t>
             </a:r>
           </a:p>
           <a:p>
             <a:pPr lvl="1"/>
             <a:r>
-              <a:rPr lang="en-US" dirty="0" smtClean="0"/>
+              <a:rPr lang="en-US" dirty="0"/>
               <a:t>Second level</a:t>
             </a:r>
           </a:p>
           <a:p>
             <a:pPr lvl="2"/>
             <a:r>
-              <a:rPr lang="en-US" dirty="0" smtClean="0"/>
+              <a:rPr lang="en-US" dirty="0"/>
               <a:t>Third level</a:t>
             </a:r>
           </a:p>
           <a:p>
             <a:pPr lvl="3"/>
             <a:r>
-              <a:rPr lang="en-US" dirty="0" smtClean="0"/>
+              <a:rPr lang="en-US" dirty="0"/>
               <a:t>Fourth level</a:t>
             </a:r>
           </a:p>
           <a:p>
             <a:pPr lvl="4"/>
             <a:r>
-              <a:rPr lang="en-US" dirty="0" smtClean="0"/>
+              <a:rPr lang="en-US" dirty="0"/>
               <a:t>Fifth level</a:t>
             </a:r>
-            <a:endParaRPr lang="en-US" dirty="0"/>
           </a:p>
         </p:txBody>
       </p:sp>
@@ -2538,7 +2503,7 @@
           <a:p>
             <a:fld id="{E22ED4DA-448D-4BB1-B935-CC112220207B}" type="datetime1">
               <a:rPr lang="en-US" smtClean="0"/>
-              <a:t>9/28/2015</a:t>
+              <a:t>9/30/2016</a:t>
             </a:fld>
             <a:endParaRPr lang="en-US"/>
           </a:p>
@@ -2628,7 +2593,7 @@
           <a:lstStyle/>
           <a:p>
             <a:pPr algn="ctr"/>
-            <a:endParaRPr lang="en-US" dirty="0" smtClean="0">
+            <a:endParaRPr lang="en-US" dirty="0">
               <a:solidFill>
                 <a:schemeClr val="tx1"/>
               </a:solidFill>
@@ -2659,11 +2624,11 @@
           <a:lstStyle/>
           <a:p>
             <a:r>
-              <a:rPr lang="en-US" dirty="0" smtClean="0"/>
+              <a:rPr lang="en-US" dirty="0"/>
               <a:t>Resize video to this</a:t>
             </a:r>
             <a:r>
-              <a:rPr lang="en-US" baseline="0" dirty="0" smtClean="0"/>
+              <a:rPr lang="en-US" baseline="0" dirty="0"/>
               <a:t> box.</a:t>
             </a:r>
             <a:endParaRPr lang="en-US" dirty="0"/>
@@ -2680,13 +2645,6 @@
   <p:clrMapOvr>
     <a:masterClrMapping/>
   </p:clrMapOvr>
-  <p:timing>
-    <p:tnLst>
-      <p:par>
-        <p:cTn id="1" dur="indefinite" restart="never" nodeType="tmRoot"/>
-      </p:par>
-    </p:tnLst>
-  </p:timing>
 </p:sldLayout>
 </file>
 
@@ -2723,10 +2681,9 @@
           <a:lstStyle/>
           <a:p>
             <a:r>
-              <a:rPr lang="en-US" smtClean="0"/>
+              <a:rPr lang="en-US"/>
               <a:t>Click to edit Master title style</a:t>
             </a:r>
-            <a:endParaRPr lang="en-US"/>
           </a:p>
         </p:txBody>
       </p:sp>
@@ -2755,38 +2712,37 @@
           <a:p>
             <a:pPr lvl="0"/>
             <a:r>
-              <a:rPr lang="en-US" dirty="0" smtClean="0"/>
+              <a:rPr lang="en-US" dirty="0"/>
               <a:t>Click to edit Master text styles</a:t>
             </a:r>
           </a:p>
           <a:p>
             <a:pPr lvl="1"/>
             <a:r>
-              <a:rPr lang="en-US" dirty="0" smtClean="0"/>
+              <a:rPr lang="en-US" dirty="0"/>
               <a:t>Second level</a:t>
             </a:r>
           </a:p>
           <a:p>
             <a:pPr lvl="2"/>
             <a:r>
-              <a:rPr lang="en-US" dirty="0" smtClean="0"/>
+              <a:rPr lang="en-US" dirty="0"/>
               <a:t>Third level</a:t>
             </a:r>
           </a:p>
           <a:p>
             <a:pPr lvl="3"/>
             <a:r>
-              <a:rPr lang="en-US" dirty="0" smtClean="0"/>
+              <a:rPr lang="en-US" dirty="0"/>
               <a:t>Fourth level</a:t>
             </a:r>
           </a:p>
           <a:p>
             <a:pPr lvl="4"/>
             <a:r>
-              <a:rPr lang="en-US" dirty="0" smtClean="0"/>
+              <a:rPr lang="en-US" dirty="0"/>
               <a:t>Fifth level</a:t>
             </a:r>
-            <a:endParaRPr lang="en-US" dirty="0"/>
           </a:p>
         </p:txBody>
       </p:sp>
@@ -2807,7 +2763,7 @@
           <a:p>
             <a:fld id="{FF5D65A6-AB94-4435-B0B7-3743215FA46C}" type="datetime1">
               <a:rPr lang="en-US" smtClean="0"/>
-              <a:t>9/28/2015</a:t>
+              <a:t>9/30/2016</a:t>
             </a:fld>
             <a:endParaRPr lang="en-US"/>
           </a:p>
@@ -2865,13 +2821,6 @@
   <p:clrMapOvr>
     <a:masterClrMapping/>
   </p:clrMapOvr>
-  <p:timing>
-    <p:tnLst>
-      <p:par>
-        <p:cTn id="1" dur="indefinite" restart="never" nodeType="tmRoot"/>
-      </p:par>
-    </p:tnLst>
-  </p:timing>
 </p:sldLayout>
 </file>
 
@@ -2908,10 +2857,9 @@
           <a:lstStyle/>
           <a:p>
             <a:r>
-              <a:rPr lang="en-US" smtClean="0"/>
+              <a:rPr lang="en-US"/>
               <a:t>Click to edit Master title style</a:t>
             </a:r>
-            <a:endParaRPr lang="en-US"/>
           </a:p>
         </p:txBody>
       </p:sp>
@@ -2940,38 +2888,37 @@
           <a:p>
             <a:pPr lvl="0"/>
             <a:r>
-              <a:rPr lang="en-US" dirty="0" smtClean="0"/>
+              <a:rPr lang="en-US" dirty="0"/>
               <a:t>Click to edit Master text styles</a:t>
             </a:r>
           </a:p>
           <a:p>
             <a:pPr lvl="1"/>
             <a:r>
-              <a:rPr lang="en-US" dirty="0" smtClean="0"/>
+              <a:rPr lang="en-US" dirty="0"/>
               <a:t>Second level</a:t>
             </a:r>
           </a:p>
           <a:p>
             <a:pPr lvl="2"/>
             <a:r>
-              <a:rPr lang="en-US" dirty="0" smtClean="0"/>
+              <a:rPr lang="en-US" dirty="0"/>
               <a:t>Third level</a:t>
             </a:r>
           </a:p>
           <a:p>
             <a:pPr lvl="3"/>
             <a:r>
-              <a:rPr lang="en-US" dirty="0" smtClean="0"/>
+              <a:rPr lang="en-US" dirty="0"/>
               <a:t>Fourth level</a:t>
             </a:r>
           </a:p>
           <a:p>
             <a:pPr lvl="4"/>
             <a:r>
-              <a:rPr lang="en-US" dirty="0" smtClean="0"/>
+              <a:rPr lang="en-US" dirty="0"/>
               <a:t>Fifth level</a:t>
             </a:r>
-            <a:endParaRPr lang="en-US" dirty="0"/>
           </a:p>
         </p:txBody>
       </p:sp>
@@ -2992,7 +2939,7 @@
           <a:p>
             <a:fld id="{FF5D65A6-AB94-4435-B0B7-3743215FA46C}" type="datetime1">
               <a:rPr lang="en-US" smtClean="0"/>
-              <a:t>9/28/2015</a:t>
+              <a:t>9/30/2016</a:t>
             </a:fld>
             <a:endParaRPr lang="en-US"/>
           </a:p>
@@ -3099,13 +3046,6 @@
   <p:clrMapOvr>
     <a:masterClrMapping/>
   </p:clrMapOvr>
-  <p:timing>
-    <p:tnLst>
-      <p:par>
-        <p:cTn id="1" dur="indefinite" restart="never" nodeType="tmRoot"/>
-      </p:par>
-    </p:tnLst>
-  </p:timing>
 </p:sldLayout>
 </file>
 
@@ -3151,10 +3091,9 @@
           </a:lstStyle>
           <a:p>
             <a:r>
-              <a:rPr lang="en-US" smtClean="0"/>
+              <a:rPr lang="en-US"/>
               <a:t>Click to edit Master title style</a:t>
             </a:r>
-            <a:endParaRPr lang="en-US"/>
           </a:p>
         </p:txBody>
       </p:sp>
@@ -3271,7 +3210,7 @@
           <a:p>
             <a:pPr lvl="0"/>
             <a:r>
-              <a:rPr lang="en-US" smtClean="0"/>
+              <a:rPr lang="en-US"/>
               <a:t>Click to edit Master text styles</a:t>
             </a:r>
           </a:p>
@@ -3294,7 +3233,7 @@
           <a:p>
             <a:fld id="{7C193DC4-6EF0-48C9-B29C-616106A645E1}" type="datetime1">
               <a:rPr lang="en-US" smtClean="0"/>
-              <a:t>9/28/2015</a:t>
+              <a:t>9/30/2016</a:t>
             </a:fld>
             <a:endParaRPr lang="en-US"/>
           </a:p>
@@ -3388,10 +3327,9 @@
           <a:lstStyle/>
           <a:p>
             <a:r>
-              <a:rPr lang="en-US" smtClean="0"/>
+              <a:rPr lang="en-US"/>
               <a:t>Click to edit Master title style</a:t>
             </a:r>
-            <a:endParaRPr lang="en-US"/>
           </a:p>
         </p:txBody>
       </p:sp>
@@ -3445,38 +3383,37 @@
           <a:p>
             <a:pPr lvl="0"/>
             <a:r>
-              <a:rPr lang="en-US" smtClean="0"/>
+              <a:rPr lang="en-US"/>
               <a:t>Click to edit Master text styles</a:t>
             </a:r>
           </a:p>
           <a:p>
             <a:pPr lvl="1"/>
             <a:r>
-              <a:rPr lang="en-US" smtClean="0"/>
+              <a:rPr lang="en-US"/>
               <a:t>Second level</a:t>
             </a:r>
           </a:p>
           <a:p>
             <a:pPr lvl="2"/>
             <a:r>
-              <a:rPr lang="en-US" smtClean="0"/>
+              <a:rPr lang="en-US"/>
               <a:t>Third level</a:t>
             </a:r>
           </a:p>
           <a:p>
             <a:pPr lvl="3"/>
             <a:r>
-              <a:rPr lang="en-US" smtClean="0"/>
+              <a:rPr lang="en-US"/>
               <a:t>Fourth level</a:t>
             </a:r>
           </a:p>
           <a:p>
             <a:pPr lvl="4"/>
             <a:r>
-              <a:rPr lang="en-US" smtClean="0"/>
+              <a:rPr lang="en-US"/>
               <a:t>Fifth level</a:t>
             </a:r>
-            <a:endParaRPr lang="en-US"/>
           </a:p>
         </p:txBody>
       </p:sp>
@@ -3530,38 +3467,37 @@
           <a:p>
             <a:pPr lvl="0"/>
             <a:r>
-              <a:rPr lang="en-US" smtClean="0"/>
+              <a:rPr lang="en-US"/>
               <a:t>Click to edit Master text styles</a:t>
             </a:r>
           </a:p>
           <a:p>
             <a:pPr lvl="1"/>
             <a:r>
-              <a:rPr lang="en-US" smtClean="0"/>
+              <a:rPr lang="en-US"/>
               <a:t>Second level</a:t>
             </a:r>
           </a:p>
           <a:p>
             <a:pPr lvl="2"/>
             <a:r>
-              <a:rPr lang="en-US" smtClean="0"/>
+              <a:rPr lang="en-US"/>
               <a:t>Third level</a:t>
             </a:r>
           </a:p>
           <a:p>
             <a:pPr lvl="3"/>
             <a:r>
-              <a:rPr lang="en-US" smtClean="0"/>
+              <a:rPr lang="en-US"/>
               <a:t>Fourth level</a:t>
             </a:r>
           </a:p>
           <a:p>
             <a:pPr lvl="4"/>
             <a:r>
-              <a:rPr lang="en-US" smtClean="0"/>
+              <a:rPr lang="en-US"/>
               <a:t>Fifth level</a:t>
             </a:r>
-            <a:endParaRPr lang="en-US"/>
           </a:p>
         </p:txBody>
       </p:sp>
@@ -3582,7 +3518,7 @@
           <a:p>
             <a:fld id="{5D1846AD-9252-4647-9435-4C2AC365653A}" type="datetime1">
               <a:rPr lang="en-US" smtClean="0"/>
-              <a:t>9/28/2015</a:t>
+              <a:t>9/30/2016</a:t>
             </a:fld>
             <a:endParaRPr lang="en-US"/>
           </a:p>
@@ -3680,10 +3616,9 @@
           </a:lstStyle>
           <a:p>
             <a:r>
-              <a:rPr lang="en-US" smtClean="0"/>
+              <a:rPr lang="en-US"/>
               <a:t>Click to edit Master title style</a:t>
             </a:r>
-            <a:endParaRPr lang="en-US"/>
           </a:p>
         </p:txBody>
       </p:sp>
@@ -3746,7 +3681,7 @@
           <a:p>
             <a:pPr lvl="0"/>
             <a:r>
-              <a:rPr lang="en-US" smtClean="0"/>
+              <a:rPr lang="en-US"/>
               <a:t>Click to edit Master text styles</a:t>
             </a:r>
           </a:p>
@@ -3802,38 +3737,37 @@
           <a:p>
             <a:pPr lvl="0"/>
             <a:r>
-              <a:rPr lang="en-US" smtClean="0"/>
+              <a:rPr lang="en-US"/>
               <a:t>Click to edit Master text styles</a:t>
             </a:r>
           </a:p>
           <a:p>
             <a:pPr lvl="1"/>
             <a:r>
-              <a:rPr lang="en-US" smtClean="0"/>
+              <a:rPr lang="en-US"/>
               <a:t>Second level</a:t>
             </a:r>
           </a:p>
           <a:p>
             <a:pPr lvl="2"/>
             <a:r>
-              <a:rPr lang="en-US" smtClean="0"/>
+              <a:rPr lang="en-US"/>
               <a:t>Third level</a:t>
             </a:r>
           </a:p>
           <a:p>
             <a:pPr lvl="3"/>
             <a:r>
-              <a:rPr lang="en-US" smtClean="0"/>
+              <a:rPr lang="en-US"/>
               <a:t>Fourth level</a:t>
             </a:r>
           </a:p>
           <a:p>
             <a:pPr lvl="4"/>
             <a:r>
-              <a:rPr lang="en-US" smtClean="0"/>
+              <a:rPr lang="en-US"/>
               <a:t>Fifth level</a:t>
             </a:r>
-            <a:endParaRPr lang="en-US"/>
           </a:p>
         </p:txBody>
       </p:sp>
@@ -3896,7 +3830,7 @@
           <a:p>
             <a:pPr lvl="0"/>
             <a:r>
-              <a:rPr lang="en-US" smtClean="0"/>
+              <a:rPr lang="en-US"/>
               <a:t>Click to edit Master text styles</a:t>
             </a:r>
           </a:p>
@@ -3952,38 +3886,37 @@
           <a:p>
             <a:pPr lvl="0"/>
             <a:r>
-              <a:rPr lang="en-US" smtClean="0"/>
+              <a:rPr lang="en-US"/>
               <a:t>Click to edit Master text styles</a:t>
             </a:r>
           </a:p>
           <a:p>
             <a:pPr lvl="1"/>
             <a:r>
-              <a:rPr lang="en-US" smtClean="0"/>
+              <a:rPr lang="en-US"/>
               <a:t>Second level</a:t>
             </a:r>
           </a:p>
           <a:p>
             <a:pPr lvl="2"/>
             <a:r>
-              <a:rPr lang="en-US" smtClean="0"/>
+              <a:rPr lang="en-US"/>
               <a:t>Third level</a:t>
             </a:r>
           </a:p>
           <a:p>
             <a:pPr lvl="3"/>
             <a:r>
-              <a:rPr lang="en-US" smtClean="0"/>
+              <a:rPr lang="en-US"/>
               <a:t>Fourth level</a:t>
             </a:r>
           </a:p>
           <a:p>
             <a:pPr lvl="4"/>
             <a:r>
-              <a:rPr lang="en-US" smtClean="0"/>
+              <a:rPr lang="en-US"/>
               <a:t>Fifth level</a:t>
             </a:r>
-            <a:endParaRPr lang="en-US"/>
           </a:p>
         </p:txBody>
       </p:sp>
@@ -4004,7 +3937,7 @@
           <a:p>
             <a:fld id="{CE56DC10-3561-4063-A6AF-C1CC7A41040A}" type="datetime1">
               <a:rPr lang="en-US" smtClean="0"/>
-              <a:t>9/28/2015</a:t>
+              <a:t>9/30/2016</a:t>
             </a:fld>
             <a:endParaRPr lang="en-US"/>
           </a:p>
@@ -4098,10 +4031,9 @@
           <a:lstStyle/>
           <a:p>
             <a:r>
-              <a:rPr lang="en-US" smtClean="0"/>
+              <a:rPr lang="en-US"/>
               <a:t>Click to edit Master title style</a:t>
             </a:r>
-            <a:endParaRPr lang="en-US"/>
           </a:p>
         </p:txBody>
       </p:sp>
@@ -4122,7 +4054,7 @@
           <a:p>
             <a:fld id="{2F7B77F5-1464-4F6B-92A8-64FC8A508293}" type="datetime1">
               <a:rPr lang="en-US" smtClean="0"/>
-              <a:t>9/28/2015</a:t>
+              <a:t>9/30/2016</a:t>
             </a:fld>
             <a:endParaRPr lang="en-US"/>
           </a:p>
@@ -4180,13 +4112,6 @@
   <p:clrMapOvr>
     <a:masterClrMapping/>
   </p:clrMapOvr>
-  <p:timing>
-    <p:tnLst>
-      <p:par>
-        <p:cTn id="1" dur="indefinite" restart="never" nodeType="tmRoot"/>
-      </p:par>
-    </p:tnLst>
-  </p:timing>
 </p:sldLayout>
 </file>
 
@@ -4250,10 +4175,9 @@
           <a:lstStyle/>
           <a:p>
             <a:r>
-              <a:rPr lang="en-US" smtClean="0"/>
+              <a:rPr lang="en-US"/>
               <a:t>Click to edit Master title style</a:t>
             </a:r>
-            <a:endParaRPr lang="en-US"/>
           </a:p>
         </p:txBody>
       </p:sp>
@@ -4284,38 +4208,37 @@
           <a:p>
             <a:pPr lvl="0"/>
             <a:r>
-              <a:rPr lang="en-US" smtClean="0"/>
+              <a:rPr lang="en-US"/>
               <a:t>Click to edit Master text styles</a:t>
             </a:r>
           </a:p>
           <a:p>
             <a:pPr lvl="1"/>
             <a:r>
-              <a:rPr lang="en-US" smtClean="0"/>
+              <a:rPr lang="en-US"/>
               <a:t>Second level</a:t>
             </a:r>
           </a:p>
           <a:p>
             <a:pPr lvl="2"/>
             <a:r>
-              <a:rPr lang="en-US" smtClean="0"/>
+              <a:rPr lang="en-US"/>
               <a:t>Third level</a:t>
             </a:r>
           </a:p>
           <a:p>
             <a:pPr lvl="3"/>
             <a:r>
-              <a:rPr lang="en-US" smtClean="0"/>
+              <a:rPr lang="en-US"/>
               <a:t>Fourth level</a:t>
             </a:r>
           </a:p>
           <a:p>
             <a:pPr lvl="4"/>
             <a:r>
-              <a:rPr lang="en-US" smtClean="0"/>
+              <a:rPr lang="en-US"/>
               <a:t>Fifth level</a:t>
             </a:r>
-            <a:endParaRPr lang="en-US"/>
           </a:p>
         </p:txBody>
       </p:sp>
@@ -4354,7 +4277,7 @@
           <a:p>
             <a:fld id="{02B3F677-983B-48DB-ADFD-63FE6CBC7FB2}" type="datetime1">
               <a:rPr lang="en-US" smtClean="0"/>
-              <a:t>9/28/2015</a:t>
+              <a:t>9/30/2016</a:t>
             </a:fld>
             <a:endParaRPr lang="en-US"/>
           </a:p>
@@ -4462,13 +4385,6 @@
     <p:sldLayoutId id="2147483674" r:id="rId13"/>
     <p:sldLayoutId id="2147483675" r:id="rId14"/>
   </p:sldLayoutIdLst>
-  <p:timing>
-    <p:tnLst>
-      <p:par>
-        <p:cTn id="1" dur="indefinite" restart="never" nodeType="tmRoot"/>
-      </p:par>
-    </p:tnLst>
-  </p:timing>
   <p:hf hdr="0" ftr="0" dt="0"/>
   <p:txStyles>
     <p:titleStyle>
@@ -4756,10 +4672,9 @@
           <a:lstStyle/>
           <a:p>
             <a:r>
-              <a:rPr lang="en-US" dirty="0" smtClean="0"/>
+              <a:rPr lang="en-US" dirty="0"/>
               <a:t>More examples of invariants</a:t>
             </a:r>
-            <a:endParaRPr lang="en-US" dirty="0"/>
           </a:p>
         </p:txBody>
       </p:sp>
@@ -4779,21 +4694,21 @@
           <a:lstStyle/>
           <a:p>
             <a:r>
-              <a:rPr lang="en-US" dirty="0" smtClean="0"/>
+              <a:rPr lang="en-US" dirty="0"/>
               <a:t>CS 5010 Program Design Paradigms “</a:t>
             </a:r>
             <a:r>
-              <a:rPr lang="en-US" dirty="0" err="1" smtClean="0"/>
+              <a:rPr lang="en-US" dirty="0" err="1"/>
               <a:t>Bootcamp</a:t>
             </a:r>
             <a:r>
-              <a:rPr lang="en-US" dirty="0" smtClean="0"/>
+              <a:rPr lang="en-US" dirty="0"/>
               <a:t>”</a:t>
             </a:r>
           </a:p>
           <a:p>
             <a:r>
-              <a:rPr lang="en-US" dirty="0" smtClean="0"/>
+              <a:rPr lang="en-US" dirty="0"/>
               <a:t>Lesson 7.2</a:t>
             </a:r>
           </a:p>
@@ -4893,27 +4808,13 @@
             <a:p>
               <a:r>
                 <a:rPr lang="en-US" sz="1000" dirty="0"/>
-                <a:t>© Mitchell Wand, </a:t>
-              </a:r>
-              <a:r>
-                <a:rPr lang="en-US" sz="1000" dirty="0" smtClean="0"/>
-                <a:t>2012-2015</a:t>
+                <a:t>© Mitchell Wand, 2012-2015</a:t>
               </a:r>
             </a:p>
             <a:p>
               <a:r>
-                <a:rPr lang="en-US" sz="1000" dirty="0" smtClean="0"/>
+                <a:rPr lang="en-US" sz="1000" dirty="0"/>
                 <a:t>This work is licensed under a </a:t>
-              </a:r>
-              <a:r>
-                <a:rPr lang="en-US" altLang="en-US" sz="1000" dirty="0" smtClean="0">
-                  <a:solidFill>
-                    <a:srgbClr val="4374B7"/>
-                  </a:solidFill>
-                  <a:latin typeface="Helvetica Neue"/>
-                  <a:hlinkClick r:id="rId4"/>
-                </a:rPr>
-                <a:t>Creative </a:t>
               </a:r>
               <a:r>
                 <a:rPr lang="en-US" altLang="en-US" sz="1000" dirty="0">
@@ -4923,7 +4824,7 @@
                   <a:latin typeface="Helvetica Neue"/>
                   <a:hlinkClick r:id="rId4"/>
                 </a:rPr>
-                <a:t>Commons Attribution-</a:t>
+                <a:t>Creative Commons Attribution-</a:t>
               </a:r>
               <a:r>
                 <a:rPr lang="en-US" altLang="en-US" sz="1000" dirty="0" err="1">
@@ -4946,10 +4847,9 @@
                 <a:t> 4.0 International License</a:t>
               </a:r>
               <a:r>
-                <a:rPr lang="en-US" sz="1000" dirty="0" smtClean="0"/>
+                <a:rPr lang="en-US" sz="1000" dirty="0"/>
                 <a:t>.</a:t>
               </a:r>
-              <a:endParaRPr lang="en-US" sz="1000" dirty="0"/>
             </a:p>
           </p:txBody>
         </p:sp>
@@ -4964,13 +4864,6 @@
   <p:clrMapOvr>
     <a:masterClrMapping/>
   </p:clrMapOvr>
-  <p:timing>
-    <p:tnLst>
-      <p:par>
-        <p:cTn id="1" dur="indefinite" restart="never" nodeType="tmRoot"/>
-      </p:par>
-    </p:tnLst>
-  </p:timing>
 </p:sld>
 </file>
 
@@ -5009,10 +4902,9 @@
           <a:lstStyle/>
           <a:p>
             <a:r>
-              <a:rPr lang="en-US" dirty="0" smtClean="0"/>
+              <a:rPr lang="en-US" dirty="0"/>
               <a:t>What about mutually recursive data definitions?</a:t>
             </a:r>
-            <a:endParaRPr lang="en-US" dirty="0"/>
           </a:p>
         </p:txBody>
       </p:sp>
@@ -5032,29 +4924,29 @@
           <a:lstStyle/>
           <a:p>
             <a:r>
-              <a:rPr lang="en-US" dirty="0" smtClean="0"/>
+              <a:rPr lang="en-US" dirty="0"/>
               <a:t>You’ll have two mutually recursive functions to handle the sub-</a:t>
             </a:r>
             <a:r>
-              <a:rPr lang="en-US" dirty="0" err="1" smtClean="0"/>
+              <a:rPr lang="en-US" dirty="0" err="1"/>
               <a:t>Sos</a:t>
             </a:r>
             <a:r>
-              <a:rPr lang="en-US" dirty="0" smtClean="0"/>
+              <a:rPr lang="en-US" dirty="0"/>
               <a:t> and sub-Loss– nothing else changes.</a:t>
             </a:r>
           </a:p>
           <a:p>
             <a:r>
-              <a:rPr lang="en-US" dirty="0" smtClean="0"/>
+              <a:rPr lang="en-US" dirty="0"/>
               <a:t>Let's write this out by writing down the </a:t>
             </a:r>
             <a:r>
-              <a:rPr lang="en-US" dirty="0" err="1" smtClean="0"/>
+              <a:rPr lang="en-US" dirty="0" err="1"/>
               <a:t>Sos</a:t>
             </a:r>
             <a:r>
-              <a:rPr lang="en-US" dirty="0" smtClean="0"/>
+              <a:rPr lang="en-US" dirty="0"/>
               <a:t> and Loss templates and adding a context argument.</a:t>
             </a:r>
           </a:p>
@@ -5109,13 +5001,6 @@
   <p:clrMapOvr>
     <a:masterClrMapping/>
   </p:clrMapOvr>
-  <p:timing>
-    <p:tnLst>
-      <p:par>
-        <p:cTn id="1" dur="indefinite" restart="never" nodeType="tmRoot"/>
-      </p:par>
-    </p:tnLst>
-  </p:timing>
 </p:sld>
 </file>
 
@@ -5154,26 +5039,25 @@
           <a:lstStyle/>
           <a:p>
             <a:r>
-              <a:rPr lang="en-US" dirty="0" smtClean="0"/>
+              <a:rPr lang="en-US" dirty="0"/>
               <a:t>Template for </a:t>
             </a:r>
             <a:r>
-              <a:rPr lang="en-US" dirty="0" err="1" smtClean="0"/>
+              <a:rPr lang="en-US" dirty="0" err="1"/>
               <a:t>SoS</a:t>
             </a:r>
             <a:r>
-              <a:rPr lang="en-US" dirty="0" smtClean="0"/>
+              <a:rPr lang="en-US" dirty="0"/>
               <a:t> and </a:t>
             </a:r>
             <a:r>
-              <a:rPr lang="en-US" dirty="0" err="1" smtClean="0"/>
+              <a:rPr lang="en-US" dirty="0" err="1"/>
               <a:t>LoSS</a:t>
             </a:r>
             <a:r>
-              <a:rPr lang="en-US" dirty="0" smtClean="0"/>
+              <a:rPr lang="en-US" dirty="0"/>
               <a:t>, with context argument (part 1)</a:t>
             </a:r>
-            <a:endParaRPr lang="en-US" dirty="0"/>
           </a:p>
         </p:txBody>
       </p:sp>
@@ -5198,35 +5082,35 @@
               <a:buNone/>
             </a:pPr>
             <a:r>
-              <a:rPr lang="en-US" b="1" dirty="0" smtClean="0">
+              <a:rPr lang="en-US" b="1" dirty="0">
                 <a:latin typeface="Consolas" pitchFamily="49" charset="0"/>
                 <a:cs typeface="Consolas" pitchFamily="49" charset="0"/>
               </a:rPr>
               <a:t>;; GIVEN: a </a:t>
             </a:r>
             <a:r>
-              <a:rPr lang="en-US" b="1" dirty="0" err="1" smtClean="0">
+              <a:rPr lang="en-US" b="1" dirty="0" err="1">
                 <a:latin typeface="Consolas" pitchFamily="49" charset="0"/>
                 <a:cs typeface="Consolas" pitchFamily="49" charset="0"/>
               </a:rPr>
               <a:t>SoS</a:t>
             </a:r>
             <a:r>
-              <a:rPr lang="en-US" b="1" dirty="0" smtClean="0">
+              <a:rPr lang="en-US" b="1" dirty="0">
                 <a:latin typeface="Consolas" pitchFamily="49" charset="0"/>
                 <a:cs typeface="Consolas" pitchFamily="49" charset="0"/>
               </a:rPr>
               <a:t> </a:t>
             </a:r>
             <a:r>
-              <a:rPr lang="en-US" b="1" dirty="0" err="1" smtClean="0">
+              <a:rPr lang="en-US" b="1" dirty="0" err="1">
                 <a:latin typeface="Consolas" pitchFamily="49" charset="0"/>
                 <a:cs typeface="Consolas" pitchFamily="49" charset="0"/>
               </a:rPr>
               <a:t>sos</a:t>
             </a:r>
             <a:r>
-              <a:rPr lang="en-US" b="1" dirty="0" smtClean="0">
+              <a:rPr lang="en-US" b="1" dirty="0">
                 <a:latin typeface="Consolas" pitchFamily="49" charset="0"/>
                 <a:cs typeface="Consolas" pitchFamily="49" charset="0"/>
               </a:rPr>
@@ -5238,35 +5122,35 @@
               <a:buNone/>
             </a:pPr>
             <a:r>
-              <a:rPr lang="en-US" b="1" dirty="0" smtClean="0">
+              <a:rPr lang="en-US" b="1" dirty="0">
                 <a:latin typeface="Consolas" pitchFamily="49" charset="0"/>
                 <a:cs typeface="Consolas" pitchFamily="49" charset="0"/>
               </a:rPr>
               <a:t>;;  larger </a:t>
             </a:r>
             <a:r>
-              <a:rPr lang="en-US" b="1" dirty="0" err="1" smtClean="0">
+              <a:rPr lang="en-US" b="1" dirty="0" err="1">
                 <a:latin typeface="Consolas" pitchFamily="49" charset="0"/>
                 <a:cs typeface="Consolas" pitchFamily="49" charset="0"/>
               </a:rPr>
               <a:t>SoS</a:t>
             </a:r>
             <a:r>
-              <a:rPr lang="en-US" b="1" dirty="0" smtClean="0">
+              <a:rPr lang="en-US" b="1" dirty="0">
                 <a:latin typeface="Consolas" pitchFamily="49" charset="0"/>
                 <a:cs typeface="Consolas" pitchFamily="49" charset="0"/>
               </a:rPr>
               <a:t> sos0, and &lt;describe </a:t>
             </a:r>
             <a:r>
-              <a:rPr lang="en-US" b="1" dirty="0" err="1" smtClean="0">
+              <a:rPr lang="en-US" b="1" dirty="0" err="1">
                 <a:latin typeface="Consolas" pitchFamily="49" charset="0"/>
                 <a:cs typeface="Consolas" pitchFamily="49" charset="0"/>
               </a:rPr>
               <a:t>ctxt</a:t>
             </a:r>
             <a:r>
-              <a:rPr lang="en-US" b="1" dirty="0" smtClean="0">
+              <a:rPr lang="en-US" b="1" dirty="0">
                 <a:latin typeface="Consolas" pitchFamily="49" charset="0"/>
                 <a:cs typeface="Consolas" pitchFamily="49" charset="0"/>
               </a:rPr>
@@ -5278,14 +5162,14 @@
               <a:buNone/>
             </a:pPr>
             <a:r>
-              <a:rPr lang="en-US" b="1" dirty="0" smtClean="0">
+              <a:rPr lang="en-US" b="1" dirty="0">
                 <a:latin typeface="Consolas" pitchFamily="49" charset="0"/>
                 <a:cs typeface="Consolas" pitchFamily="49" charset="0"/>
               </a:rPr>
               <a:t>;; </a:t>
             </a:r>
             <a:r>
-              <a:rPr lang="en-US" b="1" dirty="0" smtClean="0">
+              <a:rPr lang="en-US" b="1" dirty="0">
                 <a:solidFill>
                   <a:schemeClr val="accent3">
                     <a:lumMod val="75000"/>
@@ -5297,7 +5181,7 @@
               <a:t>WHERE: &lt;describe how </a:t>
             </a:r>
             <a:r>
-              <a:rPr lang="en-US" b="1" dirty="0" err="1" smtClean="0">
+              <a:rPr lang="en-US" b="1" dirty="0" err="1">
                 <a:solidFill>
                   <a:schemeClr val="accent3">
                     <a:lumMod val="75000"/>
@@ -5309,7 +5193,7 @@
               <a:t>ctxt</a:t>
             </a:r>
             <a:r>
-              <a:rPr lang="en-US" b="1" dirty="0" smtClean="0">
+              <a:rPr lang="en-US" b="1" dirty="0">
                 <a:solidFill>
                   <a:schemeClr val="accent3">
                     <a:lumMod val="75000"/>
@@ -5326,7 +5210,7 @@
               <a:buNone/>
             </a:pPr>
             <a:r>
-              <a:rPr lang="en-US" b="1" dirty="0" smtClean="0">
+              <a:rPr lang="en-US" b="1" dirty="0">
                 <a:solidFill>
                   <a:schemeClr val="accent3">
                     <a:lumMod val="75000"/>
@@ -5338,7 +5222,7 @@
               <a:t>;;  portion of sos0 that lies above </a:t>
             </a:r>
             <a:r>
-              <a:rPr lang="en-US" b="1" dirty="0" err="1" smtClean="0">
+              <a:rPr lang="en-US" b="1" dirty="0" err="1">
                 <a:solidFill>
                   <a:schemeClr val="accent3">
                     <a:lumMod val="75000"/>
@@ -5350,7 +5234,7 @@
               <a:t>sos</a:t>
             </a:r>
             <a:r>
-              <a:rPr lang="en-US" b="1" dirty="0" smtClean="0">
+              <a:rPr lang="en-US" b="1" dirty="0">
                 <a:solidFill>
                   <a:schemeClr val="accent3">
                     <a:lumMod val="75000"/>
@@ -5367,21 +5251,21 @@
               <a:buNone/>
             </a:pPr>
             <a:r>
-              <a:rPr lang="en-US" b="1" dirty="0" smtClean="0">
+              <a:rPr lang="en-US" b="1" dirty="0">
                 <a:latin typeface="Consolas" pitchFamily="49" charset="0"/>
                 <a:cs typeface="Consolas" pitchFamily="49" charset="0"/>
               </a:rPr>
               <a:t>;; RETURNS: &lt;something in terms of </a:t>
             </a:r>
             <a:r>
-              <a:rPr lang="en-US" b="1" dirty="0" err="1" smtClean="0">
+              <a:rPr lang="en-US" b="1" dirty="0" err="1">
                 <a:latin typeface="Consolas" pitchFamily="49" charset="0"/>
                 <a:cs typeface="Consolas" pitchFamily="49" charset="0"/>
               </a:rPr>
               <a:t>sos</a:t>
             </a:r>
             <a:r>
-              <a:rPr lang="en-US" b="1" dirty="0" smtClean="0">
+              <a:rPr lang="en-US" b="1" dirty="0">
                 <a:latin typeface="Consolas" pitchFamily="49" charset="0"/>
                 <a:cs typeface="Consolas" pitchFamily="49" charset="0"/>
               </a:rPr>
@@ -5393,35 +5277,35 @@
               <a:buNone/>
             </a:pPr>
             <a:r>
-              <a:rPr lang="en-US" b="1" dirty="0" smtClean="0">
+              <a:rPr lang="en-US" b="1" dirty="0">
                 <a:latin typeface="Consolas" pitchFamily="49" charset="0"/>
                 <a:cs typeface="Consolas" pitchFamily="49" charset="0"/>
               </a:rPr>
               <a:t>;; STRATEGY: Use the template for </a:t>
             </a:r>
             <a:r>
-              <a:rPr lang="en-US" b="1" dirty="0" err="1" smtClean="0">
+              <a:rPr lang="en-US" b="1" dirty="0" err="1">
                 <a:latin typeface="Consolas" pitchFamily="49" charset="0"/>
                 <a:cs typeface="Consolas" pitchFamily="49" charset="0"/>
               </a:rPr>
               <a:t>SoS</a:t>
             </a:r>
             <a:r>
-              <a:rPr lang="en-US" b="1" dirty="0" smtClean="0">
+              <a:rPr lang="en-US" b="1" dirty="0">
                 <a:latin typeface="Consolas" pitchFamily="49" charset="0"/>
                 <a:cs typeface="Consolas" pitchFamily="49" charset="0"/>
               </a:rPr>
               <a:t> on </a:t>
             </a:r>
             <a:r>
-              <a:rPr lang="en-US" b="1" dirty="0" err="1" smtClean="0">
+              <a:rPr lang="en-US" b="1" dirty="0" err="1">
                 <a:latin typeface="Consolas" pitchFamily="49" charset="0"/>
                 <a:cs typeface="Consolas" pitchFamily="49" charset="0"/>
               </a:rPr>
               <a:t>subsos</a:t>
             </a:r>
             <a:r>
-              <a:rPr lang="en-US" b="1" dirty="0" smtClean="0">
+              <a:rPr lang="en-US" b="1" dirty="0">
                 <a:latin typeface="Consolas" pitchFamily="49" charset="0"/>
                 <a:cs typeface="Consolas" pitchFamily="49" charset="0"/>
               </a:rPr>
@@ -5432,7 +5316,7 @@
             <a:pPr>
               <a:buNone/>
             </a:pPr>
-            <a:endParaRPr lang="en-US" b="1" dirty="0" smtClean="0">
+            <a:endParaRPr lang="en-US" b="1" dirty="0">
               <a:latin typeface="Consolas" pitchFamily="49" charset="0"/>
               <a:cs typeface="Consolas" pitchFamily="49" charset="0"/>
             </a:endParaRPr>
@@ -5442,63 +5326,63 @@
               <a:buNone/>
             </a:pPr>
             <a:r>
-              <a:rPr lang="en-US" b="1" dirty="0" smtClean="0">
+              <a:rPr lang="en-US" b="1" dirty="0">
                 <a:latin typeface="Consolas" pitchFamily="49" charset="0"/>
                 <a:cs typeface="Consolas" pitchFamily="49" charset="0"/>
               </a:rPr>
               <a:t>(define (sub-</a:t>
             </a:r>
             <a:r>
-              <a:rPr lang="en-US" b="1" dirty="0" err="1" smtClean="0">
+              <a:rPr lang="en-US" b="1" dirty="0" err="1">
                 <a:latin typeface="Consolas" pitchFamily="49" charset="0"/>
                 <a:cs typeface="Consolas" pitchFamily="49" charset="0"/>
               </a:rPr>
               <a:t>sos</a:t>
             </a:r>
             <a:r>
-              <a:rPr lang="en-US" b="1" dirty="0" smtClean="0">
+              <a:rPr lang="en-US" b="1" dirty="0">
                 <a:latin typeface="Consolas" pitchFamily="49" charset="0"/>
                 <a:cs typeface="Consolas" pitchFamily="49" charset="0"/>
               </a:rPr>
               <a:t>-</a:t>
             </a:r>
             <a:r>
-              <a:rPr lang="en-US" b="1" dirty="0" err="1" smtClean="0">
+              <a:rPr lang="en-US" b="1" dirty="0" err="1">
                 <a:latin typeface="Consolas" pitchFamily="49" charset="0"/>
                 <a:cs typeface="Consolas" pitchFamily="49" charset="0"/>
               </a:rPr>
               <a:t>fn</a:t>
             </a:r>
             <a:r>
-              <a:rPr lang="en-US" b="1" dirty="0" smtClean="0">
+              <a:rPr lang="en-US" b="1" dirty="0">
                 <a:latin typeface="Consolas" pitchFamily="49" charset="0"/>
                 <a:cs typeface="Consolas" pitchFamily="49" charset="0"/>
               </a:rPr>
               <a:t> </a:t>
             </a:r>
             <a:r>
-              <a:rPr lang="en-US" b="1" dirty="0" err="1" smtClean="0">
+              <a:rPr lang="en-US" b="1" dirty="0" err="1">
                 <a:latin typeface="Consolas" pitchFamily="49" charset="0"/>
                 <a:cs typeface="Consolas" pitchFamily="49" charset="0"/>
               </a:rPr>
               <a:t>subsos</a:t>
             </a:r>
             <a:r>
-              <a:rPr lang="en-US" b="1" dirty="0" smtClean="0">
+              <a:rPr lang="en-US" b="1" dirty="0">
                 <a:latin typeface="Consolas" pitchFamily="49" charset="0"/>
                 <a:cs typeface="Consolas" pitchFamily="49" charset="0"/>
               </a:rPr>
               <a:t> </a:t>
             </a:r>
             <a:r>
-              <a:rPr lang="en-US" b="1" dirty="0" err="1" smtClean="0">
+              <a:rPr lang="en-US" b="1" dirty="0" err="1">
                 <a:latin typeface="Consolas" pitchFamily="49" charset="0"/>
                 <a:cs typeface="Consolas" pitchFamily="49" charset="0"/>
               </a:rPr>
               <a:t>ctxt</a:t>
             </a:r>
             <a:r>
-              <a:rPr lang="en-US" b="1" dirty="0" smtClean="0">
+              <a:rPr lang="en-US" b="1" dirty="0">
                 <a:latin typeface="Consolas" pitchFamily="49" charset="0"/>
                 <a:cs typeface="Consolas" pitchFamily="49" charset="0"/>
               </a:rPr>
@@ -5510,20 +5394,20 @@
               <a:buNone/>
             </a:pPr>
             <a:r>
-              <a:rPr lang="en-US" b="1" dirty="0" smtClean="0">
+              <a:rPr lang="en-US" b="1" dirty="0">
                 <a:latin typeface="Consolas" pitchFamily="49" charset="0"/>
                 <a:cs typeface="Consolas" pitchFamily="49" charset="0"/>
               </a:rPr>
               <a:t>  (</a:t>
             </a:r>
             <a:r>
-              <a:rPr lang="en-US" b="1" dirty="0" err="1" smtClean="0">
+              <a:rPr lang="en-US" b="1" dirty="0" err="1">
                 <a:latin typeface="Consolas" pitchFamily="49" charset="0"/>
                 <a:cs typeface="Consolas" pitchFamily="49" charset="0"/>
               </a:rPr>
               <a:t>cond</a:t>
             </a:r>
-            <a:endParaRPr lang="en-US" b="1" dirty="0" smtClean="0">
+            <a:endParaRPr lang="en-US" b="1" dirty="0">
               <a:latin typeface="Consolas" pitchFamily="49" charset="0"/>
               <a:cs typeface="Consolas" pitchFamily="49" charset="0"/>
             </a:endParaRPr>
@@ -5533,21 +5417,21 @@
               <a:buNone/>
             </a:pPr>
             <a:r>
-              <a:rPr lang="en-US" b="1" dirty="0" smtClean="0">
+              <a:rPr lang="en-US" b="1" dirty="0">
                 <a:latin typeface="Consolas" pitchFamily="49" charset="0"/>
                 <a:cs typeface="Consolas" pitchFamily="49" charset="0"/>
               </a:rPr>
               <a:t>    [(string? </a:t>
             </a:r>
             <a:r>
-              <a:rPr lang="en-US" b="1" dirty="0" err="1" smtClean="0">
+              <a:rPr lang="en-US" b="1" dirty="0" err="1">
                 <a:latin typeface="Consolas" pitchFamily="49" charset="0"/>
                 <a:cs typeface="Consolas" pitchFamily="49" charset="0"/>
               </a:rPr>
               <a:t>subsos</a:t>
             </a:r>
             <a:r>
-              <a:rPr lang="en-US" b="1" dirty="0" smtClean="0">
+              <a:rPr lang="en-US" b="1" dirty="0">
                 <a:latin typeface="Consolas" pitchFamily="49" charset="0"/>
                 <a:cs typeface="Consolas" pitchFamily="49" charset="0"/>
               </a:rPr>
@@ -5559,49 +5443,49 @@
               <a:buNone/>
             </a:pPr>
             <a:r>
-              <a:rPr lang="en-US" b="1" dirty="0" smtClean="0">
+              <a:rPr lang="en-US" b="1" dirty="0">
                 <a:latin typeface="Consolas" pitchFamily="49" charset="0"/>
                 <a:cs typeface="Consolas" pitchFamily="49" charset="0"/>
               </a:rPr>
               <a:t>    [else (... (sub-loss-</a:t>
             </a:r>
             <a:r>
-              <a:rPr lang="en-US" b="1" dirty="0" err="1" smtClean="0">
+              <a:rPr lang="en-US" b="1" dirty="0" err="1">
                 <a:latin typeface="Consolas" pitchFamily="49" charset="0"/>
                 <a:cs typeface="Consolas" pitchFamily="49" charset="0"/>
               </a:rPr>
               <a:t>fn</a:t>
             </a:r>
             <a:r>
-              <a:rPr lang="en-US" b="1" dirty="0" smtClean="0">
+              <a:rPr lang="en-US" b="1" dirty="0">
                 <a:latin typeface="Consolas" pitchFamily="49" charset="0"/>
                 <a:cs typeface="Consolas" pitchFamily="49" charset="0"/>
               </a:rPr>
               <a:t> </a:t>
             </a:r>
             <a:r>
-              <a:rPr lang="en-US" b="1" dirty="0" err="1" smtClean="0">
+              <a:rPr lang="en-US" b="1" dirty="0" err="1">
                 <a:latin typeface="Consolas" pitchFamily="49" charset="0"/>
                 <a:cs typeface="Consolas" pitchFamily="49" charset="0"/>
               </a:rPr>
               <a:t>subsos</a:t>
             </a:r>
             <a:r>
-              <a:rPr lang="en-US" b="1" dirty="0" smtClean="0">
+              <a:rPr lang="en-US" b="1" dirty="0">
                 <a:latin typeface="Consolas" pitchFamily="49" charset="0"/>
                 <a:cs typeface="Consolas" pitchFamily="49" charset="0"/>
               </a:rPr>
               <a:t> (... </a:t>
             </a:r>
             <a:r>
-              <a:rPr lang="en-US" b="1" dirty="0" err="1" smtClean="0">
+              <a:rPr lang="en-US" b="1" dirty="0" err="1">
                 <a:latin typeface="Consolas" pitchFamily="49" charset="0"/>
                 <a:cs typeface="Consolas" pitchFamily="49" charset="0"/>
               </a:rPr>
               <a:t>ctxt</a:t>
             </a:r>
             <a:r>
-              <a:rPr lang="en-US" b="1" dirty="0" smtClean="0">
+              <a:rPr lang="en-US" b="1" dirty="0">
                 <a:latin typeface="Consolas" pitchFamily="49" charset="0"/>
                 <a:cs typeface="Consolas" pitchFamily="49" charset="0"/>
               </a:rPr>
@@ -5702,7 +5586,7 @@
           <a:p>
             <a:pPr algn="ctr"/>
             <a:r>
-              <a:rPr lang="en-US" dirty="0" smtClean="0">
+              <a:rPr lang="en-US" dirty="0">
                 <a:solidFill>
                   <a:schemeClr val="tx1"/>
                 </a:solidFill>
@@ -5710,7 +5594,7 @@
               <a:t>This still fits the </a:t>
             </a:r>
             <a:r>
-              <a:rPr lang="en-US" dirty="0" err="1" smtClean="0">
+              <a:rPr lang="en-US" dirty="0" err="1">
                 <a:solidFill>
                   <a:schemeClr val="tx1"/>
                 </a:solidFill>
@@ -5718,18 +5602,13 @@
               <a:t>SoS</a:t>
             </a:r>
             <a:r>
-              <a:rPr lang="en-US" dirty="0" smtClean="0">
+              <a:rPr lang="en-US" dirty="0">
                 <a:solidFill>
                   <a:schemeClr val="tx1"/>
                 </a:solidFill>
               </a:rPr>
               <a:t> template</a:t>
             </a:r>
-            <a:endParaRPr lang="en-US" dirty="0">
-              <a:solidFill>
-                <a:schemeClr val="tx1"/>
-              </a:solidFill>
-            </a:endParaRPr>
           </a:p>
         </p:txBody>
       </p:sp>
@@ -5784,15 +5663,31 @@
                   <a:schemeClr val="tx1"/>
                 </a:solidFill>
               </a:rPr>
-              <a:t>When we have a recursive call, we </a:t>
-            </a:r>
-            <a:r>
-              <a:rPr lang="en-US" dirty="0" smtClean="0">
+              <a:t>When we have a recursive call, we use a new value of the context argument, so that </a:t>
+            </a:r>
+            <a:r>
+              <a:rPr lang="en-US" b="1" dirty="0">
                 <a:solidFill>
                   <a:schemeClr val="tx1"/>
                 </a:solidFill>
               </a:rPr>
-              <a:t>use a new value of the context argument, so </a:t>
+              <a:t>sub-loss-</a:t>
+            </a:r>
+            <a:r>
+              <a:rPr lang="en-US" b="1" dirty="0" err="1">
+                <a:solidFill>
+                  <a:schemeClr val="tx1"/>
+                </a:solidFill>
+              </a:rPr>
+              <a:t>fn</a:t>
+            </a:r>
+            <a:r>
+              <a:rPr lang="en-US" dirty="0" err="1">
+                <a:solidFill>
+                  <a:schemeClr val="tx1"/>
+                </a:solidFill>
+              </a:rPr>
+              <a:t>'s</a:t>
             </a:r>
             <a:r>
               <a:rPr lang="en-US" dirty="0">
@@ -5800,55 +5695,7 @@
                   <a:schemeClr val="tx1"/>
                 </a:solidFill>
               </a:rPr>
-              <a:t>that </a:t>
-            </a:r>
-            <a:r>
-              <a:rPr lang="en-US" b="1" dirty="0">
-                <a:solidFill>
-                  <a:schemeClr val="tx1"/>
-                </a:solidFill>
-              </a:rPr>
-              <a:t>sub-loss-</a:t>
-            </a:r>
-            <a:r>
-              <a:rPr lang="en-US" b="1" dirty="0" err="1">
-                <a:solidFill>
-                  <a:schemeClr val="tx1"/>
-                </a:solidFill>
-              </a:rPr>
-              <a:t>fn</a:t>
-            </a:r>
-            <a:r>
-              <a:rPr lang="en-US" dirty="0" err="1">
-                <a:solidFill>
-                  <a:schemeClr val="tx1"/>
-                </a:solidFill>
-              </a:rPr>
-              <a:t>'s</a:t>
-            </a:r>
-            <a:r>
-              <a:rPr lang="en-US" dirty="0">
-                <a:solidFill>
-                  <a:schemeClr val="tx1"/>
-                </a:solidFill>
-              </a:rPr>
-              <a:t> invariant </a:t>
-            </a:r>
-            <a:r>
-              <a:rPr lang="en-US" dirty="0" smtClean="0">
-                <a:solidFill>
-                  <a:schemeClr val="tx1"/>
-                </a:solidFill>
-              </a:rPr>
-              <a:t>will be </a:t>
-            </a:r>
-            <a:r>
-              <a:rPr lang="en-US" dirty="0">
-                <a:solidFill>
-                  <a:schemeClr val="tx1"/>
-                </a:solidFill>
-              </a:rPr>
-              <a:t>true.</a:t>
+              <a:t> invariant will be true.</a:t>
             </a:r>
           </a:p>
         </p:txBody>
@@ -6008,13 +5855,6 @@
   <p:clrMapOvr>
     <a:masterClrMapping/>
   </p:clrMapOvr>
-  <p:timing>
-    <p:tnLst>
-      <p:par>
-        <p:cTn id="1" dur="indefinite" restart="never" nodeType="tmRoot"/>
-      </p:par>
-    </p:tnLst>
-  </p:timing>
 </p:sld>
 </file>
 
@@ -6070,13 +5910,8 @@
             </a:r>
             <a:r>
               <a:rPr lang="en-US" dirty="0"/>
-              <a:t>, with context argument (part </a:t>
-            </a:r>
-            <a:r>
-              <a:rPr lang="en-US" dirty="0" smtClean="0"/>
-              <a:t>2)</a:t>
-            </a:r>
-            <a:endParaRPr lang="en-US" dirty="0"/>
+              <a:t>, with context argument (part 2)</a:t>
+            </a:r>
           </a:p>
         </p:txBody>
       </p:sp>
@@ -6106,14 +5941,14 @@
               <a:buNone/>
             </a:pPr>
             <a:r>
-              <a:rPr lang="en-US" sz="2000" b="1" dirty="0" smtClean="0">
+              <a:rPr lang="en-US" sz="2000" b="1" dirty="0">
                 <a:latin typeface="Consolas" pitchFamily="49" charset="0"/>
                 <a:cs typeface="Consolas" pitchFamily="49" charset="0"/>
               </a:rPr>
               <a:t>;; GIVEN a </a:t>
             </a:r>
             <a:r>
-              <a:rPr lang="en-US" sz="2000" b="1" dirty="0" err="1" smtClean="0">
+              <a:rPr lang="en-US" sz="2000" b="1" dirty="0" err="1">
                 <a:latin typeface="Consolas" pitchFamily="49" charset="0"/>
                 <a:cs typeface="Consolas" pitchFamily="49" charset="0"/>
               </a:rPr>
@@ -6124,64 +5959,43 @@
                 <a:latin typeface="Consolas" pitchFamily="49" charset="0"/>
                 <a:cs typeface="Consolas" pitchFamily="49" charset="0"/>
               </a:rPr>
-              <a:t> </a:t>
-            </a:r>
-            <a:r>
-              <a:rPr lang="en-US" sz="2000" b="1" dirty="0" smtClean="0">
-                <a:latin typeface="Consolas" pitchFamily="49" charset="0"/>
-                <a:cs typeface="Consolas" pitchFamily="49" charset="0"/>
-              </a:rPr>
-              <a:t>loss that </a:t>
-            </a:r>
+              <a:t> loss that is a subpart of some</a:t>
+            </a:r>
+          </a:p>
+          <a:p>
+            <a:pPr>
+              <a:buNone/>
+            </a:pPr>
             <a:r>
               <a:rPr lang="en-US" sz="2000" b="1" dirty="0">
                 <a:latin typeface="Consolas" pitchFamily="49" charset="0"/>
                 <a:cs typeface="Consolas" pitchFamily="49" charset="0"/>
               </a:rPr>
-              <a:t>is a subpart of some</a:t>
-            </a:r>
-          </a:p>
-          <a:p>
-            <a:pPr>
-              <a:buNone/>
-            </a:pPr>
+              <a:t>;;  larger </a:t>
+            </a:r>
+            <a:r>
+              <a:rPr lang="en-US" sz="2000" b="1" dirty="0" err="1">
+                <a:latin typeface="Consolas" pitchFamily="49" charset="0"/>
+                <a:cs typeface="Consolas" pitchFamily="49" charset="0"/>
+              </a:rPr>
+              <a:t>SoS</a:t>
+            </a:r>
             <a:r>
               <a:rPr lang="en-US" sz="2000" b="1" dirty="0">
                 <a:latin typeface="Consolas" pitchFamily="49" charset="0"/>
                 <a:cs typeface="Consolas" pitchFamily="49" charset="0"/>
               </a:rPr>
-              <a:t>;;  larger </a:t>
+              <a:t> sos0, and a &lt;describe </a:t>
             </a:r>
             <a:r>
               <a:rPr lang="en-US" sz="2000" b="1" dirty="0" err="1">
                 <a:latin typeface="Consolas" pitchFamily="49" charset="0"/>
                 <a:cs typeface="Consolas" pitchFamily="49" charset="0"/>
               </a:rPr>
-              <a:t>SoS</a:t>
+              <a:t>ctxt</a:t>
             </a:r>
             <a:r>
               <a:rPr lang="en-US" sz="2000" b="1" dirty="0">
-                <a:latin typeface="Consolas" pitchFamily="49" charset="0"/>
-                <a:cs typeface="Consolas" pitchFamily="49" charset="0"/>
-              </a:rPr>
-              <a:t> </a:t>
-            </a:r>
-            <a:r>
-              <a:rPr lang="en-US" sz="2000" b="1" dirty="0" smtClean="0">
-                <a:latin typeface="Consolas" pitchFamily="49" charset="0"/>
-                <a:cs typeface="Consolas" pitchFamily="49" charset="0"/>
-              </a:rPr>
-              <a:t>sos0, and a &lt;describe </a:t>
-            </a:r>
-            <a:r>
-              <a:rPr lang="en-US" sz="2000" b="1" dirty="0" err="1" smtClean="0">
-                <a:latin typeface="Consolas" pitchFamily="49" charset="0"/>
-                <a:cs typeface="Consolas" pitchFamily="49" charset="0"/>
-              </a:rPr>
-              <a:t>ctxt</a:t>
-            </a:r>
-            <a:r>
-              <a:rPr lang="en-US" sz="2000" b="1" dirty="0" smtClean="0">
                 <a:latin typeface="Consolas" pitchFamily="49" charset="0"/>
                 <a:cs typeface="Consolas" pitchFamily="49" charset="0"/>
               </a:rPr>
@@ -6250,26 +6064,40 @@
                 <a:latin typeface="Consolas" pitchFamily="49" charset="0"/>
                 <a:cs typeface="Consolas" pitchFamily="49" charset="0"/>
               </a:rPr>
-              <a:t>;;  portion of sos0 that lies above </a:t>
-            </a:r>
-            <a:r>
-              <a:rPr lang="en-US" sz="2000" b="1" dirty="0" smtClean="0">
-                <a:solidFill>
-                  <a:schemeClr val="accent3">
-                    <a:lumMod val="75000"/>
-                  </a:schemeClr>
-                </a:solidFill>
-                <a:latin typeface="Consolas" pitchFamily="49" charset="0"/>
-                <a:cs typeface="Consolas" pitchFamily="49" charset="0"/>
-              </a:rPr>
-              <a:t>loss&gt;</a:t>
+              <a:t>;;  portion of sos0 that lies above loss&gt;</a:t>
+            </a:r>
+          </a:p>
+          <a:p>
+            <a:pPr>
+              <a:buNone/>
+            </a:pPr>
+            <a:r>
+              <a:rPr lang="en-US" sz="2000" b="1" dirty="0">
+                <a:latin typeface="Consolas" pitchFamily="49" charset="0"/>
+                <a:cs typeface="Consolas" pitchFamily="49" charset="0"/>
+              </a:rPr>
+              <a:t>;; RETURNS: &lt;something in terms of loss and sos0&gt;</a:t>
+            </a:r>
+          </a:p>
+          <a:p>
+            <a:pPr>
+              <a:buNone/>
+            </a:pPr>
+            <a:r>
+              <a:rPr lang="en-US" sz="2000" b="1" dirty="0">
+                <a:latin typeface="Consolas" pitchFamily="49" charset="0"/>
+                <a:cs typeface="Consolas" pitchFamily="49" charset="0"/>
+              </a:rPr>
+              <a:t>;; STRATEGY: Use template for Loss on </a:t>
+            </a:r>
+            <a:r>
+              <a:rPr lang="en-US" sz="2000" b="1" dirty="0" err="1">
+                <a:latin typeface="Consolas" pitchFamily="49" charset="0"/>
+                <a:cs typeface="Consolas" pitchFamily="49" charset="0"/>
+              </a:rPr>
+              <a:t>sublos</a:t>
             </a:r>
             <a:endParaRPr lang="en-US" sz="2000" b="1" dirty="0">
-              <a:solidFill>
-                <a:schemeClr val="accent3">
-                  <a:lumMod val="75000"/>
-                </a:schemeClr>
-              </a:solidFill>
               <a:latin typeface="Consolas" pitchFamily="49" charset="0"/>
               <a:cs typeface="Consolas" pitchFamily="49" charset="0"/>
             </a:endParaRPr>
@@ -6283,21 +6111,49 @@
                 <a:latin typeface="Consolas" pitchFamily="49" charset="0"/>
                 <a:cs typeface="Consolas" pitchFamily="49" charset="0"/>
               </a:rPr>
-              <a:t>;; RETURNS: &lt;something in terms of </a:t>
-            </a:r>
-            <a:r>
-              <a:rPr lang="en-US" sz="2000" b="1" dirty="0" smtClean="0">
-                <a:latin typeface="Consolas" pitchFamily="49" charset="0"/>
-                <a:cs typeface="Consolas" pitchFamily="49" charset="0"/>
-              </a:rPr>
-              <a:t>loss </a:t>
+              <a:t>(define (sub-loss-</a:t>
+            </a:r>
+            <a:r>
+              <a:rPr lang="en-US" sz="2000" b="1" dirty="0" err="1">
+                <a:latin typeface="Consolas" pitchFamily="49" charset="0"/>
+                <a:cs typeface="Consolas" pitchFamily="49" charset="0"/>
+              </a:rPr>
+              <a:t>fn</a:t>
             </a:r>
             <a:r>
               <a:rPr lang="en-US" sz="2000" b="1" dirty="0">
                 <a:latin typeface="Consolas" pitchFamily="49" charset="0"/>
                 <a:cs typeface="Consolas" pitchFamily="49" charset="0"/>
               </a:rPr>
-              <a:t>and sos0&gt;</a:t>
+              <a:t> </a:t>
+            </a:r>
+            <a:r>
+              <a:rPr lang="en-US" sz="2000" b="1" dirty="0" err="1">
+                <a:latin typeface="Consolas" pitchFamily="49" charset="0"/>
+                <a:cs typeface="Consolas" pitchFamily="49" charset="0"/>
+              </a:rPr>
+              <a:t>subloss</a:t>
+            </a:r>
+            <a:r>
+              <a:rPr lang="en-US" sz="2000" b="1" dirty="0">
+                <a:latin typeface="Consolas" pitchFamily="49" charset="0"/>
+                <a:cs typeface="Consolas" pitchFamily="49" charset="0"/>
+              </a:rPr>
+              <a:t> </a:t>
+            </a:r>
+            <a:r>
+              <a:rPr lang="en-US" sz="2000" b="1" dirty="0" err="1">
+                <a:latin typeface="Consolas" pitchFamily="49" charset="0"/>
+                <a:cs typeface="Consolas" pitchFamily="49" charset="0"/>
+              </a:rPr>
+              <a:t>ctxt</a:t>
+            </a:r>
+            <a:r>
+              <a:rPr lang="en-US" sz="2000" b="1" dirty="0">
+                <a:latin typeface="Consolas" pitchFamily="49" charset="0"/>
+                <a:cs typeface="Consolas" pitchFamily="49" charset="0"/>
+              </a:rPr>
+              <a:t>)</a:t>
             </a:r>
           </a:p>
           <a:p>
@@ -6305,20 +6161,20 @@
               <a:buNone/>
             </a:pPr>
             <a:r>
-              <a:rPr lang="en-US" sz="2000" b="1" dirty="0" smtClean="0">
-                <a:latin typeface="Consolas" pitchFamily="49" charset="0"/>
-                <a:cs typeface="Consolas" pitchFamily="49" charset="0"/>
-              </a:rPr>
-              <a:t>;; STRATEGY: Use template for Loss on </a:t>
-            </a:r>
-            <a:r>
-              <a:rPr lang="en-US" sz="2000" b="1" dirty="0" err="1" smtClean="0">
-                <a:latin typeface="Consolas" pitchFamily="49" charset="0"/>
-                <a:cs typeface="Consolas" pitchFamily="49" charset="0"/>
-              </a:rPr>
-              <a:t>sublos</a:t>
-            </a:r>
-            <a:endParaRPr lang="en-US" sz="2000" b="1" dirty="0" smtClean="0">
+              <a:rPr lang="en-US" sz="2000" b="1" dirty="0">
+                <a:latin typeface="Consolas" pitchFamily="49" charset="0"/>
+                <a:cs typeface="Consolas" pitchFamily="49" charset="0"/>
+              </a:rPr>
+              <a:t>  (</a:t>
+            </a:r>
+            <a:r>
+              <a:rPr lang="en-US" sz="2000" b="1" dirty="0" err="1">
+                <a:latin typeface="Consolas" pitchFamily="49" charset="0"/>
+                <a:cs typeface="Consolas" pitchFamily="49" charset="0"/>
+              </a:rPr>
+              <a:t>cond</a:t>
+            </a:r>
+            <a:endParaRPr lang="en-US" sz="2000" b="1" dirty="0">
               <a:latin typeface="Consolas" pitchFamily="49" charset="0"/>
               <a:cs typeface="Consolas" pitchFamily="49" charset="0"/>
             </a:endParaRPr>
@@ -6328,53 +6184,105 @@
               <a:buNone/>
             </a:pPr>
             <a:r>
-              <a:rPr lang="en-US" sz="2000" b="1" dirty="0" smtClean="0">
-                <a:latin typeface="Consolas" pitchFamily="49" charset="0"/>
-                <a:cs typeface="Consolas" pitchFamily="49" charset="0"/>
-              </a:rPr>
-              <a:t>(define (sub-loss-</a:t>
-            </a:r>
-            <a:r>
-              <a:rPr lang="en-US" sz="2000" b="1" dirty="0" err="1" smtClean="0">
+              <a:rPr lang="en-US" sz="2000" b="1" dirty="0">
+                <a:latin typeface="Consolas" pitchFamily="49" charset="0"/>
+                <a:cs typeface="Consolas" pitchFamily="49" charset="0"/>
+              </a:rPr>
+              <a:t>    [(empty? </a:t>
+            </a:r>
+            <a:r>
+              <a:rPr lang="en-US" sz="2000" b="1" dirty="0" err="1">
+                <a:latin typeface="Consolas" pitchFamily="49" charset="0"/>
+                <a:cs typeface="Consolas" pitchFamily="49" charset="0"/>
+              </a:rPr>
+              <a:t>subloss</a:t>
+            </a:r>
+            <a:r>
+              <a:rPr lang="en-US" sz="2000" b="1" dirty="0">
+                <a:latin typeface="Consolas" pitchFamily="49" charset="0"/>
+                <a:cs typeface="Consolas" pitchFamily="49" charset="0"/>
+              </a:rPr>
+              <a:t>) ...]</a:t>
+            </a:r>
+          </a:p>
+          <a:p>
+            <a:pPr>
+              <a:buNone/>
+            </a:pPr>
+            <a:r>
+              <a:rPr lang="en-US" sz="2000" b="1" dirty="0">
+                <a:latin typeface="Consolas" pitchFamily="49" charset="0"/>
+                <a:cs typeface="Consolas" pitchFamily="49" charset="0"/>
+              </a:rPr>
+              <a:t>    [else (...</a:t>
+            </a:r>
+          </a:p>
+          <a:p>
+            <a:pPr>
+              <a:buNone/>
+            </a:pPr>
+            <a:r>
+              <a:rPr lang="en-US" sz="2000" b="1" dirty="0">
+                <a:latin typeface="Consolas" pitchFamily="49" charset="0"/>
+                <a:cs typeface="Consolas" pitchFamily="49" charset="0"/>
+              </a:rPr>
+              <a:t>            (sub-</a:t>
+            </a:r>
+            <a:r>
+              <a:rPr lang="en-US" sz="2000" b="1" dirty="0" err="1">
+                <a:latin typeface="Consolas" pitchFamily="49" charset="0"/>
+                <a:cs typeface="Consolas" pitchFamily="49" charset="0"/>
+              </a:rPr>
+              <a:t>sos</a:t>
+            </a:r>
+            <a:r>
+              <a:rPr lang="en-US" sz="2000" b="1" dirty="0">
+                <a:latin typeface="Consolas" pitchFamily="49" charset="0"/>
+                <a:cs typeface="Consolas" pitchFamily="49" charset="0"/>
+              </a:rPr>
+              <a:t>-</a:t>
+            </a:r>
+            <a:r>
+              <a:rPr lang="en-US" sz="2000" b="1" dirty="0" err="1">
                 <a:latin typeface="Consolas" pitchFamily="49" charset="0"/>
                 <a:cs typeface="Consolas" pitchFamily="49" charset="0"/>
               </a:rPr>
               <a:t>fn</a:t>
             </a:r>
             <a:r>
-              <a:rPr lang="en-US" sz="2000" b="1" dirty="0" smtClean="0">
-                <a:latin typeface="Consolas" pitchFamily="49" charset="0"/>
-                <a:cs typeface="Consolas" pitchFamily="49" charset="0"/>
-              </a:rPr>
-              <a:t> </a:t>
-            </a:r>
-            <a:r>
-              <a:rPr lang="en-US" sz="2000" b="1" dirty="0" err="1" smtClean="0">
+              <a:rPr lang="en-US" sz="2000" b="1" dirty="0">
+                <a:latin typeface="Consolas" pitchFamily="49" charset="0"/>
+                <a:cs typeface="Consolas" pitchFamily="49" charset="0"/>
+              </a:rPr>
+              <a:t> (first </a:t>
+            </a:r>
+            <a:r>
+              <a:rPr lang="en-US" sz="2000" b="1" dirty="0" err="1">
                 <a:latin typeface="Consolas" pitchFamily="49" charset="0"/>
                 <a:cs typeface="Consolas" pitchFamily="49" charset="0"/>
               </a:rPr>
               <a:t>subloss</a:t>
             </a:r>
             <a:r>
-              <a:rPr lang="en-US" sz="2000" b="1" dirty="0" smtClean="0">
-                <a:latin typeface="Consolas" pitchFamily="49" charset="0"/>
-                <a:cs typeface="Consolas" pitchFamily="49" charset="0"/>
-              </a:rPr>
-              <a:t> </a:t>
-            </a:r>
-            <a:r>
-              <a:rPr lang="en-US" sz="2000" b="1" dirty="0" err="1" smtClean="0">
+              <a:rPr lang="en-US" sz="2000" b="1" dirty="0">
+                <a:latin typeface="Consolas" pitchFamily="49" charset="0"/>
+                <a:cs typeface="Consolas" pitchFamily="49" charset="0"/>
+              </a:rPr>
+              <a:t>) (... </a:t>
+            </a:r>
+            <a:r>
+              <a:rPr lang="en-US" sz="2000" b="1" dirty="0" err="1">
                 <a:latin typeface="Consolas" pitchFamily="49" charset="0"/>
                 <a:cs typeface="Consolas" pitchFamily="49" charset="0"/>
               </a:rPr>
               <a:t>ctxt</a:t>
             </a:r>
             <a:r>
-              <a:rPr lang="en-US" sz="2000" b="1" dirty="0" smtClean="0">
-                <a:latin typeface="Consolas" pitchFamily="49" charset="0"/>
-                <a:cs typeface="Consolas" pitchFamily="49" charset="0"/>
-              </a:rPr>
-              <a:t>)</a:t>
+              <a:rPr lang="en-US" sz="2000" b="1" dirty="0">
+                <a:latin typeface="Consolas" pitchFamily="49" charset="0"/>
+                <a:cs typeface="Consolas" pitchFamily="49" charset="0"/>
+              </a:rPr>
+              <a:t>))</a:t>
             </a:r>
           </a:p>
           <a:p>
@@ -6382,178 +6290,49 @@
               <a:buNone/>
             </a:pPr>
             <a:r>
-              <a:rPr lang="en-US" sz="2000" b="1" dirty="0" smtClean="0">
-                <a:latin typeface="Consolas" pitchFamily="49" charset="0"/>
-                <a:cs typeface="Consolas" pitchFamily="49" charset="0"/>
-              </a:rPr>
-              <a:t>  (</a:t>
-            </a:r>
-            <a:r>
-              <a:rPr lang="en-US" sz="2000" b="1" dirty="0" err="1" smtClean="0">
-                <a:latin typeface="Consolas" pitchFamily="49" charset="0"/>
-                <a:cs typeface="Consolas" pitchFamily="49" charset="0"/>
-              </a:rPr>
-              <a:t>cond</a:t>
-            </a:r>
-            <a:endParaRPr lang="en-US" sz="2000" b="1" dirty="0" smtClean="0">
-              <a:latin typeface="Consolas" pitchFamily="49" charset="0"/>
-              <a:cs typeface="Consolas" pitchFamily="49" charset="0"/>
-            </a:endParaRPr>
-          </a:p>
-          <a:p>
-            <a:pPr>
-              <a:buNone/>
-            </a:pPr>
-            <a:r>
-              <a:rPr lang="en-US" sz="2000" b="1" dirty="0" smtClean="0">
-                <a:latin typeface="Consolas" pitchFamily="49" charset="0"/>
-                <a:cs typeface="Consolas" pitchFamily="49" charset="0"/>
-              </a:rPr>
-              <a:t>    [(empty? </a:t>
-            </a:r>
-            <a:r>
-              <a:rPr lang="en-US" sz="2000" b="1" dirty="0" err="1" smtClean="0">
+              <a:rPr lang="en-US" sz="2000" b="1" dirty="0">
+                <a:latin typeface="Consolas" pitchFamily="49" charset="0"/>
+                <a:cs typeface="Consolas" pitchFamily="49" charset="0"/>
+              </a:rPr>
+              <a:t>            (sub-loss-</a:t>
+            </a:r>
+            <a:r>
+              <a:rPr lang="en-US" sz="2000" b="1" dirty="0" err="1">
+                <a:latin typeface="Consolas" pitchFamily="49" charset="0"/>
+                <a:cs typeface="Consolas" pitchFamily="49" charset="0"/>
+              </a:rPr>
+              <a:t>fn</a:t>
+            </a:r>
+            <a:r>
+              <a:rPr lang="en-US" sz="2000" b="1" dirty="0">
+                <a:latin typeface="Consolas" pitchFamily="49" charset="0"/>
+                <a:cs typeface="Consolas" pitchFamily="49" charset="0"/>
+              </a:rPr>
+              <a:t> (rest </a:t>
+            </a:r>
+            <a:r>
+              <a:rPr lang="en-US" sz="2000" b="1" dirty="0" err="1">
                 <a:latin typeface="Consolas" pitchFamily="49" charset="0"/>
                 <a:cs typeface="Consolas" pitchFamily="49" charset="0"/>
               </a:rPr>
               <a:t>subloss</a:t>
             </a:r>
             <a:r>
-              <a:rPr lang="en-US" sz="2000" b="1" dirty="0" smtClean="0">
-                <a:latin typeface="Consolas" pitchFamily="49" charset="0"/>
-                <a:cs typeface="Consolas" pitchFamily="49" charset="0"/>
-              </a:rPr>
-              <a:t>) ...]</a:t>
-            </a:r>
-          </a:p>
-          <a:p>
-            <a:pPr>
-              <a:buNone/>
-            </a:pPr>
-            <a:r>
-              <a:rPr lang="en-US" sz="2000" b="1" dirty="0" smtClean="0">
-                <a:latin typeface="Consolas" pitchFamily="49" charset="0"/>
-                <a:cs typeface="Consolas" pitchFamily="49" charset="0"/>
-              </a:rPr>
-              <a:t>    [else (...</a:t>
-            </a:r>
-          </a:p>
-          <a:p>
-            <a:pPr>
-              <a:buNone/>
-            </a:pPr>
-            <a:r>
-              <a:rPr lang="en-US" sz="2000" b="1" dirty="0" smtClean="0">
-                <a:latin typeface="Consolas" pitchFamily="49" charset="0"/>
-                <a:cs typeface="Consolas" pitchFamily="49" charset="0"/>
-              </a:rPr>
-              <a:t>            (sub-</a:t>
-            </a:r>
-            <a:r>
-              <a:rPr lang="en-US" sz="2000" b="1" dirty="0" err="1" smtClean="0">
-                <a:latin typeface="Consolas" pitchFamily="49" charset="0"/>
-                <a:cs typeface="Consolas" pitchFamily="49" charset="0"/>
-              </a:rPr>
-              <a:t>sos</a:t>
-            </a:r>
-            <a:r>
-              <a:rPr lang="en-US" sz="2000" b="1" dirty="0" smtClean="0">
-                <a:latin typeface="Consolas" pitchFamily="49" charset="0"/>
-                <a:cs typeface="Consolas" pitchFamily="49" charset="0"/>
-              </a:rPr>
-              <a:t>-</a:t>
-            </a:r>
-            <a:r>
-              <a:rPr lang="en-US" sz="2000" b="1" dirty="0" err="1" smtClean="0">
-                <a:latin typeface="Consolas" pitchFamily="49" charset="0"/>
-                <a:cs typeface="Consolas" pitchFamily="49" charset="0"/>
-              </a:rPr>
-              <a:t>fn</a:t>
-            </a:r>
-            <a:r>
-              <a:rPr lang="en-US" sz="2000" b="1" dirty="0" smtClean="0">
-                <a:latin typeface="Consolas" pitchFamily="49" charset="0"/>
-                <a:cs typeface="Consolas" pitchFamily="49" charset="0"/>
-              </a:rPr>
-              <a:t> (first </a:t>
-            </a:r>
-            <a:r>
-              <a:rPr lang="en-US" sz="2000" b="1" dirty="0" err="1" smtClean="0">
-                <a:latin typeface="Consolas" pitchFamily="49" charset="0"/>
-                <a:cs typeface="Consolas" pitchFamily="49" charset="0"/>
-              </a:rPr>
-              <a:t>subloss</a:t>
-            </a:r>
-            <a:r>
-              <a:rPr lang="en-US" sz="2000" b="1" dirty="0" smtClean="0">
+              <a:rPr lang="en-US" sz="2000" b="1" dirty="0">
                 <a:latin typeface="Consolas" pitchFamily="49" charset="0"/>
                 <a:cs typeface="Consolas" pitchFamily="49" charset="0"/>
               </a:rPr>
               <a:t>) (... </a:t>
             </a:r>
             <a:r>
-              <a:rPr lang="en-US" sz="2000" b="1" dirty="0" err="1" smtClean="0">
+              <a:rPr lang="en-US" sz="2000" b="1" dirty="0" err="1">
                 <a:latin typeface="Consolas" pitchFamily="49" charset="0"/>
                 <a:cs typeface="Consolas" pitchFamily="49" charset="0"/>
               </a:rPr>
               <a:t>ctxt</a:t>
             </a:r>
             <a:r>
-              <a:rPr lang="en-US" sz="2000" b="1" dirty="0" smtClean="0">
-                <a:latin typeface="Consolas" pitchFamily="49" charset="0"/>
-                <a:cs typeface="Consolas" pitchFamily="49" charset="0"/>
-              </a:rPr>
-              <a:t>))</a:t>
-            </a:r>
-          </a:p>
-          <a:p>
-            <a:pPr>
-              <a:buNone/>
-            </a:pPr>
-            <a:r>
-              <a:rPr lang="en-US" sz="2000" b="1" dirty="0" smtClean="0">
-                <a:latin typeface="Consolas" pitchFamily="49" charset="0"/>
-                <a:cs typeface="Consolas" pitchFamily="49" charset="0"/>
-              </a:rPr>
-              <a:t>            (sub-loss-</a:t>
-            </a:r>
-            <a:r>
-              <a:rPr lang="en-US" sz="2000" b="1" dirty="0" err="1" smtClean="0">
-                <a:latin typeface="Consolas" pitchFamily="49" charset="0"/>
-                <a:cs typeface="Consolas" pitchFamily="49" charset="0"/>
-              </a:rPr>
-              <a:t>fn</a:t>
-            </a:r>
-            <a:r>
-              <a:rPr lang="en-US" sz="2000" b="1" dirty="0" smtClean="0">
-                <a:latin typeface="Consolas" pitchFamily="49" charset="0"/>
-                <a:cs typeface="Consolas" pitchFamily="49" charset="0"/>
-              </a:rPr>
-              <a:t> (rest </a:t>
-            </a:r>
-            <a:r>
-              <a:rPr lang="en-US" sz="2000" b="1" dirty="0" err="1" smtClean="0">
-                <a:latin typeface="Consolas" pitchFamily="49" charset="0"/>
-                <a:cs typeface="Consolas" pitchFamily="49" charset="0"/>
-              </a:rPr>
-              <a:t>subloss</a:t>
-            </a:r>
-            <a:r>
-              <a:rPr lang="en-US" sz="2000" b="1" dirty="0" smtClean="0">
-                <a:latin typeface="Consolas" pitchFamily="49" charset="0"/>
-                <a:cs typeface="Consolas" pitchFamily="49" charset="0"/>
-              </a:rPr>
-              <a:t>) (... </a:t>
-            </a:r>
-            <a:r>
-              <a:rPr lang="en-US" sz="2000" b="1" dirty="0" err="1" smtClean="0">
-                <a:latin typeface="Consolas" pitchFamily="49" charset="0"/>
-                <a:cs typeface="Consolas" pitchFamily="49" charset="0"/>
-              </a:rPr>
-              <a:t>ctxt</a:t>
-            </a:r>
-            <a:r>
-              <a:rPr lang="en-US" sz="2000" b="1" dirty="0" smtClean="0">
+              <a:rPr lang="en-US" sz="2000" b="1" dirty="0">
                 <a:latin typeface="Consolas" pitchFamily="49" charset="0"/>
                 <a:cs typeface="Consolas" pitchFamily="49" charset="0"/>
               </a:rPr>
@@ -6670,39 +6449,31 @@
           <a:p>
             <a:pPr algn="ctr"/>
             <a:r>
-              <a:rPr lang="en-US" sz="2000" dirty="0" smtClean="0">
-                <a:solidFill>
-                  <a:prstClr val="black"/>
-                </a:solidFill>
-              </a:rPr>
-              <a:t>The</a:t>
-            </a:r>
-            <a:r>
-              <a:rPr lang="en-US" sz="2000" dirty="0" smtClean="0">
-                <a:solidFill>
-                  <a:schemeClr val="tx1"/>
-                </a:solidFill>
-              </a:rPr>
-              <a:t> invariant again </a:t>
-            </a:r>
-            <a:r>
-              <a:rPr lang="en-US" sz="2000" dirty="0" smtClean="0">
-                <a:solidFill>
-                  <a:prstClr val="black"/>
-                </a:solidFill>
-              </a:rPr>
-              <a:t>documents </a:t>
-            </a:r>
-            <a:r>
               <a:rPr lang="en-US" sz="2000" dirty="0">
                 <a:solidFill>
                   <a:prstClr val="black"/>
                 </a:solidFill>
               </a:rPr>
-              <a:t>the meaning of </a:t>
-            </a:r>
-            <a:r>
-              <a:rPr lang="en-US" sz="2000" b="1" dirty="0" err="1" smtClean="0">
+              <a:t>The</a:t>
+            </a:r>
+            <a:r>
+              <a:rPr lang="en-US" sz="2000" dirty="0">
+                <a:solidFill>
+                  <a:schemeClr val="tx1"/>
+                </a:solidFill>
+              </a:rPr>
+              <a:t> invariant again </a:t>
+            </a:r>
+            <a:r>
+              <a:rPr lang="en-US" sz="2000" dirty="0">
+                <a:solidFill>
+                  <a:prstClr val="black"/>
+                </a:solidFill>
+              </a:rPr>
+              <a:t>documents the meaning of </a:t>
+            </a:r>
+            <a:r>
+              <a:rPr lang="en-US" sz="2000" b="1" dirty="0" err="1">
                 <a:solidFill>
                   <a:prstClr val="black"/>
                 </a:solidFill>
@@ -6792,52 +6563,12 @@
           <a:lstStyle/>
           <a:p>
             <a:r>
-              <a:rPr lang="en-US" sz="2000" dirty="0" smtClean="0">
-                <a:solidFill>
-                  <a:schemeClr val="tx1"/>
-                </a:solidFill>
-              </a:rPr>
-              <a:t>Each recursive call uses </a:t>
-            </a:r>
-            <a:r>
               <a:rPr lang="en-US" sz="2000" dirty="0">
                 <a:solidFill>
                   <a:schemeClr val="tx1"/>
                 </a:solidFill>
               </a:rPr>
-              <a:t>a new value </a:t>
-            </a:r>
-            <a:r>
-              <a:rPr lang="en-US" sz="2000" dirty="0" smtClean="0">
-                <a:solidFill>
-                  <a:schemeClr val="tx1"/>
-                </a:solidFill>
-              </a:rPr>
-              <a:t>for </a:t>
-            </a:r>
-            <a:r>
-              <a:rPr lang="en-US" sz="2000" dirty="0">
-                <a:solidFill>
-                  <a:schemeClr val="tx1"/>
-                </a:solidFill>
-              </a:rPr>
-              <a:t>the context argument, so that </a:t>
-            </a:r>
-            <a:r>
-              <a:rPr lang="en-US" sz="2000" dirty="0" smtClean="0">
-                <a:solidFill>
-                  <a:schemeClr val="tx1"/>
-                </a:solidFill>
-              </a:rPr>
-              <a:t>each called function's </a:t>
-            </a:r>
-            <a:r>
-              <a:rPr lang="en-US" sz="2000" dirty="0">
-                <a:solidFill>
-                  <a:schemeClr val="tx1"/>
-                </a:solidFill>
-              </a:rPr>
-              <a:t>invariant will be true.</a:t>
+              <a:t>Each recursive call uses a new value for the context argument, so that each called function's invariant will be true.</a:t>
             </a:r>
           </a:p>
         </p:txBody>
@@ -6889,7 +6620,7 @@
           <a:p>
             <a:pPr algn="ctr"/>
             <a:r>
-              <a:rPr lang="en-US" dirty="0" smtClean="0">
+              <a:rPr lang="en-US" dirty="0">
                 <a:solidFill>
                   <a:schemeClr val="tx1"/>
                 </a:solidFill>
@@ -6897,7 +6628,7 @@
               <a:t>This still fits the </a:t>
             </a:r>
             <a:r>
-              <a:rPr lang="en-US" dirty="0" err="1" smtClean="0">
+              <a:rPr lang="en-US" dirty="0" err="1">
                 <a:solidFill>
                   <a:schemeClr val="tx1"/>
                 </a:solidFill>
@@ -6905,18 +6636,13 @@
               <a:t>LoSS</a:t>
             </a:r>
             <a:r>
-              <a:rPr lang="en-US" dirty="0" smtClean="0">
+              <a:rPr lang="en-US" dirty="0">
                 <a:solidFill>
                   <a:schemeClr val="tx1"/>
                 </a:solidFill>
               </a:rPr>
               <a:t> template</a:t>
             </a:r>
-            <a:endParaRPr lang="en-US" dirty="0">
-              <a:solidFill>
-                <a:schemeClr val="tx1"/>
-              </a:solidFill>
-            </a:endParaRPr>
           </a:p>
         </p:txBody>
       </p:sp>
@@ -6930,13 +6656,6 @@
   <p:clrMapOvr>
     <a:masterClrMapping/>
   </p:clrMapOvr>
-  <p:timing>
-    <p:tnLst>
-      <p:par>
-        <p:cTn id="1" dur="indefinite" restart="never" nodeType="tmRoot"/>
-      </p:par>
-    </p:tnLst>
-  </p:timing>
 </p:sld>
 </file>
 
@@ -6992,13 +6711,8 @@
             </a:r>
             <a:r>
               <a:rPr lang="en-US" dirty="0"/>
-              <a:t>, with context argument (part </a:t>
-            </a:r>
-            <a:r>
-              <a:rPr lang="en-US" dirty="0" smtClean="0"/>
-              <a:t>3)</a:t>
-            </a:r>
-            <a:endParaRPr lang="en-US" dirty="0"/>
+              <a:t>, with context argument (part 3)</a:t>
+            </a:r>
           </a:p>
         </p:txBody>
       </p:sp>
@@ -7035,14 +6749,14 @@
               <a:t>;; GIVEN a </a:t>
             </a:r>
             <a:r>
-              <a:rPr lang="en-US" sz="2000" b="1" dirty="0" err="1" smtClean="0">
+              <a:rPr lang="en-US" sz="2000" b="1" dirty="0" err="1">
                 <a:latin typeface="Consolas" pitchFamily="49" charset="0"/>
                 <a:cs typeface="Consolas" pitchFamily="49" charset="0"/>
               </a:rPr>
               <a:t>SoSS</a:t>
             </a:r>
             <a:r>
-              <a:rPr lang="en-US" sz="2000" b="1" dirty="0" smtClean="0">
+              <a:rPr lang="en-US" sz="2000" b="1" dirty="0">
                 <a:latin typeface="Consolas" pitchFamily="49" charset="0"/>
                 <a:cs typeface="Consolas" pitchFamily="49" charset="0"/>
               </a:rPr>
@@ -7054,37 +6768,19 @@
               <a:buNone/>
             </a:pPr>
             <a:r>
-              <a:rPr lang="en-US" sz="2000" b="1" dirty="0" smtClean="0">
-                <a:latin typeface="Consolas" pitchFamily="49" charset="0"/>
-                <a:cs typeface="Consolas" pitchFamily="49" charset="0"/>
-              </a:rPr>
-              <a:t>;; </a:t>
-            </a:r>
-            <a:r>
               <a:rPr lang="en-US" sz="2000" b="1" dirty="0">
                 <a:latin typeface="Consolas" pitchFamily="49" charset="0"/>
                 <a:cs typeface="Consolas" pitchFamily="49" charset="0"/>
               </a:rPr>
-              <a:t>RETURNS: &lt;</a:t>
-            </a:r>
-            <a:r>
-              <a:rPr lang="en-US" sz="2000" b="1" dirty="0" smtClean="0">
-                <a:latin typeface="Consolas" pitchFamily="49" charset="0"/>
-                <a:cs typeface="Consolas" pitchFamily="49" charset="0"/>
-              </a:rPr>
-              <a:t>something&gt;</a:t>
-            </a:r>
-            <a:endParaRPr lang="en-US" sz="2000" b="1" dirty="0">
-              <a:latin typeface="Consolas" pitchFamily="49" charset="0"/>
-              <a:cs typeface="Consolas" pitchFamily="49" charset="0"/>
-            </a:endParaRPr>
+              <a:t>;; RETURNS: &lt;something&gt;</a:t>
+            </a:r>
           </a:p>
           <a:p>
             <a:pPr>
               <a:buNone/>
             </a:pPr>
             <a:r>
-              <a:rPr lang="en-US" sz="2000" b="1" dirty="0" smtClean="0">
+              <a:rPr lang="en-US" sz="2000" b="1" dirty="0">
                 <a:latin typeface="Consolas" pitchFamily="49" charset="0"/>
                 <a:cs typeface="Consolas" pitchFamily="49" charset="0"/>
               </a:rPr>
@@ -7096,21 +6792,21 @@
               <a:buNone/>
             </a:pPr>
             <a:r>
-              <a:rPr lang="en-US" sz="2000" b="1" dirty="0" smtClean="0">
+              <a:rPr lang="en-US" sz="2000" b="1" dirty="0">
                 <a:latin typeface="Consolas" pitchFamily="49" charset="0"/>
                 <a:cs typeface="Consolas" pitchFamily="49" charset="0"/>
               </a:rPr>
               <a:t>(define (</a:t>
             </a:r>
             <a:r>
-              <a:rPr lang="en-US" sz="2000" b="1" dirty="0" err="1" smtClean="0">
+              <a:rPr lang="en-US" sz="2000" b="1" dirty="0" err="1">
                 <a:latin typeface="Consolas" pitchFamily="49" charset="0"/>
                 <a:cs typeface="Consolas" pitchFamily="49" charset="0"/>
               </a:rPr>
               <a:t>sos-fn</a:t>
             </a:r>
             <a:r>
-              <a:rPr lang="en-US" sz="2000" b="1" dirty="0" smtClean="0">
+              <a:rPr lang="en-US" sz="2000" b="1" dirty="0">
                 <a:latin typeface="Consolas" pitchFamily="49" charset="0"/>
                 <a:cs typeface="Consolas" pitchFamily="49" charset="0"/>
               </a:rPr>
@@ -7122,49 +6818,49 @@
               <a:buNone/>
             </a:pPr>
             <a:r>
-              <a:rPr lang="en-US" sz="2000" b="1" dirty="0" smtClean="0">
+              <a:rPr lang="en-US" sz="2000" b="1" dirty="0">
                 <a:latin typeface="Consolas" pitchFamily="49" charset="0"/>
                 <a:cs typeface="Consolas" pitchFamily="49" charset="0"/>
               </a:rPr>
               <a:t>  (sub-</a:t>
             </a:r>
             <a:r>
-              <a:rPr lang="en-US" sz="2000" b="1" dirty="0" err="1" smtClean="0">
+              <a:rPr lang="en-US" sz="2000" b="1" dirty="0" err="1">
                 <a:latin typeface="Consolas" pitchFamily="49" charset="0"/>
                 <a:cs typeface="Consolas" pitchFamily="49" charset="0"/>
               </a:rPr>
               <a:t>sos</a:t>
             </a:r>
             <a:r>
-              <a:rPr lang="en-US" sz="2000" b="1" dirty="0" smtClean="0">
+              <a:rPr lang="en-US" sz="2000" b="1" dirty="0">
                 <a:latin typeface="Consolas" pitchFamily="49" charset="0"/>
                 <a:cs typeface="Consolas" pitchFamily="49" charset="0"/>
               </a:rPr>
               <a:t>-</a:t>
             </a:r>
             <a:r>
-              <a:rPr lang="en-US" sz="2000" b="1" dirty="0" err="1" smtClean="0">
+              <a:rPr lang="en-US" sz="2000" b="1" dirty="0" err="1">
                 <a:latin typeface="Consolas" pitchFamily="49" charset="0"/>
                 <a:cs typeface="Consolas" pitchFamily="49" charset="0"/>
               </a:rPr>
               <a:t>fn</a:t>
             </a:r>
             <a:r>
-              <a:rPr lang="en-US" sz="2000" b="1" dirty="0" smtClean="0">
+              <a:rPr lang="en-US" sz="2000" b="1" dirty="0">
                 <a:latin typeface="Consolas" pitchFamily="49" charset="0"/>
                 <a:cs typeface="Consolas" pitchFamily="49" charset="0"/>
               </a:rPr>
               <a:t> </a:t>
             </a:r>
             <a:r>
-              <a:rPr lang="en-US" sz="2000" b="1" dirty="0" err="1" smtClean="0">
+              <a:rPr lang="en-US" sz="2000" b="1" dirty="0" err="1">
                 <a:latin typeface="Consolas" pitchFamily="49" charset="0"/>
                 <a:cs typeface="Consolas" pitchFamily="49" charset="0"/>
               </a:rPr>
               <a:t>sos</a:t>
             </a:r>
             <a:r>
-              <a:rPr lang="en-US" sz="2000" b="1" dirty="0" smtClean="0">
+              <a:rPr lang="en-US" sz="2000" b="1" dirty="0">
                 <a:latin typeface="Consolas" pitchFamily="49" charset="0"/>
                 <a:cs typeface="Consolas" pitchFamily="49" charset="0"/>
               </a:rPr>
@@ -7256,7 +6952,7 @@
           <a:p>
             <a:pPr algn="ctr"/>
             <a:r>
-              <a:rPr lang="en-US" dirty="0" smtClean="0">
+              <a:rPr lang="en-US" dirty="0">
                 <a:solidFill>
                   <a:schemeClr val="tx1"/>
                 </a:solidFill>
@@ -7264,7 +6960,7 @@
               <a:t>Pass sub-</a:t>
             </a:r>
             <a:r>
-              <a:rPr lang="en-US" dirty="0" err="1" smtClean="0">
+              <a:rPr lang="en-US" dirty="0" err="1">
                 <a:solidFill>
                   <a:schemeClr val="tx1"/>
                 </a:solidFill>
@@ -7272,7 +6968,7 @@
               <a:t>sos</a:t>
             </a:r>
             <a:r>
-              <a:rPr lang="en-US" dirty="0" smtClean="0">
+              <a:rPr lang="en-US" dirty="0">
                 <a:solidFill>
                   <a:schemeClr val="tx1"/>
                 </a:solidFill>
@@ -7280,7 +6976,7 @@
               <a:t>-</a:t>
             </a:r>
             <a:r>
-              <a:rPr lang="en-US" dirty="0" err="1" smtClean="0">
+              <a:rPr lang="en-US" dirty="0" err="1">
                 <a:solidFill>
                   <a:schemeClr val="tx1"/>
                 </a:solidFill>
@@ -7288,18 +6984,13 @@
               <a:t>fn</a:t>
             </a:r>
             <a:r>
-              <a:rPr lang="en-US" dirty="0" smtClean="0">
+              <a:rPr lang="en-US" dirty="0">
                 <a:solidFill>
                   <a:schemeClr val="tx1"/>
                 </a:solidFill>
               </a:rPr>
               <a:t> a value for its context argument that describes the empty context– that is, one that will make its invariant true.</a:t>
             </a:r>
-            <a:endParaRPr lang="en-US" dirty="0">
-              <a:solidFill>
-                <a:schemeClr val="tx1"/>
-              </a:solidFill>
-            </a:endParaRPr>
           </a:p>
         </p:txBody>
       </p:sp>
@@ -7396,7 +7087,7 @@
               <a:t>Of course we need a function for the whole </a:t>
             </a:r>
             <a:r>
-              <a:rPr lang="en-US" dirty="0" err="1" smtClean="0">
+              <a:rPr lang="en-US" dirty="0" err="1">
                 <a:solidFill>
                   <a:schemeClr val="tx1"/>
                 </a:solidFill>
@@ -7404,18 +7095,13 @@
               <a:t>SoS</a:t>
             </a:r>
             <a:r>
-              <a:rPr lang="en-US" dirty="0" smtClean="0">
+              <a:rPr lang="en-US" dirty="0">
                 <a:solidFill>
                   <a:schemeClr val="tx1"/>
                 </a:solidFill>
               </a:rPr>
               <a:t>! </a:t>
             </a:r>
-            <a:endParaRPr lang="en-US" dirty="0">
-              <a:solidFill>
-                <a:schemeClr val="tx1"/>
-              </a:solidFill>
-            </a:endParaRPr>
           </a:p>
         </p:txBody>
       </p:sp>
@@ -7429,13 +7115,6 @@
   <p:clrMapOvr>
     <a:masterClrMapping/>
   </p:clrMapOvr>
-  <p:timing>
-    <p:tnLst>
-      <p:par>
-        <p:cTn id="1" dur="indefinite" restart="never" nodeType="tmRoot"/>
-      </p:par>
-    </p:tnLst>
-  </p:timing>
 </p:sld>
 </file>
 
@@ -7472,10 +7151,9 @@
           <a:lstStyle/>
           <a:p>
             <a:r>
-              <a:rPr lang="en-US" dirty="0" smtClean="0"/>
+              <a:rPr lang="en-US" dirty="0"/>
               <a:t>Summary</a:t>
             </a:r>
-            <a:endParaRPr lang="en-US" dirty="0"/>
           </a:p>
         </p:txBody>
       </p:sp>
@@ -7497,7 +7175,7 @@
           <a:lstStyle/>
           <a:p>
             <a:r>
-              <a:rPr lang="en-US" dirty="0" smtClean="0"/>
+              <a:rPr lang="en-US" dirty="0"/>
               <a:t>You should now be able to:</a:t>
             </a:r>
           </a:p>
@@ -7531,11 +7209,11 @@
           </a:p>
           <a:p>
             <a:pPr lvl="1"/>
-            <a:endParaRPr lang="en-US" dirty="0" smtClean="0"/>
+            <a:endParaRPr lang="en-US" dirty="0"/>
           </a:p>
           <a:p>
             <a:pPr lvl="1"/>
-            <a:endParaRPr lang="en-US" dirty="0" smtClean="0"/>
+            <a:endParaRPr lang="en-US" dirty="0"/>
           </a:p>
           <a:p>
             <a:pPr lvl="1"/>
@@ -7589,13 +7267,6 @@
   <p:clrMapOvr>
     <a:masterClrMapping/>
   </p:clrMapOvr>
-  <p:timing>
-    <p:tnLst>
-      <p:par>
-        <p:cTn id="1" dur="indefinite" restart="never" nodeType="tmRoot"/>
-      </p:par>
-    </p:tnLst>
-  </p:timing>
 </p:sld>
 </file>
 
@@ -7632,50 +7303,48 @@
           <a:lstStyle/>
           <a:p>
             <a:r>
-              <a:rPr lang="en-US" dirty="0" smtClean="0"/>
+              <a:rPr lang="en-US" dirty="0"/>
               <a:t>Next Steps</a:t>
             </a:r>
+          </a:p>
+        </p:txBody>
+      </p:sp>
+      <p:sp>
+        <p:nvSpPr>
+          <p:cNvPr id="3" name="Content Placeholder 2"/>
+          <p:cNvSpPr>
+            <a:spLocks noGrp="1"/>
+          </p:cNvSpPr>
+          <p:nvPr>
+            <p:ph idx="1"/>
+          </p:nvPr>
+        </p:nvSpPr>
+        <p:spPr/>
+        <p:txBody>
+          <a:bodyPr/>
+          <a:lstStyle/>
+          <a:p>
+            <a:r>
+              <a:rPr lang="en-US" dirty="0"/>
+              <a:t>If you have questions about this lesson, ask them on the Discussion Board</a:t>
+            </a:r>
+          </a:p>
+          <a:p>
+            <a:r>
+              <a:rPr lang="en-US" dirty="0"/>
+              <a:t>Do Guided </a:t>
+            </a:r>
+            <a:r>
+              <a:rPr lang="en-US"/>
+              <a:t>Practice 7.1</a:t>
+            </a:r>
             <a:endParaRPr lang="en-US" dirty="0"/>
           </a:p>
-        </p:txBody>
-      </p:sp>
-      <p:sp>
-        <p:nvSpPr>
-          <p:cNvPr id="3" name="Content Placeholder 2"/>
-          <p:cNvSpPr>
-            <a:spLocks noGrp="1"/>
-          </p:cNvSpPr>
-          <p:nvPr>
-            <p:ph idx="1"/>
-          </p:nvPr>
-        </p:nvSpPr>
-        <p:spPr/>
-        <p:txBody>
-          <a:bodyPr/>
-          <a:lstStyle/>
-          <a:p>
-            <a:r>
-              <a:rPr lang="en-US" dirty="0" smtClean="0"/>
-              <a:t>If you have questions about this lesson, ask them on the Discussion Board</a:t>
-            </a:r>
-          </a:p>
-          <a:p>
-            <a:r>
-              <a:rPr lang="en-US" dirty="0" smtClean="0"/>
-              <a:t>Do Guided </a:t>
-            </a:r>
-            <a:r>
-              <a:rPr lang="en-US" smtClean="0"/>
-              <a:t>Practice 7.1</a:t>
-            </a:r>
-            <a:endParaRPr lang="en-US" dirty="0" smtClean="0"/>
-          </a:p>
-          <a:p>
-            <a:r>
-              <a:rPr lang="en-US" dirty="0" smtClean="0"/>
+          <a:p>
+            <a:r>
+              <a:rPr lang="en-US" dirty="0"/>
               <a:t>Go on to the next lesson</a:t>
             </a:r>
-            <a:endParaRPr lang="en-US" dirty="0"/>
           </a:p>
         </p:txBody>
       </p:sp>
@@ -7725,13 +7394,6 @@
   <p:clrMapOvr>
     <a:masterClrMapping/>
   </p:clrMapOvr>
-  <p:timing>
-    <p:tnLst>
-      <p:par>
-        <p:cTn id="1" dur="indefinite" restart="never" nodeType="tmRoot"/>
-      </p:par>
-    </p:tnLst>
-  </p:timing>
 </p:sld>
 </file>
 
@@ -7768,10 +7430,9 @@
           <a:lstStyle/>
           <a:p>
             <a:r>
-              <a:rPr lang="en-US" dirty="0" smtClean="0"/>
+              <a:rPr lang="en-US" dirty="0"/>
               <a:t>Lesson Introduction</a:t>
             </a:r>
-            <a:endParaRPr lang="en-US" dirty="0"/>
           </a:p>
         </p:txBody>
       </p:sp>
@@ -7793,26 +7454,14 @@
           <a:lstStyle/>
           <a:p>
             <a:r>
-              <a:rPr lang="en-US" dirty="0" smtClean="0"/>
+              <a:rPr lang="en-US" dirty="0"/>
               <a:t>In Lesson 7.1, we introduced context arguments and invariants to solve problems involving lists</a:t>
             </a:r>
           </a:p>
           <a:p>
             <a:r>
-              <a:rPr lang="en-US" dirty="0" smtClean="0"/>
-              <a:t>In this lesson, we'll use these ideas to </a:t>
-            </a:r>
-            <a:r>
               <a:rPr lang="en-US" dirty="0"/>
-              <a:t>solve </a:t>
-            </a:r>
-            <a:r>
-              <a:rPr lang="en-US" dirty="0" smtClean="0"/>
-              <a:t>problems involving trees and </a:t>
-            </a:r>
-            <a:r>
-              <a:rPr lang="en-US" dirty="0"/>
-              <a:t>mutually-recursive data definitions.</a:t>
+              <a:t>In this lesson, we'll use these ideas to solve problems involving trees and mutually-recursive data definitions.</a:t>
             </a:r>
           </a:p>
           <a:p>
@@ -7853,13 +7502,6 @@
   <p:clrMapOvr>
     <a:masterClrMapping/>
   </p:clrMapOvr>
-  <p:timing>
-    <p:tnLst>
-      <p:par>
-        <p:cTn id="1" dur="indefinite" restart="never" nodeType="tmRoot"/>
-      </p:par>
-    </p:tnLst>
-  </p:timing>
 </p:sld>
 </file>
 
@@ -7896,10 +7538,9 @@
           <a:lstStyle/>
           <a:p>
             <a:r>
-              <a:rPr lang="en-US" dirty="0" smtClean="0"/>
+              <a:rPr lang="en-US" dirty="0"/>
               <a:t>Example 2: mark-depth</a:t>
             </a:r>
-            <a:endParaRPr lang="en-US" dirty="0"/>
           </a:p>
         </p:txBody>
       </p:sp>
@@ -7924,35 +7565,35 @@
               <a:buNone/>
             </a:pPr>
             <a:r>
-              <a:rPr lang="en-US" sz="2400" b="1" dirty="0" smtClean="0">
+              <a:rPr lang="en-US" sz="2400" b="1" dirty="0">
                 <a:latin typeface="Consolas" pitchFamily="49" charset="0"/>
                 <a:cs typeface="Consolas" pitchFamily="49" charset="0"/>
               </a:rPr>
               <a:t>(define-</a:t>
             </a:r>
             <a:r>
-              <a:rPr lang="en-US" sz="2400" b="1" dirty="0" err="1" smtClean="0">
+              <a:rPr lang="en-US" sz="2400" b="1" dirty="0" err="1">
                 <a:latin typeface="Consolas" pitchFamily="49" charset="0"/>
                 <a:cs typeface="Consolas" pitchFamily="49" charset="0"/>
               </a:rPr>
               <a:t>struct</a:t>
             </a:r>
             <a:r>
-              <a:rPr lang="en-US" sz="2400" b="1" dirty="0" smtClean="0">
+              <a:rPr lang="en-US" sz="2400" b="1" dirty="0">
                 <a:latin typeface="Consolas" pitchFamily="49" charset="0"/>
                 <a:cs typeface="Consolas" pitchFamily="49" charset="0"/>
               </a:rPr>
               <a:t> </a:t>
             </a:r>
             <a:r>
-              <a:rPr lang="en-US" sz="2400" b="1" dirty="0" err="1" smtClean="0">
+              <a:rPr lang="en-US" sz="2400" b="1" dirty="0" err="1">
                 <a:latin typeface="Consolas" pitchFamily="49" charset="0"/>
                 <a:cs typeface="Consolas" pitchFamily="49" charset="0"/>
               </a:rPr>
               <a:t>bintree</a:t>
             </a:r>
             <a:r>
-              <a:rPr lang="en-US" sz="2400" b="1" dirty="0" smtClean="0">
+              <a:rPr lang="en-US" sz="2400" b="1" dirty="0">
                 <a:latin typeface="Consolas" pitchFamily="49" charset="0"/>
                 <a:cs typeface="Consolas" pitchFamily="49" charset="0"/>
               </a:rPr>
@@ -7963,7 +7604,7 @@
             <a:pPr>
               <a:buNone/>
             </a:pPr>
-            <a:endParaRPr lang="en-US" sz="2400" b="1" dirty="0" smtClean="0">
+            <a:endParaRPr lang="en-US" sz="2400" b="1" dirty="0">
               <a:latin typeface="Consolas" pitchFamily="49" charset="0"/>
               <a:cs typeface="Consolas" pitchFamily="49" charset="0"/>
             </a:endParaRPr>
@@ -7973,21 +7614,21 @@
               <a:buNone/>
             </a:pPr>
             <a:r>
-              <a:rPr lang="en-US" sz="2400" b="1" dirty="0" smtClean="0">
+              <a:rPr lang="en-US" sz="2400" b="1" dirty="0">
                 <a:latin typeface="Consolas" pitchFamily="49" charset="0"/>
                 <a:cs typeface="Consolas" pitchFamily="49" charset="0"/>
               </a:rPr>
               <a:t>;; A </a:t>
             </a:r>
             <a:r>
-              <a:rPr lang="en-US" sz="2400" b="1" dirty="0" err="1" smtClean="0">
+              <a:rPr lang="en-US" sz="2400" b="1" dirty="0" err="1">
                 <a:latin typeface="Consolas" pitchFamily="49" charset="0"/>
                 <a:cs typeface="Consolas" pitchFamily="49" charset="0"/>
               </a:rPr>
               <a:t>BinTreeOfX</a:t>
             </a:r>
             <a:r>
-              <a:rPr lang="en-US" sz="2400" b="1" dirty="0" smtClean="0">
+              <a:rPr lang="en-US" sz="2400" b="1" dirty="0">
                 <a:latin typeface="Consolas" pitchFamily="49" charset="0"/>
                 <a:cs typeface="Consolas" pitchFamily="49" charset="0"/>
               </a:rPr>
@@ -7999,7 +7640,7 @@
               <a:buNone/>
             </a:pPr>
             <a:r>
-              <a:rPr lang="en-US" sz="2400" b="1" dirty="0" smtClean="0">
+              <a:rPr lang="en-US" sz="2400" b="1" dirty="0">
                 <a:latin typeface="Consolas" pitchFamily="49" charset="0"/>
                 <a:cs typeface="Consolas" pitchFamily="49" charset="0"/>
               </a:rPr>
@@ -8011,49 +7652,49 @@
               <a:buNone/>
             </a:pPr>
             <a:r>
-              <a:rPr lang="en-US" sz="2400" b="1" dirty="0" smtClean="0">
+              <a:rPr lang="en-US" sz="2400" b="1" dirty="0">
                 <a:latin typeface="Consolas" pitchFamily="49" charset="0"/>
                 <a:cs typeface="Consolas" pitchFamily="49" charset="0"/>
               </a:rPr>
               <a:t>;; -- (make-</a:t>
             </a:r>
             <a:r>
-              <a:rPr lang="en-US" sz="2400" b="1" dirty="0" err="1" smtClean="0">
+              <a:rPr lang="en-US" sz="2400" b="1" dirty="0" err="1">
                 <a:latin typeface="Consolas" pitchFamily="49" charset="0"/>
                 <a:cs typeface="Consolas" pitchFamily="49" charset="0"/>
               </a:rPr>
               <a:t>bintree</a:t>
             </a:r>
             <a:r>
-              <a:rPr lang="en-US" sz="2400" b="1" dirty="0" smtClean="0">
+              <a:rPr lang="en-US" sz="2400" b="1" dirty="0">
                 <a:latin typeface="Consolas" pitchFamily="49" charset="0"/>
                 <a:cs typeface="Consolas" pitchFamily="49" charset="0"/>
               </a:rPr>
               <a:t> </a:t>
             </a:r>
             <a:r>
-              <a:rPr lang="en-US" sz="2400" b="1" dirty="0" err="1" smtClean="0">
+              <a:rPr lang="en-US" sz="2400" b="1" dirty="0" err="1">
                 <a:latin typeface="Consolas" pitchFamily="49" charset="0"/>
                 <a:cs typeface="Consolas" pitchFamily="49" charset="0"/>
               </a:rPr>
               <a:t>BinTreeOfX</a:t>
             </a:r>
             <a:r>
-              <a:rPr lang="en-US" sz="2400" b="1" dirty="0" smtClean="0">
+              <a:rPr lang="en-US" sz="2400" b="1" dirty="0">
                 <a:latin typeface="Consolas" pitchFamily="49" charset="0"/>
                 <a:cs typeface="Consolas" pitchFamily="49" charset="0"/>
               </a:rPr>
               <a:t> X </a:t>
             </a:r>
             <a:r>
-              <a:rPr lang="en-US" sz="2400" b="1" dirty="0" err="1" smtClean="0">
+              <a:rPr lang="en-US" sz="2400" b="1" dirty="0" err="1">
                 <a:latin typeface="Consolas" pitchFamily="49" charset="0"/>
                 <a:cs typeface="Consolas" pitchFamily="49" charset="0"/>
               </a:rPr>
               <a:t>BinTreeOfX</a:t>
             </a:r>
             <a:r>
-              <a:rPr lang="en-US" sz="2400" b="1" dirty="0" smtClean="0">
+              <a:rPr lang="en-US" sz="2400" b="1" dirty="0">
                 <a:latin typeface="Consolas" pitchFamily="49" charset="0"/>
                 <a:cs typeface="Consolas" pitchFamily="49" charset="0"/>
               </a:rPr>
@@ -8151,20 +7792,12 @@
               <a:t>A </a:t>
             </a:r>
             <a:r>
-              <a:rPr lang="en-US" b="1" dirty="0" err="1" smtClean="0">
+              <a:rPr lang="en-US" b="1" dirty="0" err="1">
                 <a:solidFill>
                   <a:schemeClr val="tx1"/>
                 </a:solidFill>
               </a:rPr>
               <a:t>BintreeOfX</a:t>
-            </a:r>
-            <a:r>
-              <a:rPr lang="en-US" dirty="0" smtClean="0">
-                <a:solidFill>
-                  <a:schemeClr val="tx1"/>
-                </a:solidFill>
-              </a:rPr>
-              <a:t> </a:t>
             </a:r>
             <a:r>
               <a:rPr lang="en-US" dirty="0">
@@ -8172,7 +7805,7 @@
                   <a:schemeClr val="tx1"/>
                 </a:solidFill>
               </a:rPr>
-              <a:t>is a binary tree with a value of type </a:t>
+              <a:t> is a binary tree with a value of type </a:t>
             </a:r>
             <a:r>
               <a:rPr lang="en-US" b="1" dirty="0">
@@ -8188,31 +7821,15 @@
                   <a:schemeClr val="tx1"/>
                 </a:solidFill>
               </a:rPr>
-              <a:t> in each of its nodes.  </a:t>
-            </a:r>
-            <a:r>
-              <a:rPr lang="en-US" dirty="0" smtClean="0">
+              <a:t> in each of its nodes.  For example, you might have  </a:t>
+            </a:r>
+            <a:r>
+              <a:rPr lang="en-US" b="1" dirty="0" err="1">
                 <a:solidFill>
                   <a:schemeClr val="tx1"/>
                 </a:solidFill>
               </a:rPr>
-              <a:t>For example, you might have  </a:t>
-            </a:r>
-            <a:r>
-              <a:rPr lang="en-US" b="1" dirty="0" err="1" smtClean="0">
-                <a:solidFill>
-                  <a:schemeClr val="tx1"/>
-                </a:solidFill>
-              </a:rPr>
               <a:t>BintreeOfSardines</a:t>
-            </a:r>
-            <a:r>
-              <a:rPr lang="en-US" dirty="0" smtClean="0">
-                <a:solidFill>
-                  <a:schemeClr val="tx1"/>
-                </a:solidFill>
-              </a:rPr>
-              <a:t>. This </a:t>
             </a:r>
             <a:r>
               <a:rPr lang="en-US" dirty="0">
@@ -8220,7 +7837,7 @@
                   <a:schemeClr val="tx1"/>
                 </a:solidFill>
               </a:rPr>
-              <a:t>is, of course, a different notion of binary tree than we saw last week.  </a:t>
+              <a:t>. This is, of course, a different notion of binary tree than we saw last week.  </a:t>
             </a:r>
           </a:p>
         </p:txBody>
@@ -8235,13 +7852,6 @@
   <p:clrMapOvr>
     <a:masterClrMapping/>
   </p:clrMapOvr>
-  <p:timing>
-    <p:tnLst>
-      <p:par>
-        <p:cTn id="1" dur="indefinite" restart="never" nodeType="tmRoot"/>
-      </p:par>
-    </p:tnLst>
-  </p:timing>
 </p:sld>
 </file>
 
@@ -8278,10 +7888,9 @@
           <a:lstStyle/>
           <a:p>
             <a:r>
-              <a:rPr lang="en-US" dirty="0" smtClean="0"/>
+              <a:rPr lang="en-US" dirty="0"/>
               <a:t>Example 2: mark-depth (2)</a:t>
             </a:r>
-            <a:endParaRPr lang="en-US" dirty="0"/>
           </a:p>
         </p:txBody>
       </p:sp>
@@ -8315,34 +7924,34 @@
               <a:buNone/>
             </a:pPr>
             <a:r>
-              <a:rPr lang="en-US" sz="2400" b="1" dirty="0" smtClean="0">
+              <a:rPr lang="en-US" sz="2400" b="1" dirty="0">
                 <a:latin typeface="Consolas" pitchFamily="49" charset="0"/>
                 <a:cs typeface="Consolas" pitchFamily="49" charset="0"/>
               </a:rPr>
               <a:t>;; mark-depth : </a:t>
             </a:r>
             <a:r>
-              <a:rPr lang="en-US" sz="2400" b="1" dirty="0" err="1" smtClean="0">
+              <a:rPr lang="en-US" sz="2400" b="1" dirty="0" err="1">
                 <a:latin typeface="Consolas" pitchFamily="49" charset="0"/>
                 <a:cs typeface="Consolas" pitchFamily="49" charset="0"/>
               </a:rPr>
               <a:t>BinTreeOfX</a:t>
             </a:r>
             <a:r>
-              <a:rPr lang="en-US" sz="2400" b="1" dirty="0" smtClean="0">
+              <a:rPr lang="en-US" sz="2400" b="1" dirty="0">
                 <a:latin typeface="Consolas" pitchFamily="49" charset="0"/>
                 <a:cs typeface="Consolas" pitchFamily="49" charset="0"/>
               </a:rPr>
               <a:t> -&gt; </a:t>
             </a:r>
             <a:r>
-              <a:rPr lang="en-US" sz="2400" b="1" dirty="0" err="1" smtClean="0">
+              <a:rPr lang="en-US" sz="2400" b="1" dirty="0" err="1">
                 <a:latin typeface="Consolas" pitchFamily="49" charset="0"/>
                 <a:cs typeface="Consolas" pitchFamily="49" charset="0"/>
               </a:rPr>
               <a:t>BintreeOfNumber</a:t>
             </a:r>
-            <a:endParaRPr lang="en-US" sz="2400" b="1" dirty="0" smtClean="0">
+            <a:endParaRPr lang="en-US" sz="2400" b="1" dirty="0">
               <a:latin typeface="Consolas" pitchFamily="49" charset="0"/>
               <a:cs typeface="Consolas" pitchFamily="49" charset="0"/>
             </a:endParaRPr>
@@ -8352,21 +7961,21 @@
               <a:buNone/>
             </a:pPr>
             <a:r>
-              <a:rPr lang="en-US" sz="2400" b="1" dirty="0" smtClean="0">
+              <a:rPr lang="en-US" sz="2400" b="1" dirty="0">
                 <a:latin typeface="Consolas" pitchFamily="49" charset="0"/>
                 <a:cs typeface="Consolas" pitchFamily="49" charset="0"/>
               </a:rPr>
               <a:t>;; RETURNS: a </a:t>
             </a:r>
             <a:r>
-              <a:rPr lang="en-US" sz="2400" b="1" dirty="0" err="1" smtClean="0">
+              <a:rPr lang="en-US" sz="2400" b="1" dirty="0" err="1">
                 <a:latin typeface="Consolas" pitchFamily="49" charset="0"/>
                 <a:cs typeface="Consolas" pitchFamily="49" charset="0"/>
               </a:rPr>
               <a:t>bintree</a:t>
             </a:r>
             <a:r>
-              <a:rPr lang="en-US" sz="2400" b="1" dirty="0" smtClean="0">
+              <a:rPr lang="en-US" sz="2400" b="1" dirty="0">
                 <a:latin typeface="Consolas" pitchFamily="49" charset="0"/>
                 <a:cs typeface="Consolas" pitchFamily="49" charset="0"/>
               </a:rPr>
@@ -8378,7 +7987,7 @@
               <a:buNone/>
             </a:pPr>
             <a:r>
-              <a:rPr lang="en-US" sz="2400" b="1" dirty="0" smtClean="0">
+              <a:rPr lang="en-US" sz="2400" b="1" dirty="0">
                 <a:latin typeface="Consolas" pitchFamily="49" charset="0"/>
                 <a:cs typeface="Consolas" pitchFamily="49" charset="0"/>
               </a:rPr>
@@ -8420,13 +8029,6 @@
   <p:clrMapOvr>
     <a:masterClrMapping/>
   </p:clrMapOvr>
-  <p:timing>
-    <p:tnLst>
-      <p:par>
-        <p:cTn id="1" dur="indefinite" restart="never" nodeType="tmRoot"/>
-      </p:par>
-    </p:tnLst>
-  </p:timing>
 </p:sld>
 </file>
 
@@ -8463,10 +8065,9 @@
           <a:lstStyle/>
           <a:p>
             <a:r>
-              <a:rPr lang="en-US" dirty="0" smtClean="0"/>
+              <a:rPr lang="en-US" dirty="0"/>
               <a:t>Example</a:t>
             </a:r>
-            <a:endParaRPr lang="en-US" dirty="0"/>
           </a:p>
         </p:txBody>
       </p:sp>
@@ -8550,7 +8151,7 @@
             <a:p>
               <a:pPr algn="ctr"/>
               <a:r>
-                <a:rPr lang="en-US" sz="2400" dirty="0" smtClean="0">
+                <a:rPr lang="en-US" sz="2400" dirty="0">
                   <a:solidFill>
                     <a:schemeClr val="tx1"/>
                   </a:solidFill>
@@ -8603,7 +8204,7 @@
             <a:p>
               <a:pPr algn="ctr"/>
               <a:r>
-                <a:rPr lang="en-US" sz="2400" dirty="0" smtClean="0">
+                <a:rPr lang="en-US" sz="2400" dirty="0">
                   <a:solidFill>
                     <a:schemeClr val="tx1"/>
                   </a:solidFill>
@@ -8670,7 +8271,7 @@
               <a:p>
                 <a:pPr algn="ctr"/>
                 <a:r>
-                  <a:rPr lang="en-US" sz="2400" dirty="0" smtClean="0">
+                  <a:rPr lang="en-US" sz="2400" dirty="0">
                     <a:solidFill>
                       <a:schemeClr val="tx1"/>
                     </a:solidFill>
@@ -8723,7 +8324,7 @@
               <a:p>
                 <a:pPr algn="ctr"/>
                 <a:r>
-                  <a:rPr lang="en-US" sz="2400" dirty="0" smtClean="0">
+                  <a:rPr lang="en-US" sz="2400" dirty="0">
                     <a:solidFill>
                       <a:schemeClr val="tx1"/>
                     </a:solidFill>
@@ -8777,7 +8378,7 @@
             <a:p>
               <a:pPr algn="ctr"/>
               <a:r>
-                <a:rPr lang="en-US" sz="2400" dirty="0" smtClean="0">
+                <a:rPr lang="en-US" sz="2400" dirty="0">
                   <a:solidFill>
                     <a:schemeClr val="tx1"/>
                   </a:solidFill>
@@ -9197,7 +8798,7 @@
           <a:lstStyle/>
           <a:p>
             <a:pPr algn="ctr"/>
-            <a:endParaRPr lang="en-US" sz="2400" dirty="0" smtClean="0">
+            <a:endParaRPr lang="en-US" sz="2400" dirty="0">
               <a:solidFill>
                 <a:schemeClr val="tx1"/>
               </a:solidFill>
@@ -9262,7 +8863,7 @@
             <a:p>
               <a:pPr algn="ctr"/>
               <a:r>
-                <a:rPr lang="en-US" sz="2400" dirty="0" smtClean="0">
+                <a:rPr lang="en-US" sz="2400" dirty="0">
                   <a:solidFill>
                     <a:prstClr val="black"/>
                   </a:solidFill>
@@ -9315,7 +8916,7 @@
             <a:p>
               <a:pPr algn="ctr"/>
               <a:r>
-                <a:rPr lang="en-US" sz="2400" dirty="0" smtClean="0">
+                <a:rPr lang="en-US" sz="2400" dirty="0">
                   <a:solidFill>
                     <a:prstClr val="black"/>
                   </a:solidFill>
@@ -9323,7 +8924,7 @@
                 <a:t>"</a:t>
               </a:r>
               <a:r>
-                <a:rPr lang="en-US" sz="2400" dirty="0" err="1" smtClean="0">
+                <a:rPr lang="en-US" sz="2400" dirty="0" err="1">
                   <a:solidFill>
                     <a:prstClr val="black"/>
                   </a:solidFill>
@@ -9331,7 +8932,7 @@
                 <a:t>quux</a:t>
               </a:r>
               <a:r>
-                <a:rPr lang="en-US" sz="2400" dirty="0" smtClean="0">
+                <a:rPr lang="en-US" sz="2400" dirty="0">
                   <a:solidFill>
                     <a:prstClr val="black"/>
                   </a:solidFill>
@@ -9398,7 +8999,7 @@
               <a:p>
                 <a:pPr algn="ctr"/>
                 <a:r>
-                  <a:rPr lang="en-US" sz="2400" dirty="0" smtClean="0">
+                  <a:rPr lang="en-US" sz="2400" dirty="0">
                     <a:solidFill>
                       <a:prstClr val="black"/>
                     </a:solidFill>
@@ -9406,7 +9007,7 @@
                   <a:t>"</a:t>
                 </a:r>
                 <a:r>
-                  <a:rPr lang="en-US" sz="2400" dirty="0" err="1" smtClean="0">
+                  <a:rPr lang="en-US" sz="2400" dirty="0" err="1">
                     <a:solidFill>
                       <a:prstClr val="black"/>
                     </a:solidFill>
@@ -9414,7 +9015,7 @@
                   <a:t>foo</a:t>
                 </a:r>
                 <a:r>
-                  <a:rPr lang="en-US" sz="2400" dirty="0" smtClean="0">
+                  <a:rPr lang="en-US" sz="2400" dirty="0">
                     <a:solidFill>
                       <a:prstClr val="black"/>
                     </a:solidFill>
@@ -9467,7 +9068,7 @@
               <a:p>
                 <a:pPr algn="ctr"/>
                 <a:r>
-                  <a:rPr lang="en-US" sz="2400" dirty="0" smtClean="0">
+                  <a:rPr lang="en-US" sz="2400" dirty="0">
                     <a:solidFill>
                       <a:prstClr val="black"/>
                     </a:solidFill>
@@ -9475,7 +9076,7 @@
                   <a:t>"</a:t>
                 </a:r>
                 <a:r>
-                  <a:rPr lang="en-US" sz="2400" dirty="0" err="1" smtClean="0">
+                  <a:rPr lang="en-US" sz="2400" dirty="0" err="1">
                     <a:solidFill>
                       <a:prstClr val="black"/>
                     </a:solidFill>
@@ -9483,7 +9084,7 @@
                   <a:t>frob</a:t>
                 </a:r>
                 <a:r>
-                  <a:rPr lang="en-US" sz="2400" dirty="0" smtClean="0">
+                  <a:rPr lang="en-US" sz="2400" dirty="0">
                     <a:solidFill>
                       <a:prstClr val="black"/>
                     </a:solidFill>
@@ -9537,7 +9138,7 @@
             <a:p>
               <a:pPr algn="ctr"/>
               <a:r>
-                <a:rPr lang="en-US" sz="2400" dirty="0" smtClean="0">
+                <a:rPr lang="en-US" sz="2400" dirty="0">
                   <a:solidFill>
                     <a:prstClr val="black"/>
                   </a:solidFill>
@@ -9545,7 +9146,7 @@
                 <a:t>"</a:t>
               </a:r>
               <a:r>
-                <a:rPr lang="en-US" sz="2400" dirty="0" err="1" smtClean="0">
+                <a:rPr lang="en-US" sz="2400" dirty="0" err="1">
                   <a:solidFill>
                     <a:prstClr val="black"/>
                   </a:solidFill>
@@ -9553,7 +9154,7 @@
                 <a:t>baz</a:t>
               </a:r>
               <a:r>
-                <a:rPr lang="en-US" sz="2400" dirty="0" smtClean="0">
+                <a:rPr lang="en-US" sz="2400" dirty="0">
                   <a:solidFill>
                     <a:prstClr val="black"/>
                   </a:solidFill>
@@ -10011,20 +9612,12 @@
               <a:t>.  The argument is a </a:t>
             </a:r>
             <a:r>
-              <a:rPr lang="en-US" b="1" dirty="0" err="1" smtClean="0">
+              <a:rPr lang="en-US" b="1" dirty="0" err="1">
                 <a:solidFill>
                   <a:schemeClr val="tx1"/>
                 </a:solidFill>
               </a:rPr>
               <a:t>BintreeOfString</a:t>
-            </a:r>
-            <a:r>
-              <a:rPr lang="en-US" dirty="0" smtClean="0">
-                <a:solidFill>
-                  <a:schemeClr val="tx1"/>
-                </a:solidFill>
-              </a:rPr>
-              <a:t> </a:t>
             </a:r>
             <a:r>
               <a:rPr lang="en-US" dirty="0">
@@ -10032,23 +9625,15 @@
                   <a:schemeClr val="tx1"/>
                 </a:solidFill>
               </a:rPr>
-              <a:t>and the result is a </a:t>
-            </a:r>
-            <a:r>
-              <a:rPr lang="en-US" b="1" dirty="0" err="1" smtClean="0">
+              <a:t> and the result is a </a:t>
+            </a:r>
+            <a:r>
+              <a:rPr lang="en-US" b="1" dirty="0" err="1">
                 <a:solidFill>
                   <a:schemeClr val="tx1"/>
                 </a:solidFill>
               </a:rPr>
               <a:t>BintreeOfNumber</a:t>
-            </a:r>
-            <a:r>
-              <a:rPr lang="en-US" dirty="0" smtClean="0">
-                <a:solidFill>
-                  <a:schemeClr val="tx1"/>
-                </a:solidFill>
-              </a:rPr>
-              <a:t>, </a:t>
             </a:r>
             <a:r>
               <a:rPr lang="en-US" dirty="0">
@@ -10056,7 +9641,7 @@
                   <a:schemeClr val="tx1"/>
                 </a:solidFill>
               </a:rPr>
-              <a:t>just like the contract says.</a:t>
+              <a:t>, just like the contract says.</a:t>
             </a:r>
           </a:p>
         </p:txBody>
@@ -10071,13 +9656,6 @@
   <p:clrMapOvr>
     <a:masterClrMapping/>
   </p:clrMapOvr>
-  <p:timing>
-    <p:tnLst>
-      <p:par>
-        <p:cTn id="1" dur="indefinite" restart="never" nodeType="tmRoot"/>
-      </p:par>
-    </p:tnLst>
-  </p:timing>
 </p:sld>
 </file>
 
@@ -10114,11 +9692,11 @@
           <a:lstStyle/>
           <a:p>
             <a:r>
-              <a:rPr lang="en-US" dirty="0" smtClean="0"/>
+              <a:rPr lang="en-US" dirty="0"/>
               <a:t>Template for </a:t>
             </a:r>
             <a:r>
-              <a:rPr lang="en-US" dirty="0" err="1" smtClean="0"/>
+              <a:rPr lang="en-US" dirty="0" err="1"/>
               <a:t>BinTreeOfX</a:t>
             </a:r>
             <a:endParaRPr lang="en-US" dirty="0"/>
@@ -10151,21 +9729,21 @@
               <a:buNone/>
             </a:pPr>
             <a:r>
-              <a:rPr lang="en-US" sz="2400" b="1" dirty="0" smtClean="0">
+              <a:rPr lang="en-US" sz="2400" b="1" dirty="0">
                 <a:latin typeface="Consolas" pitchFamily="49" charset="0"/>
                 <a:cs typeface="Consolas" pitchFamily="49" charset="0"/>
               </a:rPr>
               <a:t>(define (</a:t>
             </a:r>
             <a:r>
-              <a:rPr lang="en-US" sz="2400" b="1" dirty="0" err="1" smtClean="0">
+              <a:rPr lang="en-US" sz="2400" b="1" dirty="0" err="1">
                 <a:latin typeface="Consolas" pitchFamily="49" charset="0"/>
                 <a:cs typeface="Consolas" pitchFamily="49" charset="0"/>
               </a:rPr>
               <a:t>bintree</a:t>
             </a:r>
             <a:r>
-              <a:rPr lang="en-US" sz="2400" b="1" dirty="0" smtClean="0">
+              <a:rPr lang="en-US" sz="2400" b="1" dirty="0">
                 <a:latin typeface="Consolas" pitchFamily="49" charset="0"/>
                 <a:cs typeface="Consolas" pitchFamily="49" charset="0"/>
               </a:rPr>
@@ -10177,20 +9755,20 @@
               <a:buNone/>
             </a:pPr>
             <a:r>
-              <a:rPr lang="en-US" sz="2400" b="1" dirty="0" smtClean="0">
+              <a:rPr lang="en-US" sz="2400" b="1" dirty="0">
                 <a:latin typeface="Consolas" pitchFamily="49" charset="0"/>
                 <a:cs typeface="Consolas" pitchFamily="49" charset="0"/>
               </a:rPr>
               <a:t>  (</a:t>
             </a:r>
             <a:r>
-              <a:rPr lang="en-US" sz="2400" b="1" dirty="0" err="1" smtClean="0">
+              <a:rPr lang="en-US" sz="2400" b="1" dirty="0" err="1">
                 <a:latin typeface="Consolas" pitchFamily="49" charset="0"/>
                 <a:cs typeface="Consolas" pitchFamily="49" charset="0"/>
               </a:rPr>
               <a:t>cond</a:t>
             </a:r>
-            <a:endParaRPr lang="en-US" sz="2400" b="1" dirty="0" smtClean="0">
+            <a:endParaRPr lang="en-US" sz="2400" b="1" dirty="0">
               <a:latin typeface="Consolas" pitchFamily="49" charset="0"/>
               <a:cs typeface="Consolas" pitchFamily="49" charset="0"/>
             </a:endParaRPr>
@@ -10200,7 +9778,7 @@
               <a:buNone/>
             </a:pPr>
             <a:r>
-              <a:rPr lang="en-US" sz="2400" b="1" dirty="0" smtClean="0">
+              <a:rPr lang="en-US" sz="2400" b="1" dirty="0">
                 <a:latin typeface="Consolas" pitchFamily="49" charset="0"/>
                 <a:cs typeface="Consolas" pitchFamily="49" charset="0"/>
               </a:rPr>
@@ -10212,7 +9790,7 @@
               <a:buNone/>
             </a:pPr>
             <a:r>
-              <a:rPr lang="en-US" sz="2400" b="1" dirty="0" smtClean="0">
+              <a:rPr lang="en-US" sz="2400" b="1" dirty="0">
                 <a:latin typeface="Consolas" pitchFamily="49" charset="0"/>
                 <a:cs typeface="Consolas" pitchFamily="49" charset="0"/>
               </a:rPr>
@@ -10224,35 +9802,35 @@
               <a:buNone/>
             </a:pPr>
             <a:r>
-              <a:rPr lang="en-US" sz="2400" b="1" dirty="0" smtClean="0">
+              <a:rPr lang="en-US" sz="2400" b="1" dirty="0">
                 <a:latin typeface="Consolas" pitchFamily="49" charset="0"/>
                 <a:cs typeface="Consolas" pitchFamily="49" charset="0"/>
               </a:rPr>
               <a:t>           (</a:t>
             </a:r>
             <a:r>
-              <a:rPr lang="en-US" sz="2400" b="1" dirty="0" err="1" smtClean="0">
+              <a:rPr lang="en-US" sz="2400" b="1" dirty="0" err="1">
                 <a:latin typeface="Consolas" pitchFamily="49" charset="0"/>
                 <a:cs typeface="Consolas" pitchFamily="49" charset="0"/>
               </a:rPr>
               <a:t>bintree</a:t>
             </a:r>
             <a:r>
-              <a:rPr lang="en-US" sz="2400" b="1" dirty="0" smtClean="0">
+              <a:rPr lang="en-US" sz="2400" b="1" dirty="0">
                 <a:latin typeface="Consolas" pitchFamily="49" charset="0"/>
                 <a:cs typeface="Consolas" pitchFamily="49" charset="0"/>
               </a:rPr>
               <a:t>-fn (</a:t>
             </a:r>
             <a:r>
-              <a:rPr lang="en-US" sz="2400" b="1" dirty="0" err="1" smtClean="0">
+              <a:rPr lang="en-US" sz="2400" b="1" dirty="0" err="1">
                 <a:latin typeface="Consolas" pitchFamily="49" charset="0"/>
                 <a:cs typeface="Consolas" pitchFamily="49" charset="0"/>
               </a:rPr>
               <a:t>bintree</a:t>
             </a:r>
             <a:r>
-              <a:rPr lang="en-US" sz="2400" b="1" dirty="0" smtClean="0">
+              <a:rPr lang="en-US" sz="2400" b="1" dirty="0">
                 <a:latin typeface="Consolas" pitchFamily="49" charset="0"/>
                 <a:cs typeface="Consolas" pitchFamily="49" charset="0"/>
               </a:rPr>
@@ -10264,21 +9842,21 @@
               <a:buNone/>
             </a:pPr>
             <a:r>
-              <a:rPr lang="en-US" sz="2400" b="1" dirty="0" smtClean="0">
+              <a:rPr lang="en-US" sz="2400" b="1" dirty="0">
                 <a:latin typeface="Consolas" pitchFamily="49" charset="0"/>
                 <a:cs typeface="Consolas" pitchFamily="49" charset="0"/>
               </a:rPr>
               <a:t>           (</a:t>
             </a:r>
             <a:r>
-              <a:rPr lang="en-US" sz="2400" b="1" dirty="0" err="1" smtClean="0">
+              <a:rPr lang="en-US" sz="2400" b="1" dirty="0" err="1">
                 <a:latin typeface="Consolas" pitchFamily="49" charset="0"/>
                 <a:cs typeface="Consolas" pitchFamily="49" charset="0"/>
               </a:rPr>
               <a:t>bintree</a:t>
             </a:r>
             <a:r>
-              <a:rPr lang="en-US" sz="2400" b="1" dirty="0" smtClean="0">
+              <a:rPr lang="en-US" sz="2400" b="1" dirty="0">
                 <a:latin typeface="Consolas" pitchFamily="49" charset="0"/>
                 <a:cs typeface="Consolas" pitchFamily="49" charset="0"/>
               </a:rPr>
@@ -10290,35 +9868,35 @@
               <a:buNone/>
             </a:pPr>
             <a:r>
-              <a:rPr lang="en-US" sz="2400" b="1" dirty="0" smtClean="0">
+              <a:rPr lang="en-US" sz="2400" b="1" dirty="0">
                 <a:latin typeface="Consolas" pitchFamily="49" charset="0"/>
                 <a:cs typeface="Consolas" pitchFamily="49" charset="0"/>
               </a:rPr>
               <a:t>           (</a:t>
             </a:r>
             <a:r>
-              <a:rPr lang="en-US" sz="2400" b="1" dirty="0" err="1" smtClean="0">
+              <a:rPr lang="en-US" sz="2400" b="1" dirty="0" err="1">
                 <a:latin typeface="Consolas" pitchFamily="49" charset="0"/>
                 <a:cs typeface="Consolas" pitchFamily="49" charset="0"/>
               </a:rPr>
               <a:t>bintree</a:t>
             </a:r>
             <a:r>
-              <a:rPr lang="en-US" sz="2400" b="1" dirty="0" smtClean="0">
+              <a:rPr lang="en-US" sz="2400" b="1" dirty="0">
                 <a:latin typeface="Consolas" pitchFamily="49" charset="0"/>
                 <a:cs typeface="Consolas" pitchFamily="49" charset="0"/>
               </a:rPr>
               <a:t>-fn (</a:t>
             </a:r>
             <a:r>
-              <a:rPr lang="en-US" sz="2400" b="1" dirty="0" err="1" smtClean="0">
+              <a:rPr lang="en-US" sz="2400" b="1" dirty="0" err="1">
                 <a:latin typeface="Consolas" pitchFamily="49" charset="0"/>
                 <a:cs typeface="Consolas" pitchFamily="49" charset="0"/>
               </a:rPr>
               <a:t>bintree</a:t>
             </a:r>
             <a:r>
-              <a:rPr lang="en-US" sz="2400" b="1" dirty="0" smtClean="0">
+              <a:rPr lang="en-US" sz="2400" b="1" dirty="0">
                 <a:latin typeface="Consolas" pitchFamily="49" charset="0"/>
                 <a:cs typeface="Consolas" pitchFamily="49" charset="0"/>
               </a:rPr>
@@ -10416,7 +9994,7 @@
               <a:t>If we follow the recipe for writing a template, this is what we get for </a:t>
             </a:r>
             <a:r>
-              <a:rPr lang="en-US" b="1" dirty="0" err="1" smtClean="0">
+              <a:rPr lang="en-US" b="1" dirty="0" err="1">
                 <a:solidFill>
                   <a:schemeClr val="tx1"/>
                 </a:solidFill>
@@ -10424,18 +10002,13 @@
               <a:t>BintreeOfX</a:t>
             </a:r>
             <a:r>
-              <a:rPr lang="en-US" dirty="0" smtClean="0">
+              <a:rPr lang="en-US" dirty="0">
                 <a:solidFill>
                   <a:schemeClr val="tx1"/>
                 </a:solidFill>
               </a:rPr>
               <a:t>.</a:t>
             </a:r>
-            <a:endParaRPr lang="en-US" dirty="0">
-              <a:solidFill>
-                <a:schemeClr val="tx1"/>
-              </a:solidFill>
-            </a:endParaRPr>
           </a:p>
         </p:txBody>
       </p:sp>
@@ -10449,13 +10022,6 @@
   <p:clrMapOvr>
     <a:masterClrMapping/>
   </p:clrMapOvr>
-  <p:timing>
-    <p:tnLst>
-      <p:par>
-        <p:cTn id="1" dur="indefinite" restart="never" nodeType="tmRoot"/>
-      </p:par>
-    </p:tnLst>
-  </p:timing>
 </p:sld>
 </file>
 
@@ -10492,10 +10058,9 @@
           <a:lstStyle/>
           <a:p>
             <a:r>
-              <a:rPr lang="en-US" dirty="0" smtClean="0"/>
+              <a:rPr lang="en-US" dirty="0"/>
               <a:t>Filling in the template</a:t>
             </a:r>
-            <a:endParaRPr lang="en-US" dirty="0"/>
           </a:p>
         </p:txBody>
       </p:sp>
@@ -10525,7 +10090,7 @@
               <a:buNone/>
             </a:pPr>
             <a:r>
-              <a:rPr lang="en-US" sz="2400" b="1" dirty="0" smtClean="0">
+              <a:rPr lang="en-US" sz="2400" b="1" dirty="0">
                 <a:latin typeface="Consolas" pitchFamily="49" charset="0"/>
                 <a:cs typeface="Consolas" pitchFamily="49" charset="0"/>
               </a:rPr>
@@ -10537,20 +10102,20 @@
               <a:buNone/>
             </a:pPr>
             <a:r>
-              <a:rPr lang="en-US" sz="2400" b="1" dirty="0" smtClean="0">
+              <a:rPr lang="en-US" sz="2400" b="1" dirty="0">
                 <a:latin typeface="Consolas" pitchFamily="49" charset="0"/>
                 <a:cs typeface="Consolas" pitchFamily="49" charset="0"/>
               </a:rPr>
               <a:t>  (</a:t>
             </a:r>
             <a:r>
-              <a:rPr lang="en-US" sz="2400" b="1" dirty="0" err="1" smtClean="0">
+              <a:rPr lang="en-US" sz="2400" b="1" dirty="0" err="1">
                 <a:latin typeface="Consolas" pitchFamily="49" charset="0"/>
                 <a:cs typeface="Consolas" pitchFamily="49" charset="0"/>
               </a:rPr>
               <a:t>cond</a:t>
             </a:r>
-            <a:endParaRPr lang="en-US" sz="2400" b="1" dirty="0" smtClean="0">
+            <a:endParaRPr lang="en-US" sz="2400" b="1" dirty="0">
               <a:latin typeface="Consolas" pitchFamily="49" charset="0"/>
               <a:cs typeface="Consolas" pitchFamily="49" charset="0"/>
             </a:endParaRPr>
@@ -10560,7 +10125,7 @@
               <a:buNone/>
             </a:pPr>
             <a:r>
-              <a:rPr lang="en-US" sz="2400" b="1" dirty="0" smtClean="0">
+              <a:rPr lang="en-US" sz="2400" b="1" dirty="0">
                 <a:latin typeface="Consolas" pitchFamily="49" charset="0"/>
                 <a:cs typeface="Consolas" pitchFamily="49" charset="0"/>
               </a:rPr>
@@ -10572,20 +10137,20 @@
               <a:buNone/>
             </a:pPr>
             <a:r>
-              <a:rPr lang="en-US" sz="2400" b="1" dirty="0" smtClean="0">
+              <a:rPr lang="en-US" sz="2400" b="1" dirty="0">
                 <a:latin typeface="Consolas" pitchFamily="49" charset="0"/>
                 <a:cs typeface="Consolas" pitchFamily="49" charset="0"/>
               </a:rPr>
               <a:t>    [else (make-</a:t>
             </a:r>
             <a:r>
-              <a:rPr lang="en-US" sz="2400" b="1" dirty="0" err="1" smtClean="0">
+              <a:rPr lang="en-US" sz="2400" b="1" dirty="0" err="1">
                 <a:latin typeface="Consolas" pitchFamily="49" charset="0"/>
                 <a:cs typeface="Consolas" pitchFamily="49" charset="0"/>
               </a:rPr>
               <a:t>bintree</a:t>
             </a:r>
-            <a:endParaRPr lang="en-US" sz="2400" b="1" dirty="0" smtClean="0">
+            <a:endParaRPr lang="en-US" sz="2400" b="1" dirty="0">
               <a:latin typeface="Consolas" pitchFamily="49" charset="0"/>
               <a:cs typeface="Consolas" pitchFamily="49" charset="0"/>
             </a:endParaRPr>
@@ -10595,21 +10160,21 @@
               <a:buNone/>
             </a:pPr>
             <a:r>
-              <a:rPr lang="en-US" sz="2400" b="1" dirty="0" smtClean="0">
+              <a:rPr lang="en-US" sz="2400" b="1" dirty="0">
                 <a:latin typeface="Consolas" pitchFamily="49" charset="0"/>
                 <a:cs typeface="Consolas" pitchFamily="49" charset="0"/>
               </a:rPr>
               <a:t>           (mark-depth (</a:t>
             </a:r>
             <a:r>
-              <a:rPr lang="en-US" sz="2400" b="1" dirty="0" err="1" smtClean="0">
+              <a:rPr lang="en-US" sz="2400" b="1" dirty="0" err="1">
                 <a:latin typeface="Consolas" pitchFamily="49" charset="0"/>
                 <a:cs typeface="Consolas" pitchFamily="49" charset="0"/>
               </a:rPr>
               <a:t>bintree</a:t>
             </a:r>
             <a:r>
-              <a:rPr lang="en-US" sz="2400" b="1" dirty="0" smtClean="0">
+              <a:rPr lang="en-US" sz="2400" b="1" dirty="0">
                 <a:latin typeface="Consolas" pitchFamily="49" charset="0"/>
                 <a:cs typeface="Consolas" pitchFamily="49" charset="0"/>
               </a:rPr>
@@ -10621,7 +10186,7 @@
               <a:buNone/>
             </a:pPr>
             <a:r>
-              <a:rPr lang="en-US" sz="2400" b="1" dirty="0" smtClean="0">
+              <a:rPr lang="en-US" sz="2400" b="1" dirty="0">
                 <a:latin typeface="Consolas" pitchFamily="49" charset="0"/>
                 <a:cs typeface="Consolas" pitchFamily="49" charset="0"/>
               </a:rPr>
@@ -10633,21 +10198,21 @@
               <a:buNone/>
             </a:pPr>
             <a:r>
-              <a:rPr lang="en-US" sz="2400" b="1" dirty="0" smtClean="0">
+              <a:rPr lang="en-US" sz="2400" b="1" dirty="0">
                 <a:latin typeface="Consolas" pitchFamily="49" charset="0"/>
                 <a:cs typeface="Consolas" pitchFamily="49" charset="0"/>
               </a:rPr>
               <a:t>           (mark-depth (</a:t>
             </a:r>
             <a:r>
-              <a:rPr lang="en-US" sz="2400" b="1" dirty="0" err="1" smtClean="0">
+              <a:rPr lang="en-US" sz="2400" b="1" dirty="0" err="1">
                 <a:latin typeface="Consolas" pitchFamily="49" charset="0"/>
                 <a:cs typeface="Consolas" pitchFamily="49" charset="0"/>
               </a:rPr>
               <a:t>bintree</a:t>
             </a:r>
             <a:r>
-              <a:rPr lang="en-US" sz="2400" b="1" dirty="0" smtClean="0">
+              <a:rPr lang="en-US" sz="2400" b="1" dirty="0">
                 <a:latin typeface="Consolas" pitchFamily="49" charset="0"/>
                 <a:cs typeface="Consolas" pitchFamily="49" charset="0"/>
               </a:rPr>
@@ -10724,7 +10289,7 @@
           <a:p>
             <a:pPr algn="ctr"/>
             <a:r>
-              <a:rPr lang="en-US" sz="2400" dirty="0" smtClean="0">
+              <a:rPr lang="en-US" sz="2400" dirty="0">
                 <a:solidFill>
                   <a:schemeClr val="tx1"/>
                 </a:solidFill>
@@ -10829,13 +10394,6 @@
   <p:clrMapOvr>
     <a:masterClrMapping/>
   </p:clrMapOvr>
-  <p:timing>
-    <p:tnLst>
-      <p:par>
-        <p:cTn id="1" dur="indefinite" restart="never" nodeType="tmRoot"/>
-      </p:par>
-    </p:tnLst>
-  </p:timing>
 </p:sld>
 </file>
 
@@ -10874,10 +10432,9 @@
           <a:lstStyle/>
           <a:p>
             <a:r>
-              <a:rPr lang="en-US" dirty="0" smtClean="0"/>
+              <a:rPr lang="en-US" dirty="0"/>
               <a:t>So let's add a context argument</a:t>
             </a:r>
-            <a:endParaRPr lang="en-US" dirty="0"/>
           </a:p>
         </p:txBody>
       </p:sp>
@@ -10907,48 +10464,48 @@
               <a:buNone/>
             </a:pPr>
             <a:r>
-              <a:rPr lang="en-US" sz="1800" b="1" dirty="0" smtClean="0">
+              <a:rPr lang="en-US" sz="1800" b="1" dirty="0">
                 <a:latin typeface="Consolas" pitchFamily="49" charset="0"/>
                 <a:cs typeface="Consolas" pitchFamily="49" charset="0"/>
               </a:rPr>
               <a:t>;; mark-subtree : </a:t>
             </a:r>
             <a:r>
-              <a:rPr lang="en-US" sz="1800" b="1" dirty="0" err="1" smtClean="0">
+              <a:rPr lang="en-US" sz="1800" b="1" dirty="0" err="1">
                 <a:latin typeface="Consolas" pitchFamily="49" charset="0"/>
                 <a:cs typeface="Consolas" pitchFamily="49" charset="0"/>
               </a:rPr>
               <a:t>BinTreeOfX</a:t>
             </a:r>
             <a:r>
-              <a:rPr lang="en-US" sz="1800" b="1" dirty="0" smtClean="0">
+              <a:rPr lang="en-US" sz="1800" b="1" dirty="0">
                 <a:latin typeface="Consolas" pitchFamily="49" charset="0"/>
                 <a:cs typeface="Consolas" pitchFamily="49" charset="0"/>
               </a:rPr>
               <a:t> </a:t>
             </a:r>
             <a:r>
-              <a:rPr lang="en-US" sz="1800" b="1" dirty="0" err="1" smtClean="0">
+              <a:rPr lang="en-US" sz="1800" b="1" dirty="0" err="1">
                 <a:latin typeface="Consolas" pitchFamily="49" charset="0"/>
                 <a:cs typeface="Consolas" pitchFamily="49" charset="0"/>
               </a:rPr>
               <a:t>NonNegInt</a:t>
             </a:r>
             <a:r>
-              <a:rPr lang="en-US" sz="1800" b="1" dirty="0" smtClean="0">
+              <a:rPr lang="en-US" sz="1800" b="1" dirty="0">
                 <a:latin typeface="Consolas" pitchFamily="49" charset="0"/>
                 <a:cs typeface="Consolas" pitchFamily="49" charset="0"/>
               </a:rPr>
               <a:t>-&gt; </a:t>
             </a:r>
             <a:r>
-              <a:rPr lang="en-US" sz="1800" b="1" dirty="0" err="1" smtClean="0">
+              <a:rPr lang="en-US" sz="1800" b="1" dirty="0" err="1">
                 <a:latin typeface="Consolas" pitchFamily="49" charset="0"/>
                 <a:cs typeface="Consolas" pitchFamily="49" charset="0"/>
               </a:rPr>
               <a:t>BinTreeOfNumber</a:t>
             </a:r>
-            <a:endParaRPr lang="en-US" sz="1800" b="1" dirty="0" smtClean="0">
+            <a:endParaRPr lang="en-US" sz="1800" b="1" dirty="0">
               <a:latin typeface="Consolas" pitchFamily="49" charset="0"/>
               <a:cs typeface="Consolas" pitchFamily="49" charset="0"/>
             </a:endParaRPr>
@@ -10958,79 +10515,68 @@
               <a:buNone/>
             </a:pPr>
             <a:r>
-              <a:rPr lang="en-US" sz="1800" b="1" dirty="0" smtClean="0">
+              <a:rPr lang="en-US" sz="1800" b="1" dirty="0">
                 <a:latin typeface="Consolas" pitchFamily="49" charset="0"/>
                 <a:cs typeface="Consolas" pitchFamily="49" charset="0"/>
               </a:rPr>
               <a:t>;; GIVEN: a subtree </a:t>
             </a:r>
             <a:r>
-              <a:rPr lang="en-US" sz="1800" b="1" dirty="0" err="1" smtClean="0">
+              <a:rPr lang="en-US" sz="1800" b="1" dirty="0" err="1">
                 <a:latin typeface="Consolas" pitchFamily="49" charset="0"/>
                 <a:cs typeface="Consolas" pitchFamily="49" charset="0"/>
               </a:rPr>
               <a:t>stree</a:t>
             </a:r>
             <a:r>
-              <a:rPr lang="en-US" sz="1800" b="1" dirty="0" smtClean="0">
-                <a:latin typeface="Consolas" pitchFamily="49" charset="0"/>
-                <a:cs typeface="Consolas" pitchFamily="49" charset="0"/>
-              </a:rPr>
-              <a:t> of some </a:t>
-            </a:r>
-            <a:r>
-              <a:rPr lang="en-US" sz="1800" b="1" dirty="0" smtClean="0">
-                <a:latin typeface="Consolas" pitchFamily="49" charset="0"/>
-                <a:cs typeface="Consolas" pitchFamily="49" charset="0"/>
-              </a:rPr>
-              <a:t>tree, and a non-</a:t>
-            </a:r>
-            <a:r>
-              <a:rPr lang="en-US" sz="1800" b="1" dirty="0" err="1" smtClean="0">
+              <a:rPr lang="en-US" sz="1800" b="1" dirty="0">
+                <a:latin typeface="Consolas" pitchFamily="49" charset="0"/>
+                <a:cs typeface="Consolas" pitchFamily="49" charset="0"/>
+              </a:rPr>
+              <a:t> of some tree, and a non-</a:t>
+            </a:r>
+            <a:r>
+              <a:rPr lang="en-US" sz="1800" b="1" dirty="0" err="1">
                 <a:latin typeface="Consolas" pitchFamily="49" charset="0"/>
                 <a:cs typeface="Consolas" pitchFamily="49" charset="0"/>
               </a:rPr>
               <a:t>neg</a:t>
             </a:r>
             <a:r>
-              <a:rPr lang="en-US" sz="1800" b="1" dirty="0" smtClean="0">
+              <a:rPr lang="en-US" sz="1800" b="1" dirty="0">
                 <a:latin typeface="Consolas" pitchFamily="49" charset="0"/>
                 <a:cs typeface="Consolas" pitchFamily="49" charset="0"/>
               </a:rPr>
               <a:t> </a:t>
             </a:r>
             <a:r>
-              <a:rPr lang="en-US" sz="1800" b="1" dirty="0" err="1" smtClean="0">
+              <a:rPr lang="en-US" sz="1800" b="1" dirty="0" err="1">
                 <a:latin typeface="Consolas" pitchFamily="49" charset="0"/>
                 <a:cs typeface="Consolas" pitchFamily="49" charset="0"/>
               </a:rPr>
               <a:t>int</a:t>
             </a:r>
             <a:r>
-              <a:rPr lang="en-US" sz="1800" b="1" dirty="0" smtClean="0">
+              <a:rPr lang="en-US" sz="1800" b="1" dirty="0">
                 <a:latin typeface="Consolas" pitchFamily="49" charset="0"/>
                 <a:cs typeface="Consolas" pitchFamily="49" charset="0"/>
               </a:rPr>
               <a:t> n </a:t>
             </a:r>
-            <a:endParaRPr lang="en-US" sz="1800" b="1" dirty="0" smtClean="0">
-              <a:latin typeface="Consolas" pitchFamily="49" charset="0"/>
-              <a:cs typeface="Consolas" pitchFamily="49" charset="0"/>
-            </a:endParaRPr>
           </a:p>
           <a:p>
             <a:pPr marL="0" indent="0">
               <a:buNone/>
             </a:pPr>
             <a:r>
-              <a:rPr lang="en-US" sz="1800" b="1" dirty="0" smtClean="0">
+              <a:rPr lang="en-US" sz="1800" b="1" dirty="0">
                 <a:latin typeface="Consolas" pitchFamily="49" charset="0"/>
                 <a:cs typeface="Consolas" pitchFamily="49" charset="0"/>
               </a:rPr>
               <a:t>;; </a:t>
             </a:r>
             <a:r>
-              <a:rPr lang="en-US" sz="1800" b="1" dirty="0" smtClean="0">
+              <a:rPr lang="en-US" sz="1800" b="1" dirty="0">
                 <a:solidFill>
                   <a:schemeClr val="accent3">
                     <a:lumMod val="75000"/>
@@ -11042,7 +10588,7 @@
               <a:t>WHERE: the </a:t>
             </a:r>
             <a:r>
-              <a:rPr lang="en-US" sz="1800" b="1" dirty="0" err="1" smtClean="0">
+              <a:rPr lang="en-US" sz="1800" b="1" dirty="0" err="1">
                 <a:solidFill>
                   <a:schemeClr val="accent3">
                     <a:lumMod val="75000"/>
@@ -11054,7 +10600,7 @@
               <a:t>subtree</a:t>
             </a:r>
             <a:r>
-              <a:rPr lang="en-US" sz="1800" b="1" dirty="0" smtClean="0">
+              <a:rPr lang="en-US" sz="1800" b="1" dirty="0">
                 <a:solidFill>
                   <a:schemeClr val="accent3">
                     <a:lumMod val="75000"/>
@@ -11071,21 +10617,21 @@
               <a:buNone/>
             </a:pPr>
             <a:r>
-              <a:rPr lang="en-US" sz="1800" b="1" dirty="0" smtClean="0">
+              <a:rPr lang="en-US" sz="1800" b="1" dirty="0">
                 <a:latin typeface="Consolas" pitchFamily="49" charset="0"/>
                 <a:cs typeface="Consolas" pitchFamily="49" charset="0"/>
               </a:rPr>
               <a:t>;; RETURNS: a tree the same shape as </a:t>
             </a:r>
             <a:r>
-              <a:rPr lang="en-US" sz="1800" b="1" dirty="0" err="1" smtClean="0">
+              <a:rPr lang="en-US" sz="1800" b="1" dirty="0" err="1">
                 <a:latin typeface="Consolas" pitchFamily="49" charset="0"/>
                 <a:cs typeface="Consolas" pitchFamily="49" charset="0"/>
               </a:rPr>
               <a:t>stree</a:t>
             </a:r>
             <a:r>
-              <a:rPr lang="en-US" sz="1800" b="1" dirty="0" smtClean="0">
+              <a:rPr lang="en-US" sz="1800" b="1" dirty="0">
                 <a:latin typeface="Consolas" pitchFamily="49" charset="0"/>
                 <a:cs typeface="Consolas" pitchFamily="49" charset="0"/>
               </a:rPr>
@@ -11097,7 +10643,7 @@
               <a:buNone/>
             </a:pPr>
             <a:r>
-              <a:rPr lang="en-US" sz="1800" b="1" dirty="0" smtClean="0">
+              <a:rPr lang="en-US" sz="1800" b="1" dirty="0">
                 <a:latin typeface="Consolas" pitchFamily="49" charset="0"/>
                 <a:cs typeface="Consolas" pitchFamily="49" charset="0"/>
               </a:rPr>
@@ -11109,280 +10655,269 @@
               <a:buNone/>
             </a:pPr>
             <a:r>
-              <a:rPr lang="en-US" sz="1800" b="1" dirty="0" smtClean="0">
+              <a:rPr lang="en-US" sz="1800" b="1" dirty="0">
                 <a:latin typeface="Consolas" pitchFamily="49" charset="0"/>
                 <a:cs typeface="Consolas" pitchFamily="49" charset="0"/>
               </a:rPr>
               <a:t>;; STRATEGY: Use template for </a:t>
             </a:r>
             <a:r>
-              <a:rPr lang="en-US" sz="1800" b="1" dirty="0" err="1" smtClean="0">
+              <a:rPr lang="en-US" sz="1800" b="1" dirty="0" err="1">
                 <a:latin typeface="Consolas" pitchFamily="49" charset="0"/>
                 <a:cs typeface="Consolas" pitchFamily="49" charset="0"/>
               </a:rPr>
               <a:t>BinTreeOfX</a:t>
             </a:r>
             <a:r>
-              <a:rPr lang="en-US" sz="1800" b="1" dirty="0" smtClean="0">
-                <a:latin typeface="Consolas" pitchFamily="49" charset="0"/>
-                <a:cs typeface="Consolas" pitchFamily="49" charset="0"/>
-              </a:rPr>
-              <a:t> </a:t>
-            </a:r>
-            <a:r>
-              <a:rPr lang="en-US" sz="1800" b="1" dirty="0" smtClean="0">
-                <a:latin typeface="Consolas" pitchFamily="49" charset="0"/>
-                <a:cs typeface="Consolas" pitchFamily="49" charset="0"/>
-              </a:rPr>
-              <a:t>on </a:t>
-            </a:r>
-            <a:r>
-              <a:rPr lang="en-US" sz="1800" b="1" dirty="0" err="1" smtClean="0">
+              <a:rPr lang="en-US" sz="1800" b="1" dirty="0">
+                <a:latin typeface="Consolas" pitchFamily="49" charset="0"/>
+                <a:cs typeface="Consolas" pitchFamily="49" charset="0"/>
+              </a:rPr>
+              <a:t> on </a:t>
+            </a:r>
+            <a:r>
+              <a:rPr lang="en-US" sz="1800" b="1" dirty="0" err="1">
                 <a:latin typeface="Consolas" pitchFamily="49" charset="0"/>
                 <a:cs typeface="Consolas" pitchFamily="49" charset="0"/>
               </a:rPr>
               <a:t>stree</a:t>
-            </a:r>
-            <a:endParaRPr lang="en-US" sz="1800" b="1" dirty="0" smtClean="0">
-              <a:latin typeface="Consolas" pitchFamily="49" charset="0"/>
-              <a:cs typeface="Consolas" pitchFamily="49" charset="0"/>
-            </a:endParaRPr>
-          </a:p>
-          <a:p>
-            <a:pPr marL="0" indent="0">
-              <a:buNone/>
-            </a:pPr>
-            <a:r>
-              <a:rPr lang="en-US" sz="1800" b="1" dirty="0" smtClean="0">
-                <a:latin typeface="Consolas" pitchFamily="49" charset="0"/>
-                <a:cs typeface="Consolas" pitchFamily="49" charset="0"/>
-              </a:rPr>
-              <a:t>(define (mark-</a:t>
-            </a:r>
-            <a:r>
-              <a:rPr lang="en-US" sz="1800" b="1" dirty="0" err="1" smtClean="0">
-                <a:latin typeface="Consolas" pitchFamily="49" charset="0"/>
-                <a:cs typeface="Consolas" pitchFamily="49" charset="0"/>
-              </a:rPr>
-              <a:t>subtree</a:t>
-            </a:r>
-            <a:r>
-              <a:rPr lang="en-US" sz="1800" b="1" dirty="0" smtClean="0">
-                <a:latin typeface="Consolas" pitchFamily="49" charset="0"/>
-                <a:cs typeface="Consolas" pitchFamily="49" charset="0"/>
-              </a:rPr>
-              <a:t> </a:t>
-            </a:r>
-            <a:r>
-              <a:rPr lang="en-US" sz="1800" b="1" dirty="0" err="1" smtClean="0">
-                <a:latin typeface="Consolas" pitchFamily="49" charset="0"/>
-                <a:cs typeface="Consolas" pitchFamily="49" charset="0"/>
-              </a:rPr>
-              <a:t>stree</a:t>
-            </a:r>
-            <a:r>
-              <a:rPr lang="en-US" sz="1800" b="1" dirty="0" smtClean="0">
-                <a:latin typeface="Consolas" pitchFamily="49" charset="0"/>
-                <a:cs typeface="Consolas" pitchFamily="49" charset="0"/>
-              </a:rPr>
-              <a:t> n)</a:t>
-            </a:r>
-          </a:p>
-          <a:p>
-            <a:pPr marL="0" indent="0">
-              <a:buNone/>
-            </a:pPr>
-            <a:r>
-              <a:rPr lang="en-US" sz="1800" b="1" dirty="0" smtClean="0">
-                <a:latin typeface="Consolas" pitchFamily="49" charset="0"/>
-                <a:cs typeface="Consolas" pitchFamily="49" charset="0"/>
-              </a:rPr>
-              <a:t>  (</a:t>
-            </a:r>
-            <a:r>
-              <a:rPr lang="en-US" sz="1800" b="1" dirty="0" err="1" smtClean="0">
-                <a:latin typeface="Consolas" pitchFamily="49" charset="0"/>
-                <a:cs typeface="Consolas" pitchFamily="49" charset="0"/>
-              </a:rPr>
-              <a:t>cond</a:t>
-            </a:r>
-            <a:endParaRPr lang="en-US" sz="1800" b="1" dirty="0" smtClean="0">
-              <a:latin typeface="Consolas" pitchFamily="49" charset="0"/>
-              <a:cs typeface="Consolas" pitchFamily="49" charset="0"/>
-            </a:endParaRPr>
-          </a:p>
-          <a:p>
-            <a:pPr marL="0" indent="0">
-              <a:buNone/>
-            </a:pPr>
-            <a:r>
-              <a:rPr lang="en-US" sz="1800" b="1" dirty="0" smtClean="0">
-                <a:latin typeface="Consolas" pitchFamily="49" charset="0"/>
-                <a:cs typeface="Consolas" pitchFamily="49" charset="0"/>
-              </a:rPr>
-              <a:t>    [(empty? </a:t>
-            </a:r>
-            <a:r>
-              <a:rPr lang="en-US" sz="1800" b="1" dirty="0" err="1" smtClean="0">
-                <a:latin typeface="Consolas" pitchFamily="49" charset="0"/>
-                <a:cs typeface="Consolas" pitchFamily="49" charset="0"/>
-              </a:rPr>
-              <a:t>stree</a:t>
-            </a:r>
-            <a:r>
-              <a:rPr lang="en-US" sz="1800" b="1" dirty="0" smtClean="0">
-                <a:latin typeface="Consolas" pitchFamily="49" charset="0"/>
-                <a:cs typeface="Consolas" pitchFamily="49" charset="0"/>
-              </a:rPr>
-              <a:t>) empty]</a:t>
-            </a:r>
-          </a:p>
-          <a:p>
-            <a:pPr marL="0" indent="0">
-              <a:buNone/>
-            </a:pPr>
-            <a:r>
-              <a:rPr lang="en-US" sz="1800" b="1" dirty="0" smtClean="0">
-                <a:latin typeface="Consolas" pitchFamily="49" charset="0"/>
-                <a:cs typeface="Consolas" pitchFamily="49" charset="0"/>
-              </a:rPr>
-              <a:t>    [else (make-</a:t>
-            </a:r>
-            <a:r>
-              <a:rPr lang="en-US" sz="1800" b="1" dirty="0" err="1" smtClean="0">
-                <a:latin typeface="Consolas" pitchFamily="49" charset="0"/>
-                <a:cs typeface="Consolas" pitchFamily="49" charset="0"/>
-              </a:rPr>
-              <a:t>bintree</a:t>
-            </a:r>
-            <a:endParaRPr lang="en-US" sz="1800" b="1" dirty="0" smtClean="0">
-              <a:latin typeface="Consolas" pitchFamily="49" charset="0"/>
-              <a:cs typeface="Consolas" pitchFamily="49" charset="0"/>
-            </a:endParaRPr>
-          </a:p>
-          <a:p>
-            <a:pPr marL="0" indent="0">
-              <a:buNone/>
-            </a:pPr>
-            <a:r>
-              <a:rPr lang="en-US" sz="1800" b="1" dirty="0" smtClean="0">
-                <a:latin typeface="Consolas" pitchFamily="49" charset="0"/>
-                <a:cs typeface="Consolas" pitchFamily="49" charset="0"/>
-              </a:rPr>
-              <a:t>            (mark-</a:t>
-            </a:r>
-            <a:r>
-              <a:rPr lang="en-US" sz="1800" b="1" dirty="0" err="1" smtClean="0">
-                <a:latin typeface="Consolas" pitchFamily="49" charset="0"/>
-                <a:cs typeface="Consolas" pitchFamily="49" charset="0"/>
-              </a:rPr>
-              <a:t>subtree</a:t>
-            </a:r>
-            <a:r>
-              <a:rPr lang="en-US" sz="1800" b="1" dirty="0" smtClean="0">
-                <a:latin typeface="Consolas" pitchFamily="49" charset="0"/>
-                <a:cs typeface="Consolas" pitchFamily="49" charset="0"/>
-              </a:rPr>
-              <a:t> (</a:t>
-            </a:r>
-            <a:r>
-              <a:rPr lang="en-US" sz="1800" b="1" dirty="0" err="1" smtClean="0">
-                <a:latin typeface="Consolas" pitchFamily="49" charset="0"/>
-                <a:cs typeface="Consolas" pitchFamily="49" charset="0"/>
-              </a:rPr>
-              <a:t>bintree</a:t>
-            </a:r>
-            <a:r>
-              <a:rPr lang="en-US" sz="1800" b="1" dirty="0" smtClean="0">
-                <a:latin typeface="Consolas" pitchFamily="49" charset="0"/>
-                <a:cs typeface="Consolas" pitchFamily="49" charset="0"/>
-              </a:rPr>
-              <a:t>-left </a:t>
-            </a:r>
-            <a:r>
-              <a:rPr lang="en-US" sz="1800" b="1" dirty="0" err="1" smtClean="0">
-                <a:latin typeface="Consolas" pitchFamily="49" charset="0"/>
-                <a:cs typeface="Consolas" pitchFamily="49" charset="0"/>
-              </a:rPr>
-              <a:t>stree</a:t>
-            </a:r>
-            <a:r>
-              <a:rPr lang="en-US" sz="1800" b="1" dirty="0" smtClean="0">
-                <a:latin typeface="Consolas" pitchFamily="49" charset="0"/>
-                <a:cs typeface="Consolas" pitchFamily="49" charset="0"/>
-              </a:rPr>
-              <a:t>) (+ n 1))</a:t>
-            </a:r>
-          </a:p>
-          <a:p>
-            <a:pPr marL="0" indent="0">
-              <a:buNone/>
-            </a:pPr>
-            <a:r>
-              <a:rPr lang="en-US" sz="1800" b="1" dirty="0" smtClean="0">
-                <a:latin typeface="Consolas" pitchFamily="49" charset="0"/>
-                <a:cs typeface="Consolas" pitchFamily="49" charset="0"/>
-              </a:rPr>
-              <a:t>            n</a:t>
-            </a:r>
-          </a:p>
-          <a:p>
-            <a:pPr marL="0" indent="0">
-              <a:buNone/>
-            </a:pPr>
-            <a:r>
-              <a:rPr lang="en-US" sz="1800" b="1" dirty="0" smtClean="0">
-                <a:latin typeface="Consolas" pitchFamily="49" charset="0"/>
-                <a:cs typeface="Consolas" pitchFamily="49" charset="0"/>
-              </a:rPr>
-              <a:t>            (mark-</a:t>
-            </a:r>
-            <a:r>
-              <a:rPr lang="en-US" sz="1800" b="1" dirty="0" err="1" smtClean="0">
-                <a:latin typeface="Consolas" pitchFamily="49" charset="0"/>
-                <a:cs typeface="Consolas" pitchFamily="49" charset="0"/>
-              </a:rPr>
-              <a:t>subtree</a:t>
-            </a:r>
-            <a:r>
-              <a:rPr lang="en-US" sz="1800" b="1" dirty="0" smtClean="0">
-                <a:latin typeface="Consolas" pitchFamily="49" charset="0"/>
-                <a:cs typeface="Consolas" pitchFamily="49" charset="0"/>
-              </a:rPr>
-              <a:t> (</a:t>
-            </a:r>
-            <a:r>
-              <a:rPr lang="en-US" sz="1800" b="1" dirty="0" err="1" smtClean="0">
-                <a:latin typeface="Consolas" pitchFamily="49" charset="0"/>
-                <a:cs typeface="Consolas" pitchFamily="49" charset="0"/>
-              </a:rPr>
-              <a:t>bintree</a:t>
-            </a:r>
-            <a:r>
-              <a:rPr lang="en-US" sz="1800" b="1" dirty="0" smtClean="0">
-                <a:latin typeface="Consolas" pitchFamily="49" charset="0"/>
-                <a:cs typeface="Consolas" pitchFamily="49" charset="0"/>
-              </a:rPr>
-              <a:t>-right </a:t>
-            </a:r>
-            <a:r>
-              <a:rPr lang="en-US" sz="1800" b="1" dirty="0" err="1" smtClean="0">
-                <a:latin typeface="Consolas" pitchFamily="49" charset="0"/>
-                <a:cs typeface="Consolas" pitchFamily="49" charset="0"/>
-              </a:rPr>
-              <a:t>stree</a:t>
-            </a:r>
-            <a:r>
-              <a:rPr lang="en-US" sz="1800" b="1" dirty="0" smtClean="0">
-                <a:latin typeface="Consolas" pitchFamily="49" charset="0"/>
-                <a:cs typeface="Consolas" pitchFamily="49" charset="0"/>
-              </a:rPr>
-              <a:t>) (+ n 1)))]))</a:t>
             </a:r>
             <a:endParaRPr lang="en-US" sz="1800" b="1" dirty="0">
               <a:latin typeface="Consolas" pitchFamily="49" charset="0"/>
               <a:cs typeface="Consolas" pitchFamily="49" charset="0"/>
             </a:endParaRPr>
+          </a:p>
+          <a:p>
+            <a:pPr marL="0" indent="0">
+              <a:buNone/>
+            </a:pPr>
+            <a:r>
+              <a:rPr lang="en-US" sz="1800" b="1" dirty="0">
+                <a:latin typeface="Consolas" pitchFamily="49" charset="0"/>
+                <a:cs typeface="Consolas" pitchFamily="49" charset="0"/>
+              </a:rPr>
+              <a:t>(define (mark-</a:t>
+            </a:r>
+            <a:r>
+              <a:rPr lang="en-US" sz="1800" b="1" dirty="0" err="1">
+                <a:latin typeface="Consolas" pitchFamily="49" charset="0"/>
+                <a:cs typeface="Consolas" pitchFamily="49" charset="0"/>
+              </a:rPr>
+              <a:t>subtree</a:t>
+            </a:r>
+            <a:r>
+              <a:rPr lang="en-US" sz="1800" b="1" dirty="0">
+                <a:latin typeface="Consolas" pitchFamily="49" charset="0"/>
+                <a:cs typeface="Consolas" pitchFamily="49" charset="0"/>
+              </a:rPr>
+              <a:t> </a:t>
+            </a:r>
+            <a:r>
+              <a:rPr lang="en-US" sz="1800" b="1" dirty="0" err="1">
+                <a:latin typeface="Consolas" pitchFamily="49" charset="0"/>
+                <a:cs typeface="Consolas" pitchFamily="49" charset="0"/>
+              </a:rPr>
+              <a:t>stree</a:t>
+            </a:r>
+            <a:r>
+              <a:rPr lang="en-US" sz="1800" b="1" dirty="0">
+                <a:latin typeface="Consolas" pitchFamily="49" charset="0"/>
+                <a:cs typeface="Consolas" pitchFamily="49" charset="0"/>
+              </a:rPr>
+              <a:t> n)</a:t>
+            </a:r>
+          </a:p>
+          <a:p>
+            <a:pPr marL="0" indent="0">
+              <a:buNone/>
+            </a:pPr>
+            <a:r>
+              <a:rPr lang="en-US" sz="1800" b="1" dirty="0">
+                <a:latin typeface="Consolas" pitchFamily="49" charset="0"/>
+                <a:cs typeface="Consolas" pitchFamily="49" charset="0"/>
+              </a:rPr>
+              <a:t>  (</a:t>
+            </a:r>
+            <a:r>
+              <a:rPr lang="en-US" sz="1800" b="1" dirty="0" err="1">
+                <a:latin typeface="Consolas" pitchFamily="49" charset="0"/>
+                <a:cs typeface="Consolas" pitchFamily="49" charset="0"/>
+              </a:rPr>
+              <a:t>cond</a:t>
+            </a:r>
+            <a:endParaRPr lang="en-US" sz="1800" b="1" dirty="0">
+              <a:latin typeface="Consolas" pitchFamily="49" charset="0"/>
+              <a:cs typeface="Consolas" pitchFamily="49" charset="0"/>
+            </a:endParaRPr>
+          </a:p>
+          <a:p>
+            <a:pPr marL="0" indent="0">
+              <a:buNone/>
+            </a:pPr>
+            <a:r>
+              <a:rPr lang="en-US" sz="1800" b="1" dirty="0">
+                <a:latin typeface="Consolas" pitchFamily="49" charset="0"/>
+                <a:cs typeface="Consolas" pitchFamily="49" charset="0"/>
+              </a:rPr>
+              <a:t>    [(empty? </a:t>
+            </a:r>
+            <a:r>
+              <a:rPr lang="en-US" sz="1800" b="1" dirty="0" err="1">
+                <a:latin typeface="Consolas" pitchFamily="49" charset="0"/>
+                <a:cs typeface="Consolas" pitchFamily="49" charset="0"/>
+              </a:rPr>
+              <a:t>stree</a:t>
+            </a:r>
+            <a:r>
+              <a:rPr lang="en-US" sz="1800" b="1" dirty="0">
+                <a:latin typeface="Consolas" pitchFamily="49" charset="0"/>
+                <a:cs typeface="Consolas" pitchFamily="49" charset="0"/>
+              </a:rPr>
+              <a:t>) empty]</a:t>
+            </a:r>
+          </a:p>
+          <a:p>
+            <a:pPr marL="0" indent="0">
+              <a:buNone/>
+            </a:pPr>
+            <a:r>
+              <a:rPr lang="en-US" sz="1800" b="1" dirty="0">
+                <a:latin typeface="Consolas" pitchFamily="49" charset="0"/>
+                <a:cs typeface="Consolas" pitchFamily="49" charset="0"/>
+              </a:rPr>
+              <a:t>    [else (make-</a:t>
+            </a:r>
+            <a:r>
+              <a:rPr lang="en-US" sz="1800" b="1" dirty="0" err="1">
+                <a:latin typeface="Consolas" pitchFamily="49" charset="0"/>
+                <a:cs typeface="Consolas" pitchFamily="49" charset="0"/>
+              </a:rPr>
+              <a:t>bintree</a:t>
+            </a:r>
+            <a:endParaRPr lang="en-US" sz="1800" b="1" dirty="0">
+              <a:latin typeface="Consolas" pitchFamily="49" charset="0"/>
+              <a:cs typeface="Consolas" pitchFamily="49" charset="0"/>
+            </a:endParaRPr>
+          </a:p>
+          <a:p>
+            <a:pPr marL="0" indent="0">
+              <a:buNone/>
+            </a:pPr>
+            <a:r>
+              <a:rPr lang="en-US" sz="1800" b="1" dirty="0">
+                <a:latin typeface="Consolas" pitchFamily="49" charset="0"/>
+                <a:cs typeface="Consolas" pitchFamily="49" charset="0"/>
+              </a:rPr>
+              <a:t>            (mark-</a:t>
+            </a:r>
+            <a:r>
+              <a:rPr lang="en-US" sz="1800" b="1" dirty="0" err="1">
+                <a:latin typeface="Consolas" pitchFamily="49" charset="0"/>
+                <a:cs typeface="Consolas" pitchFamily="49" charset="0"/>
+              </a:rPr>
+              <a:t>subtree</a:t>
+            </a:r>
+            <a:r>
+              <a:rPr lang="en-US" sz="1800" b="1" dirty="0">
+                <a:latin typeface="Consolas" pitchFamily="49" charset="0"/>
+                <a:cs typeface="Consolas" pitchFamily="49" charset="0"/>
+              </a:rPr>
+              <a:t> (</a:t>
+            </a:r>
+            <a:r>
+              <a:rPr lang="en-US" sz="1800" b="1" dirty="0" err="1">
+                <a:latin typeface="Consolas" pitchFamily="49" charset="0"/>
+                <a:cs typeface="Consolas" pitchFamily="49" charset="0"/>
+              </a:rPr>
+              <a:t>bintree</a:t>
+            </a:r>
+            <a:r>
+              <a:rPr lang="en-US" sz="1800" b="1" dirty="0">
+                <a:latin typeface="Consolas" pitchFamily="49" charset="0"/>
+                <a:cs typeface="Consolas" pitchFamily="49" charset="0"/>
+              </a:rPr>
+              <a:t>-left </a:t>
+            </a:r>
+            <a:r>
+              <a:rPr lang="en-US" sz="1800" b="1" dirty="0" err="1">
+                <a:latin typeface="Consolas" pitchFamily="49" charset="0"/>
+                <a:cs typeface="Consolas" pitchFamily="49" charset="0"/>
+              </a:rPr>
+              <a:t>stree</a:t>
+            </a:r>
+            <a:r>
+              <a:rPr lang="en-US" sz="1800" b="1" dirty="0">
+                <a:latin typeface="Consolas" pitchFamily="49" charset="0"/>
+                <a:cs typeface="Consolas" pitchFamily="49" charset="0"/>
+              </a:rPr>
+              <a:t>) (+ n 1))</a:t>
+            </a:r>
+          </a:p>
+          <a:p>
+            <a:pPr marL="0" indent="0">
+              <a:buNone/>
+            </a:pPr>
+            <a:r>
+              <a:rPr lang="en-US" sz="1800" b="1" dirty="0">
+                <a:latin typeface="Consolas" pitchFamily="49" charset="0"/>
+                <a:cs typeface="Consolas" pitchFamily="49" charset="0"/>
+              </a:rPr>
+              <a:t>            n</a:t>
+            </a:r>
+          </a:p>
+          <a:p>
+            <a:pPr marL="0" indent="0">
+              <a:buNone/>
+            </a:pPr>
+            <a:r>
+              <a:rPr lang="en-US" sz="1800" b="1" dirty="0">
+                <a:latin typeface="Consolas" pitchFamily="49" charset="0"/>
+                <a:cs typeface="Consolas" pitchFamily="49" charset="0"/>
+              </a:rPr>
+              <a:t>            (mark-</a:t>
+            </a:r>
+            <a:r>
+              <a:rPr lang="en-US" sz="1800" b="1" dirty="0" err="1">
+                <a:latin typeface="Consolas" pitchFamily="49" charset="0"/>
+                <a:cs typeface="Consolas" pitchFamily="49" charset="0"/>
+              </a:rPr>
+              <a:t>subtree</a:t>
+            </a:r>
+            <a:r>
+              <a:rPr lang="en-US" sz="1800" b="1" dirty="0">
+                <a:latin typeface="Consolas" pitchFamily="49" charset="0"/>
+                <a:cs typeface="Consolas" pitchFamily="49" charset="0"/>
+              </a:rPr>
+              <a:t> (</a:t>
+            </a:r>
+            <a:r>
+              <a:rPr lang="en-US" sz="1800" b="1" dirty="0" err="1">
+                <a:latin typeface="Consolas" pitchFamily="49" charset="0"/>
+                <a:cs typeface="Consolas" pitchFamily="49" charset="0"/>
+              </a:rPr>
+              <a:t>bintree</a:t>
+            </a:r>
+            <a:r>
+              <a:rPr lang="en-US" sz="1800" b="1" dirty="0">
+                <a:latin typeface="Consolas" pitchFamily="49" charset="0"/>
+                <a:cs typeface="Consolas" pitchFamily="49" charset="0"/>
+              </a:rPr>
+              <a:t>-right </a:t>
+            </a:r>
+            <a:r>
+              <a:rPr lang="en-US" sz="1800" b="1" dirty="0" err="1">
+                <a:latin typeface="Consolas" pitchFamily="49" charset="0"/>
+                <a:cs typeface="Consolas" pitchFamily="49" charset="0"/>
+              </a:rPr>
+              <a:t>stree</a:t>
+            </a:r>
+            <a:r>
+              <a:rPr lang="en-US" sz="1800" b="1" dirty="0">
+                <a:latin typeface="Consolas" pitchFamily="49" charset="0"/>
+                <a:cs typeface="Consolas" pitchFamily="49" charset="0"/>
+              </a:rPr>
+              <a:t>) (+ n 1)))]))</a:t>
+            </a:r>
           </a:p>
         </p:txBody>
       </p:sp>
@@ -11469,18 +11004,13 @@
           <a:p>
             <a:pPr algn="ctr"/>
             <a:r>
-              <a:rPr lang="en-US" dirty="0" smtClean="0">
+              <a:rPr lang="en-US" dirty="0">
                 <a:solidFill>
                   <a:schemeClr val="tx1"/>
                 </a:solidFill>
               </a:rPr>
               <a:t>The invariant tells us where we are in the whole tree</a:t>
             </a:r>
-            <a:endParaRPr lang="en-US" dirty="0">
-              <a:solidFill>
-                <a:schemeClr val="tx1"/>
-              </a:solidFill>
-            </a:endParaRPr>
           </a:p>
         </p:txBody>
       </p:sp>
@@ -11531,18 +11061,13 @@
           <a:p>
             <a:pPr algn="ctr"/>
             <a:r>
-              <a:rPr lang="en-US" dirty="0" smtClean="0">
+              <a:rPr lang="en-US" dirty="0">
                 <a:solidFill>
                   <a:schemeClr val="tx1"/>
                 </a:solidFill>
               </a:rPr>
               <a:t>The RETURNS clause tells us how our answer fits into the original problem.</a:t>
             </a:r>
-            <a:endParaRPr lang="en-US" dirty="0">
-              <a:solidFill>
-                <a:schemeClr val="tx1"/>
-              </a:solidFill>
-            </a:endParaRPr>
           </a:p>
         </p:txBody>
       </p:sp>
@@ -11788,7 +11313,7 @@
           <a:p>
             <a:pPr algn="ctr"/>
             <a:r>
-              <a:rPr lang="en-US" dirty="0" smtClean="0">
+              <a:rPr lang="en-US" dirty="0">
                 <a:solidFill>
                   <a:schemeClr val="tx1"/>
                 </a:solidFill>
@@ -11796,7 +11321,7 @@
               <a:t>If </a:t>
             </a:r>
             <a:r>
-              <a:rPr lang="en-US" b="1" dirty="0" err="1" smtClean="0">
+              <a:rPr lang="en-US" b="1" dirty="0" err="1">
                 <a:solidFill>
                   <a:schemeClr val="tx1"/>
                 </a:solidFill>
@@ -11804,7 +11329,7 @@
               <a:t>stree</a:t>
             </a:r>
             <a:r>
-              <a:rPr lang="en-US" dirty="0" smtClean="0">
+              <a:rPr lang="en-US" dirty="0">
                 <a:solidFill>
                   <a:schemeClr val="tx1"/>
                 </a:solidFill>
@@ -11812,7 +11337,7 @@
               <a:t> is at depth </a:t>
             </a:r>
             <a:r>
-              <a:rPr lang="en-US" b="1" dirty="0" smtClean="0">
+              <a:rPr lang="en-US" b="1" dirty="0">
                 <a:solidFill>
                   <a:schemeClr val="tx1"/>
                 </a:solidFill>
@@ -11820,7 +11345,7 @@
               <a:t>n</a:t>
             </a:r>
             <a:r>
-              <a:rPr lang="en-US" dirty="0" smtClean="0">
+              <a:rPr lang="en-US" dirty="0">
                 <a:solidFill>
                   <a:schemeClr val="tx1"/>
                 </a:solidFill>
@@ -11828,7 +11353,7 @@
               <a:t>, then its sons are depth </a:t>
             </a:r>
             <a:r>
-              <a:rPr lang="en-US" b="1" dirty="0" smtClean="0">
+              <a:rPr lang="en-US" b="1" dirty="0">
                 <a:solidFill>
                   <a:schemeClr val="tx1"/>
                 </a:solidFill>
@@ -11836,18 +11361,13 @@
               <a:t>n+1</a:t>
             </a:r>
             <a:r>
-              <a:rPr lang="en-US" dirty="0" smtClean="0">
+              <a:rPr lang="en-US" dirty="0">
                 <a:solidFill>
                   <a:schemeClr val="tx1"/>
                 </a:solidFill>
               </a:rPr>
               <a:t>.  So the WHERE clause is satisfied at each recursive call.</a:t>
             </a:r>
-            <a:endParaRPr lang="en-US" dirty="0">
-              <a:solidFill>
-                <a:schemeClr val="tx1"/>
-              </a:solidFill>
-            </a:endParaRPr>
           </a:p>
         </p:txBody>
       </p:sp>
@@ -12373,10 +11893,9 @@
           <a:lstStyle/>
           <a:p>
             <a:r>
-              <a:rPr lang="en-US" dirty="0" smtClean="0"/>
+              <a:rPr lang="en-US" dirty="0"/>
               <a:t>And we need to reconstruct the original function, as usual</a:t>
             </a:r>
-            <a:endParaRPr lang="en-US" dirty="0"/>
           </a:p>
         </p:txBody>
       </p:sp>
@@ -12400,30 +11919,18 @@
             <a:pPr marL="0" indent="0"/>
             <a:r>
               <a:rPr lang="en-US" sz="2000" dirty="0"/>
-              <a:t>;; </a:t>
-            </a:r>
-            <a:r>
-              <a:rPr lang="en-US" sz="2000" dirty="0" smtClean="0"/>
-              <a:t>mark-tree </a:t>
+              <a:t>;; mark-tree : </a:t>
+            </a:r>
+            <a:r>
+              <a:rPr lang="en-US" sz="2000" dirty="0" err="1"/>
+              <a:t>BinTreeOfX</a:t>
             </a:r>
             <a:r>
               <a:rPr lang="en-US" sz="2000" dirty="0"/>
-              <a:t>: </a:t>
-            </a:r>
-            <a:r>
-              <a:rPr lang="en-US" sz="2000" dirty="0" err="1" smtClean="0"/>
-              <a:t>BinTreeOfX</a:t>
-            </a:r>
-            <a:r>
-              <a:rPr lang="en-US" sz="2000" dirty="0" smtClean="0"/>
-              <a:t> </a:t>
-            </a:r>
-            <a:r>
-              <a:rPr lang="en-US" sz="2000" dirty="0" smtClean="0"/>
-              <a:t>-&gt; </a:t>
-            </a:r>
-            <a:r>
-              <a:rPr lang="en-US" sz="2000" dirty="0" err="1" smtClean="0"/>
+              <a:t> -&gt; </a:t>
+            </a:r>
+            <a:r>
+              <a:rPr lang="en-US" sz="2000" dirty="0" err="1"/>
               <a:t>BinTreeOfNumber</a:t>
             </a:r>
             <a:endParaRPr lang="en-US" sz="2000" dirty="0"/>
@@ -12432,31 +11939,14 @@
             <a:pPr marL="0" indent="0"/>
             <a:r>
               <a:rPr lang="en-US" sz="2000" dirty="0"/>
-              <a:t>;; GIVEN: a </a:t>
-            </a:r>
-            <a:r>
-              <a:rPr lang="en-US" sz="2000" dirty="0" smtClean="0"/>
-              <a:t>binary tree</a:t>
-            </a:r>
-            <a:endParaRPr lang="en-US" sz="2000" dirty="0"/>
+              <a:t>;; GIVEN: a binary tree</a:t>
+            </a:r>
           </a:p>
           <a:p>
             <a:pPr marL="0" indent="0"/>
             <a:r>
-              <a:rPr lang="en-US" sz="2000" dirty="0" smtClean="0"/>
-              <a:t>;; </a:t>
-            </a:r>
-            <a:r>
               <a:rPr lang="en-US" sz="2000" dirty="0"/>
-              <a:t>RETURNS: a tree the same shape as </a:t>
-            </a:r>
-            <a:r>
-              <a:rPr lang="en-US" sz="2000" dirty="0" smtClean="0"/>
-              <a:t>tree</a:t>
-            </a:r>
-            <a:r>
-              <a:rPr lang="en-US" sz="2000" dirty="0"/>
-              <a:t>, but in which </a:t>
+              <a:t>;; RETURNS: a tree the same shape as tree, but in which </a:t>
             </a:r>
           </a:p>
           <a:p>
@@ -12465,26 +11955,25 @@
               <a:rPr lang="en-US" sz="2000" dirty="0"/>
               <a:t>;; each node is marked with its distance from the top of </a:t>
             </a:r>
-            <a:endParaRPr lang="en-US" sz="2000" dirty="0" smtClean="0"/>
           </a:p>
           <a:p>
             <a:pPr marL="0" indent="0"/>
             <a:r>
-              <a:rPr lang="en-US" sz="2000" dirty="0" smtClean="0"/>
+              <a:rPr lang="en-US" sz="2000" dirty="0"/>
               <a:t>;; the tree</a:t>
             </a:r>
           </a:p>
           <a:p>
             <a:pPr marL="0" indent="0"/>
             <a:r>
-              <a:rPr lang="en-US" sz="2000" dirty="0" smtClean="0"/>
+              <a:rPr lang="en-US" sz="2000" dirty="0"/>
               <a:t>;; STRATEGY: call a more general function</a:t>
             </a:r>
           </a:p>
           <a:p>
             <a:pPr marL="0" indent="0"/>
             <a:r>
-              <a:rPr lang="en-US" sz="2000" dirty="0" smtClean="0"/>
+              <a:rPr lang="en-US" sz="2000" dirty="0"/>
               <a:t>(define (mark-tree tree)</a:t>
             </a:r>
           </a:p>
@@ -12492,21 +11981,16 @@
             <a:pPr marL="0" indent="0"/>
             <a:r>
               <a:rPr lang="en-US" sz="2000" dirty="0"/>
-              <a:t> </a:t>
-            </a:r>
-            <a:r>
-              <a:rPr lang="en-US" sz="2000" dirty="0" smtClean="0"/>
-              <a:t> (mark-</a:t>
-            </a:r>
-            <a:r>
-              <a:rPr lang="en-US" sz="2000" dirty="0" err="1" smtClean="0"/>
+              <a:t>  (mark-</a:t>
+            </a:r>
+            <a:r>
+              <a:rPr lang="en-US" sz="2000" dirty="0" err="1"/>
               <a:t>subtree</a:t>
             </a:r>
             <a:r>
-              <a:rPr lang="en-US" sz="2000" dirty="0" smtClean="0"/>
+              <a:rPr lang="en-US" sz="2000" dirty="0"/>
               <a:t> tree 0))</a:t>
             </a:r>
-            <a:endParaRPr lang="en-US" sz="2000" dirty="0"/>
           </a:p>
         </p:txBody>
       </p:sp>
@@ -12593,7 +12077,7 @@
           <a:p>
             <a:pPr algn="ctr"/>
             <a:r>
-              <a:rPr lang="en-US" dirty="0" smtClean="0">
+              <a:rPr lang="en-US" dirty="0">
                 <a:solidFill>
                   <a:schemeClr val="tx1"/>
                 </a:solidFill>
@@ -12601,7 +12085,7 @@
               <a:t>The whole tree is a </a:t>
             </a:r>
             <a:r>
-              <a:rPr lang="en-US" dirty="0" err="1" smtClean="0">
+              <a:rPr lang="en-US" dirty="0" err="1">
                 <a:solidFill>
                   <a:schemeClr val="tx1"/>
                 </a:solidFill>
@@ -12609,7 +12093,7 @@
               <a:t>subtree</a:t>
             </a:r>
             <a:r>
-              <a:rPr lang="en-US" dirty="0" smtClean="0">
+              <a:rPr lang="en-US" dirty="0">
                 <a:solidFill>
                   <a:schemeClr val="tx1"/>
                 </a:solidFill>
@@ -12617,7 +12101,7 @@
               <a:t>, and its top node is at depth 0, so the invariant of mark-</a:t>
             </a:r>
             <a:r>
-              <a:rPr lang="en-US" dirty="0" err="1" smtClean="0">
+              <a:rPr lang="en-US" dirty="0" err="1">
                 <a:solidFill>
                   <a:schemeClr val="tx1"/>
                 </a:solidFill>
@@ -12625,18 +12109,13 @@
               <a:t>subtree</a:t>
             </a:r>
             <a:r>
-              <a:rPr lang="en-US" dirty="0" smtClean="0">
+              <a:rPr lang="en-US" dirty="0">
                 <a:solidFill>
                   <a:schemeClr val="tx1"/>
                 </a:solidFill>
               </a:rPr>
               <a:t> is satisfied.</a:t>
             </a:r>
-            <a:endParaRPr lang="en-US" dirty="0">
-              <a:solidFill>
-                <a:schemeClr val="tx1"/>
-              </a:solidFill>
-            </a:endParaRPr>
           </a:p>
         </p:txBody>
       </p:sp>
@@ -12650,13 +12129,6 @@
   <p:clrMapOvr>
     <a:masterClrMapping/>
   </p:clrMapOvr>
-  <p:timing>
-    <p:tnLst>
-      <p:par>
-        <p:cTn id="1" dur="indefinite" restart="never" nodeType="tmRoot"/>
-      </p:par>
-    </p:tnLst>
-  </p:timing>
 </p:sld>
 </file>
 

--- a/Slides/Lesson 7.2 More Examples of Invariants.pptx
+++ b/Slides/Lesson 7.2 More Examples of Invariants.pptx
@@ -225,7 +225,7 @@
           <a:p>
             <a:fld id="{CA5085ED-56B4-45A6-801A-98AC77E76501}" type="datetimeFigureOut">
               <a:rPr lang="en-US" smtClean="0"/>
-              <a:t>9/30/2016</a:t>
+              <a:t>10/15/2016</a:t>
             </a:fld>
             <a:endParaRPr lang="en-US"/>
           </a:p>
@@ -1188,7 +1188,7 @@
           <a:p>
             <a:fld id="{2F1F79F5-7BEC-496A-AFC7-876E38F64D71}" type="datetime1">
               <a:rPr lang="en-US" smtClean="0"/>
-              <a:t>9/30/2016</a:t>
+              <a:t>10/15/2016</a:t>
             </a:fld>
             <a:endParaRPr lang="en-US"/>
           </a:p>
@@ -1283,7 +1283,7 @@
           <a:p>
             <a:fld id="{0A05703A-7669-4FEA-9056-25299B4D29D4}" type="datetime1">
               <a:rPr lang="en-US" smtClean="0"/>
-              <a:t>9/30/2016</a:t>
+              <a:t>10/15/2016</a:t>
             </a:fld>
             <a:endParaRPr lang="en-US"/>
           </a:p>
@@ -1558,7 +1558,7 @@
           <a:p>
             <a:fld id="{6E5077B5-BB57-49DB-88CA-226A139E5C01}" type="datetime1">
               <a:rPr lang="en-US" smtClean="0"/>
-              <a:t>9/30/2016</a:t>
+              <a:t>10/15/2016</a:t>
             </a:fld>
             <a:endParaRPr lang="en-US"/>
           </a:p>
@@ -1810,7 +1810,7 @@
           <a:p>
             <a:fld id="{C48D9447-CBD6-49A1-89FD-8512A8CF8999}" type="datetime1">
               <a:rPr lang="en-US" smtClean="0"/>
-              <a:t>9/30/2016</a:t>
+              <a:t>10/15/2016</a:t>
             </a:fld>
             <a:endParaRPr lang="en-US"/>
           </a:p>
@@ -1978,7 +1978,7 @@
           <a:p>
             <a:fld id="{A3639A2A-823D-48B7-9ACE-7FAF42870BA9}" type="datetime1">
               <a:rPr lang="en-US" smtClean="0"/>
-              <a:t>9/30/2016</a:t>
+              <a:t>10/15/2016</a:t>
             </a:fld>
             <a:endParaRPr lang="en-US"/>
           </a:p>
@@ -2156,7 +2156,7 @@
           <a:p>
             <a:fld id="{ED1B6996-82E9-463C-972C-7B56056E426C}" type="datetime1">
               <a:rPr lang="en-US" smtClean="0"/>
-              <a:t>9/30/2016</a:t>
+              <a:t>10/15/2016</a:t>
             </a:fld>
             <a:endParaRPr lang="en-US"/>
           </a:p>
@@ -2330,7 +2330,7 @@
           <a:p>
             <a:fld id="{E22ED4DA-448D-4BB1-B935-CC112220207B}" type="datetime1">
               <a:rPr lang="en-US" smtClean="0"/>
-              <a:t>9/30/2016</a:t>
+              <a:t>10/15/2016</a:t>
             </a:fld>
             <a:endParaRPr lang="en-US"/>
           </a:p>
@@ -2503,7 +2503,7 @@
           <a:p>
             <a:fld id="{E22ED4DA-448D-4BB1-B935-CC112220207B}" type="datetime1">
               <a:rPr lang="en-US" smtClean="0"/>
-              <a:t>9/30/2016</a:t>
+              <a:t>10/15/2016</a:t>
             </a:fld>
             <a:endParaRPr lang="en-US"/>
           </a:p>
@@ -2763,7 +2763,7 @@
           <a:p>
             <a:fld id="{FF5D65A6-AB94-4435-B0B7-3743215FA46C}" type="datetime1">
               <a:rPr lang="en-US" smtClean="0"/>
-              <a:t>9/30/2016</a:t>
+              <a:t>10/15/2016</a:t>
             </a:fld>
             <a:endParaRPr lang="en-US"/>
           </a:p>
@@ -2939,7 +2939,7 @@
           <a:p>
             <a:fld id="{FF5D65A6-AB94-4435-B0B7-3743215FA46C}" type="datetime1">
               <a:rPr lang="en-US" smtClean="0"/>
-              <a:t>9/30/2016</a:t>
+              <a:t>10/15/2016</a:t>
             </a:fld>
             <a:endParaRPr lang="en-US"/>
           </a:p>
@@ -3233,7 +3233,7 @@
           <a:p>
             <a:fld id="{7C193DC4-6EF0-48C9-B29C-616106A645E1}" type="datetime1">
               <a:rPr lang="en-US" smtClean="0"/>
-              <a:t>9/30/2016</a:t>
+              <a:t>10/15/2016</a:t>
             </a:fld>
             <a:endParaRPr lang="en-US"/>
           </a:p>
@@ -3518,7 +3518,7 @@
           <a:p>
             <a:fld id="{5D1846AD-9252-4647-9435-4C2AC365653A}" type="datetime1">
               <a:rPr lang="en-US" smtClean="0"/>
-              <a:t>9/30/2016</a:t>
+              <a:t>10/15/2016</a:t>
             </a:fld>
             <a:endParaRPr lang="en-US"/>
           </a:p>
@@ -3937,7 +3937,7 @@
           <a:p>
             <a:fld id="{CE56DC10-3561-4063-A6AF-C1CC7A41040A}" type="datetime1">
               <a:rPr lang="en-US" smtClean="0"/>
-              <a:t>9/30/2016</a:t>
+              <a:t>10/15/2016</a:t>
             </a:fld>
             <a:endParaRPr lang="en-US"/>
           </a:p>
@@ -4054,7 +4054,7 @@
           <a:p>
             <a:fld id="{2F7B77F5-1464-4F6B-92A8-64FC8A508293}" type="datetime1">
               <a:rPr lang="en-US" smtClean="0"/>
-              <a:t>9/30/2016</a:t>
+              <a:t>10/15/2016</a:t>
             </a:fld>
             <a:endParaRPr lang="en-US"/>
           </a:p>
@@ -4277,7 +4277,7 @@
           <a:p>
             <a:fld id="{02B3F677-983B-48DB-ADFD-63FE6CBC7FB2}" type="datetime1">
               <a:rPr lang="en-US" smtClean="0"/>
-              <a:t>9/30/2016</a:t>
+              <a:t>10/15/2016</a:t>
             </a:fld>
             <a:endParaRPr lang="en-US"/>
           </a:p>
@@ -4808,7 +4808,7 @@
             <a:p>
               <a:r>
                 <a:rPr lang="en-US" sz="1000" dirty="0"/>
-                <a:t>© Mitchell Wand, 2012-2015</a:t>
+                <a:t>© Mitchell Wand, 2012-2016</a:t>
               </a:r>
             </a:p>
             <a:p>
@@ -5559,7 +5559,9 @@
               <a:lumOff val="60000"/>
             </a:schemeClr>
           </a:solidFill>
-          <a:ln/>
+          <a:ln>
+            <a:noFill/>
+          </a:ln>
         </p:spPr>
         <p:style>
           <a:lnRef idx="2">
@@ -5632,7 +5634,9 @@
               <a:lumOff val="60000"/>
             </a:schemeClr>
           </a:solidFill>
-          <a:ln/>
+          <a:ln>
+            <a:noFill/>
+          </a:ln>
         </p:spPr>
         <p:style>
           <a:lnRef idx="2">
@@ -5758,7 +5762,9 @@
               <a:lumOff val="60000"/>
             </a:schemeClr>
           </a:solidFill>
-          <a:ln/>
+          <a:ln>
+            <a:noFill/>
+          </a:ln>
         </p:spPr>
         <p:style>
           <a:lnRef idx="2">
@@ -6391,40 +6397,14 @@
           <a:prstGeom prst="rect">
             <a:avLst/>
           </a:prstGeom>
-          <a:gradFill flip="none" rotWithShape="1">
-            <a:gsLst>
-              <a:gs pos="0">
-                <a:schemeClr val="accent3">
-                  <a:lumMod val="60000"/>
-                  <a:lumOff val="40000"/>
-                  <a:tint val="66000"/>
-                  <a:satMod val="160000"/>
-                </a:schemeClr>
-              </a:gs>
-              <a:gs pos="50000">
-                <a:schemeClr val="accent3">
-                  <a:lumMod val="60000"/>
-                  <a:lumOff val="40000"/>
-                  <a:tint val="44500"/>
-                  <a:satMod val="160000"/>
-                </a:schemeClr>
-              </a:gs>
-              <a:gs pos="100000">
-                <a:schemeClr val="accent3">
-                  <a:lumMod val="60000"/>
-                  <a:lumOff val="40000"/>
-                  <a:tint val="23500"/>
-                  <a:satMod val="160000"/>
-                </a:schemeClr>
-              </a:gs>
-            </a:gsLst>
-            <a:lin ang="5400000" scaled="1"/>
-            <a:tileRect/>
-          </a:gradFill>
+          <a:solidFill>
+            <a:schemeClr val="accent3">
+              <a:lumMod val="40000"/>
+              <a:lumOff val="60000"/>
+            </a:schemeClr>
+          </a:solidFill>
           <a:ln w="12700">
-            <a:solidFill>
-              <a:schemeClr val="tx1"/>
-            </a:solidFill>
+            <a:noFill/>
           </a:ln>
         </p:spPr>
         <p:style>
@@ -6506,40 +6486,14 @@
           <a:prstGeom prst="rect">
             <a:avLst/>
           </a:prstGeom>
-          <a:gradFill flip="none" rotWithShape="1">
-            <a:gsLst>
-              <a:gs pos="0">
-                <a:schemeClr val="accent3">
-                  <a:lumMod val="60000"/>
-                  <a:lumOff val="40000"/>
-                  <a:tint val="66000"/>
-                  <a:satMod val="160000"/>
-                </a:schemeClr>
-              </a:gs>
-              <a:gs pos="50000">
-                <a:schemeClr val="accent3">
-                  <a:lumMod val="60000"/>
-                  <a:lumOff val="40000"/>
-                  <a:tint val="44500"/>
-                  <a:satMod val="160000"/>
-                </a:schemeClr>
-              </a:gs>
-              <a:gs pos="100000">
-                <a:schemeClr val="accent3">
-                  <a:lumMod val="60000"/>
-                  <a:lumOff val="40000"/>
-                  <a:tint val="23500"/>
-                  <a:satMod val="160000"/>
-                </a:schemeClr>
-              </a:gs>
-            </a:gsLst>
-            <a:lin ang="5400000" scaled="1"/>
-            <a:tileRect/>
-          </a:gradFill>
+          <a:solidFill>
+            <a:schemeClr val="accent3">
+              <a:lumMod val="40000"/>
+              <a:lumOff val="60000"/>
+            </a:schemeClr>
+          </a:solidFill>
           <a:ln w="12700">
-            <a:solidFill>
-              <a:schemeClr val="tx1"/>
-            </a:solidFill>
+            <a:noFill/>
           </a:ln>
         </p:spPr>
         <p:style>
@@ -6593,7 +6547,9 @@
               <a:lumOff val="60000"/>
             </a:schemeClr>
           </a:solidFill>
-          <a:ln/>
+          <a:ln>
+            <a:noFill/>
+          </a:ln>
         </p:spPr>
         <p:style>
           <a:lnRef idx="2">
@@ -6925,7 +6881,9 @@
               <a:lumOff val="60000"/>
             </a:schemeClr>
           </a:solidFill>
-          <a:ln/>
+          <a:ln>
+            <a:noFill/>
+          </a:ln>
         </p:spPr>
         <p:style>
           <a:lnRef idx="2">
@@ -7052,7 +7010,9 @@
               <a:lumOff val="60000"/>
             </a:schemeClr>
           </a:solidFill>
-          <a:ln/>
+          <a:ln>
+            <a:noFill/>
+          </a:ln>
         </p:spPr>
         <p:style>
           <a:lnRef idx="2">
@@ -7743,7 +7703,7 @@
         </p:nvSpPr>
         <p:spPr>
           <a:xfrm>
-            <a:off x="4648200" y="4191000"/>
+            <a:off x="4648200" y="4222750"/>
             <a:ext cx="3505200" cy="2133600"/>
           </a:xfrm>
           <a:prstGeom prst="rect">
@@ -7755,7 +7715,9 @@
               <a:lumOff val="60000"/>
             </a:schemeClr>
           </a:solidFill>
-          <a:ln/>
+          <a:ln>
+            <a:noFill/>
+          </a:ln>
         </p:spPr>
         <p:style>
           <a:lnRef idx="2">
@@ -9559,7 +9521,9 @@
               <a:lumOff val="60000"/>
             </a:schemeClr>
           </a:solidFill>
-          <a:ln/>
+          <a:ln>
+            <a:noFill/>
+          </a:ln>
         </p:spPr>
         <p:style>
           <a:lnRef idx="2">
@@ -9957,7 +9921,9 @@
               <a:lumOff val="60000"/>
             </a:schemeClr>
           </a:solidFill>
-          <a:ln/>
+          <a:ln>
+            <a:noFill/>
+          </a:ln>
         </p:spPr>
         <p:style>
           <a:lnRef idx="2">
@@ -10267,7 +10233,15 @@
           <a:prstGeom prst="rect">
             <a:avLst/>
           </a:prstGeom>
-          <a:ln/>
+          <a:solidFill>
+            <a:schemeClr val="accent1">
+              <a:lumMod val="20000"/>
+              <a:lumOff val="80000"/>
+            </a:schemeClr>
+          </a:solidFill>
+          <a:ln>
+            <a:noFill/>
+          </a:ln>
         </p:spPr>
         <p:style>
           <a:lnRef idx="1">
@@ -10977,7 +10951,9 @@
               <a:lumOff val="60000"/>
             </a:schemeClr>
           </a:solidFill>
-          <a:ln/>
+          <a:ln>
+            <a:noFill/>
+          </a:ln>
         </p:spPr>
         <p:style>
           <a:lnRef idx="2">
@@ -11034,7 +11010,9 @@
               <a:lumOff val="60000"/>
             </a:schemeClr>
           </a:solidFill>
-          <a:ln/>
+          <a:ln>
+            <a:noFill/>
+          </a:ln>
         </p:spPr>
         <p:style>
           <a:lnRef idx="2">
@@ -11286,7 +11264,9 @@
               <a:lumOff val="60000"/>
             </a:schemeClr>
           </a:solidFill>
-          <a:ln/>
+          <a:ln>
+            <a:noFill/>
+          </a:ln>
         </p:spPr>
         <p:style>
           <a:lnRef idx="2">
@@ -12050,7 +12030,9 @@
               <a:lumOff val="60000"/>
             </a:schemeClr>
           </a:solidFill>
-          <a:ln/>
+          <a:ln>
+            <a:noFill/>
+          </a:ln>
         </p:spPr>
         <p:style>
           <a:lnRef idx="2">

--- a/Slides/Lesson 7.2 More Examples of Invariants.pptx
+++ b/Slides/Lesson 7.2 More Examples of Invariants.pptx
@@ -225,7 +225,7 @@
           <a:p>
             <a:fld id="{CA5085ED-56B4-45A6-801A-98AC77E76501}" type="datetimeFigureOut">
               <a:rPr lang="en-US" smtClean="0"/>
-              <a:t>10/15/2016</a:t>
+              <a:t>10/23/2016</a:t>
             </a:fld>
             <a:endParaRPr lang="en-US"/>
           </a:p>
@@ -1188,7 +1188,7 @@
           <a:p>
             <a:fld id="{2F1F79F5-7BEC-496A-AFC7-876E38F64D71}" type="datetime1">
               <a:rPr lang="en-US" smtClean="0"/>
-              <a:t>10/15/2016</a:t>
+              <a:t>10/23/2016</a:t>
             </a:fld>
             <a:endParaRPr lang="en-US"/>
           </a:p>
@@ -1283,7 +1283,7 @@
           <a:p>
             <a:fld id="{0A05703A-7669-4FEA-9056-25299B4D29D4}" type="datetime1">
               <a:rPr lang="en-US" smtClean="0"/>
-              <a:t>10/15/2016</a:t>
+              <a:t>10/23/2016</a:t>
             </a:fld>
             <a:endParaRPr lang="en-US"/>
           </a:p>
@@ -1558,7 +1558,7 @@
           <a:p>
             <a:fld id="{6E5077B5-BB57-49DB-88CA-226A139E5C01}" type="datetime1">
               <a:rPr lang="en-US" smtClean="0"/>
-              <a:t>10/15/2016</a:t>
+              <a:t>10/23/2016</a:t>
             </a:fld>
             <a:endParaRPr lang="en-US"/>
           </a:p>
@@ -1810,7 +1810,7 @@
           <a:p>
             <a:fld id="{C48D9447-CBD6-49A1-89FD-8512A8CF8999}" type="datetime1">
               <a:rPr lang="en-US" smtClean="0"/>
-              <a:t>10/15/2016</a:t>
+              <a:t>10/23/2016</a:t>
             </a:fld>
             <a:endParaRPr lang="en-US"/>
           </a:p>
@@ -1978,7 +1978,7 @@
           <a:p>
             <a:fld id="{A3639A2A-823D-48B7-9ACE-7FAF42870BA9}" type="datetime1">
               <a:rPr lang="en-US" smtClean="0"/>
-              <a:t>10/15/2016</a:t>
+              <a:t>10/23/2016</a:t>
             </a:fld>
             <a:endParaRPr lang="en-US"/>
           </a:p>
@@ -2156,7 +2156,7 @@
           <a:p>
             <a:fld id="{ED1B6996-82E9-463C-972C-7B56056E426C}" type="datetime1">
               <a:rPr lang="en-US" smtClean="0"/>
-              <a:t>10/15/2016</a:t>
+              <a:t>10/23/2016</a:t>
             </a:fld>
             <a:endParaRPr lang="en-US"/>
           </a:p>
@@ -2330,7 +2330,7 @@
           <a:p>
             <a:fld id="{E22ED4DA-448D-4BB1-B935-CC112220207B}" type="datetime1">
               <a:rPr lang="en-US" smtClean="0"/>
-              <a:t>10/15/2016</a:t>
+              <a:t>10/23/2016</a:t>
             </a:fld>
             <a:endParaRPr lang="en-US"/>
           </a:p>
@@ -2503,7 +2503,7 @@
           <a:p>
             <a:fld id="{E22ED4DA-448D-4BB1-B935-CC112220207B}" type="datetime1">
               <a:rPr lang="en-US" smtClean="0"/>
-              <a:t>10/15/2016</a:t>
+              <a:t>10/23/2016</a:t>
             </a:fld>
             <a:endParaRPr lang="en-US"/>
           </a:p>
@@ -2763,7 +2763,7 @@
           <a:p>
             <a:fld id="{FF5D65A6-AB94-4435-B0B7-3743215FA46C}" type="datetime1">
               <a:rPr lang="en-US" smtClean="0"/>
-              <a:t>10/15/2016</a:t>
+              <a:t>10/23/2016</a:t>
             </a:fld>
             <a:endParaRPr lang="en-US"/>
           </a:p>
@@ -2939,7 +2939,7 @@
           <a:p>
             <a:fld id="{FF5D65A6-AB94-4435-B0B7-3743215FA46C}" type="datetime1">
               <a:rPr lang="en-US" smtClean="0"/>
-              <a:t>10/15/2016</a:t>
+              <a:t>10/23/2016</a:t>
             </a:fld>
             <a:endParaRPr lang="en-US"/>
           </a:p>
@@ -3233,7 +3233,7 @@
           <a:p>
             <a:fld id="{7C193DC4-6EF0-48C9-B29C-616106A645E1}" type="datetime1">
               <a:rPr lang="en-US" smtClean="0"/>
-              <a:t>10/15/2016</a:t>
+              <a:t>10/23/2016</a:t>
             </a:fld>
             <a:endParaRPr lang="en-US"/>
           </a:p>
@@ -3518,7 +3518,7 @@
           <a:p>
             <a:fld id="{5D1846AD-9252-4647-9435-4C2AC365653A}" type="datetime1">
               <a:rPr lang="en-US" smtClean="0"/>
-              <a:t>10/15/2016</a:t>
+              <a:t>10/23/2016</a:t>
             </a:fld>
             <a:endParaRPr lang="en-US"/>
           </a:p>
@@ -3937,7 +3937,7 @@
           <a:p>
             <a:fld id="{CE56DC10-3561-4063-A6AF-C1CC7A41040A}" type="datetime1">
               <a:rPr lang="en-US" smtClean="0"/>
-              <a:t>10/15/2016</a:t>
+              <a:t>10/23/2016</a:t>
             </a:fld>
             <a:endParaRPr lang="en-US"/>
           </a:p>
@@ -4054,7 +4054,7 @@
           <a:p>
             <a:fld id="{2F7B77F5-1464-4F6B-92A8-64FC8A508293}" type="datetime1">
               <a:rPr lang="en-US" smtClean="0"/>
-              <a:t>10/15/2016</a:t>
+              <a:t>10/23/2016</a:t>
             </a:fld>
             <a:endParaRPr lang="en-US"/>
           </a:p>
@@ -4277,7 +4277,7 @@
           <a:p>
             <a:fld id="{02B3F677-983B-48DB-ADFD-63FE6CBC7FB2}" type="datetime1">
               <a:rPr lang="en-US" smtClean="0"/>
-              <a:t>10/15/2016</a:t>
+              <a:t>10/23/2016</a:t>
             </a:fld>
             <a:endParaRPr lang="en-US"/>
           </a:p>
@@ -4808,7 +4808,7 @@
             <a:p>
               <a:r>
                 <a:rPr lang="en-US" sz="1000" dirty="0"/>
-                <a:t>© Mitchell Wand, 2012-2016</a:t>
+                <a:t>© Mitchell Wand, 2012-2015</a:t>
               </a:r>
             </a:p>
             <a:p>
@@ -5559,9 +5559,7 @@
               <a:lumOff val="60000"/>
             </a:schemeClr>
           </a:solidFill>
-          <a:ln>
-            <a:noFill/>
-          </a:ln>
+          <a:ln/>
         </p:spPr>
         <p:style>
           <a:lnRef idx="2">
@@ -5634,9 +5632,7 @@
               <a:lumOff val="60000"/>
             </a:schemeClr>
           </a:solidFill>
-          <a:ln>
-            <a:noFill/>
-          </a:ln>
+          <a:ln/>
         </p:spPr>
         <p:style>
           <a:lnRef idx="2">
@@ -5762,9 +5758,7 @@
               <a:lumOff val="60000"/>
             </a:schemeClr>
           </a:solidFill>
-          <a:ln>
-            <a:noFill/>
-          </a:ln>
+          <a:ln/>
         </p:spPr>
         <p:style>
           <a:lnRef idx="2">
@@ -6397,14 +6391,40 @@
           <a:prstGeom prst="rect">
             <a:avLst/>
           </a:prstGeom>
-          <a:solidFill>
-            <a:schemeClr val="accent3">
-              <a:lumMod val="40000"/>
-              <a:lumOff val="60000"/>
-            </a:schemeClr>
-          </a:solidFill>
+          <a:gradFill flip="none" rotWithShape="1">
+            <a:gsLst>
+              <a:gs pos="0">
+                <a:schemeClr val="accent3">
+                  <a:lumMod val="60000"/>
+                  <a:lumOff val="40000"/>
+                  <a:tint val="66000"/>
+                  <a:satMod val="160000"/>
+                </a:schemeClr>
+              </a:gs>
+              <a:gs pos="50000">
+                <a:schemeClr val="accent3">
+                  <a:lumMod val="60000"/>
+                  <a:lumOff val="40000"/>
+                  <a:tint val="44500"/>
+                  <a:satMod val="160000"/>
+                </a:schemeClr>
+              </a:gs>
+              <a:gs pos="100000">
+                <a:schemeClr val="accent3">
+                  <a:lumMod val="60000"/>
+                  <a:lumOff val="40000"/>
+                  <a:tint val="23500"/>
+                  <a:satMod val="160000"/>
+                </a:schemeClr>
+              </a:gs>
+            </a:gsLst>
+            <a:lin ang="5400000" scaled="1"/>
+            <a:tileRect/>
+          </a:gradFill>
           <a:ln w="12700">
-            <a:noFill/>
+            <a:solidFill>
+              <a:schemeClr val="tx1"/>
+            </a:solidFill>
           </a:ln>
         </p:spPr>
         <p:style>
@@ -6486,14 +6506,40 @@
           <a:prstGeom prst="rect">
             <a:avLst/>
           </a:prstGeom>
-          <a:solidFill>
-            <a:schemeClr val="accent3">
-              <a:lumMod val="40000"/>
-              <a:lumOff val="60000"/>
-            </a:schemeClr>
-          </a:solidFill>
+          <a:gradFill flip="none" rotWithShape="1">
+            <a:gsLst>
+              <a:gs pos="0">
+                <a:schemeClr val="accent3">
+                  <a:lumMod val="60000"/>
+                  <a:lumOff val="40000"/>
+                  <a:tint val="66000"/>
+                  <a:satMod val="160000"/>
+                </a:schemeClr>
+              </a:gs>
+              <a:gs pos="50000">
+                <a:schemeClr val="accent3">
+                  <a:lumMod val="60000"/>
+                  <a:lumOff val="40000"/>
+                  <a:tint val="44500"/>
+                  <a:satMod val="160000"/>
+                </a:schemeClr>
+              </a:gs>
+              <a:gs pos="100000">
+                <a:schemeClr val="accent3">
+                  <a:lumMod val="60000"/>
+                  <a:lumOff val="40000"/>
+                  <a:tint val="23500"/>
+                  <a:satMod val="160000"/>
+                </a:schemeClr>
+              </a:gs>
+            </a:gsLst>
+            <a:lin ang="5400000" scaled="1"/>
+            <a:tileRect/>
+          </a:gradFill>
           <a:ln w="12700">
-            <a:noFill/>
+            <a:solidFill>
+              <a:schemeClr val="tx1"/>
+            </a:solidFill>
           </a:ln>
         </p:spPr>
         <p:style>
@@ -6547,9 +6593,7 @@
               <a:lumOff val="60000"/>
             </a:schemeClr>
           </a:solidFill>
-          <a:ln>
-            <a:noFill/>
-          </a:ln>
+          <a:ln/>
         </p:spPr>
         <p:style>
           <a:lnRef idx="2">
@@ -6881,9 +6925,7 @@
               <a:lumOff val="60000"/>
             </a:schemeClr>
           </a:solidFill>
-          <a:ln>
-            <a:noFill/>
-          </a:ln>
+          <a:ln/>
         </p:spPr>
         <p:style>
           <a:lnRef idx="2">
@@ -7010,9 +7052,7 @@
               <a:lumOff val="60000"/>
             </a:schemeClr>
           </a:solidFill>
-          <a:ln>
-            <a:noFill/>
-          </a:ln>
+          <a:ln/>
         </p:spPr>
         <p:style>
           <a:lnRef idx="2">
@@ -7585,7 +7625,7 @@
                 <a:latin typeface="Consolas" pitchFamily="49" charset="0"/>
                 <a:cs typeface="Consolas" pitchFamily="49" charset="0"/>
               </a:rPr>
-              <a:t>BinTreeOfX</a:t>
+              <a:t>BintreeOfX</a:t>
             </a:r>
             <a:r>
               <a:rPr lang="en-US" sz="2400" b="1" dirty="0">
@@ -7637,7 +7677,7 @@
                 <a:latin typeface="Consolas" pitchFamily="49" charset="0"/>
                 <a:cs typeface="Consolas" pitchFamily="49" charset="0"/>
               </a:rPr>
-              <a:t>BinTreeOfX</a:t>
+              <a:t>BintreeOfX</a:t>
             </a:r>
             <a:r>
               <a:rPr lang="en-US" sz="2400" b="1" dirty="0">
@@ -7651,7 +7691,7 @@
                 <a:latin typeface="Consolas" pitchFamily="49" charset="0"/>
                 <a:cs typeface="Consolas" pitchFamily="49" charset="0"/>
               </a:rPr>
-              <a:t>BinTreeOfX</a:t>
+              <a:t>BintreeOfX</a:t>
             </a:r>
             <a:r>
               <a:rPr lang="en-US" sz="2400" b="1" dirty="0">
@@ -7703,7 +7743,7 @@
         </p:nvSpPr>
         <p:spPr>
           <a:xfrm>
-            <a:off x="4648200" y="4222750"/>
+            <a:off x="4648200" y="4191000"/>
             <a:ext cx="3505200" cy="2133600"/>
           </a:xfrm>
           <a:prstGeom prst="rect">
@@ -7715,9 +7755,7 @@
               <a:lumOff val="60000"/>
             </a:schemeClr>
           </a:solidFill>
-          <a:ln>
-            <a:noFill/>
-          </a:ln>
+          <a:ln/>
         </p:spPr>
         <p:style>
           <a:lnRef idx="2">
@@ -7897,7 +7935,7 @@
                 <a:latin typeface="Consolas" pitchFamily="49" charset="0"/>
                 <a:cs typeface="Consolas" pitchFamily="49" charset="0"/>
               </a:rPr>
-              <a:t>BinTreeOfX</a:t>
+              <a:t>BintreeOfX</a:t>
             </a:r>
             <a:r>
               <a:rPr lang="en-US" sz="2400" b="1" dirty="0">
@@ -9521,9 +9559,7 @@
               <a:lumOff val="60000"/>
             </a:schemeClr>
           </a:solidFill>
-          <a:ln>
-            <a:noFill/>
-          </a:ln>
+          <a:ln/>
         </p:spPr>
         <p:style>
           <a:lnRef idx="2">
@@ -9921,9 +9957,7 @@
               <a:lumOff val="60000"/>
             </a:schemeClr>
           </a:solidFill>
-          <a:ln>
-            <a:noFill/>
-          </a:ln>
+          <a:ln/>
         </p:spPr>
         <p:style>
           <a:lnRef idx="2">
@@ -10233,15 +10267,7 @@
           <a:prstGeom prst="rect">
             <a:avLst/>
           </a:prstGeom>
-          <a:solidFill>
-            <a:schemeClr val="accent1">
-              <a:lumMod val="20000"/>
-              <a:lumOff val="80000"/>
-            </a:schemeClr>
-          </a:solidFill>
-          <a:ln>
-            <a:noFill/>
-          </a:ln>
+          <a:ln/>
         </p:spPr>
         <p:style>
           <a:lnRef idx="1">
@@ -10951,9 +10977,7 @@
               <a:lumOff val="60000"/>
             </a:schemeClr>
           </a:solidFill>
-          <a:ln>
-            <a:noFill/>
-          </a:ln>
+          <a:ln/>
         </p:spPr>
         <p:style>
           <a:lnRef idx="2">
@@ -11010,9 +11034,7 @@
               <a:lumOff val="60000"/>
             </a:schemeClr>
           </a:solidFill>
-          <a:ln>
-            <a:noFill/>
-          </a:ln>
+          <a:ln/>
         </p:spPr>
         <p:style>
           <a:lnRef idx="2">
@@ -11264,9 +11286,7 @@
               <a:lumOff val="60000"/>
             </a:schemeClr>
           </a:solidFill>
-          <a:ln>
-            <a:noFill/>
-          </a:ln>
+          <a:ln/>
         </p:spPr>
         <p:style>
           <a:lnRef idx="2">
@@ -12030,9 +12050,7 @@
               <a:lumOff val="60000"/>
             </a:schemeClr>
           </a:solidFill>
-          <a:ln>
-            <a:noFill/>
-          </a:ln>
+          <a:ln/>
         </p:spPr>
         <p:style>
           <a:lnRef idx="2">
